--- a/Presentazione-LocalSearch.pptx
+++ b/Presentazione-LocalSearch.pptx
@@ -5,7 +5,7 @@
     <p:sldMasterId id="2147483672" r:id="rId1"/>
   </p:sldMasterIdLst>
   <p:notesMasterIdLst>
-    <p:notesMasterId r:id="rId19"/>
+    <p:notesMasterId r:id="rId18"/>
   </p:notesMasterIdLst>
   <p:sldIdLst>
     <p:sldId id="256" r:id="rId2"/>
@@ -16,15 +16,14 @@
     <p:sldId id="261" r:id="rId7"/>
     <p:sldId id="262" r:id="rId8"/>
     <p:sldId id="263" r:id="rId9"/>
-    <p:sldId id="264" r:id="rId10"/>
-    <p:sldId id="265" r:id="rId11"/>
-    <p:sldId id="267" r:id="rId12"/>
-    <p:sldId id="271" r:id="rId13"/>
-    <p:sldId id="273" r:id="rId14"/>
-    <p:sldId id="275" r:id="rId15"/>
-    <p:sldId id="269" r:id="rId16"/>
-    <p:sldId id="276" r:id="rId17"/>
-    <p:sldId id="278" r:id="rId18"/>
+    <p:sldId id="265" r:id="rId10"/>
+    <p:sldId id="267" r:id="rId11"/>
+    <p:sldId id="271" r:id="rId12"/>
+    <p:sldId id="273" r:id="rId13"/>
+    <p:sldId id="275" r:id="rId14"/>
+    <p:sldId id="269" r:id="rId15"/>
+    <p:sldId id="276" r:id="rId16"/>
+    <p:sldId id="278" r:id="rId17"/>
   </p:sldIdLst>
   <p:sldSz cx="12192000" cy="6858000"/>
   <p:notesSz cx="6858000" cy="9144000"/>
@@ -213,7 +212,7 @@
           <a:p>
             <a:fld id="{225D5C37-E1D1-4D70-ABDB-11E0A78B9732}" type="datetimeFigureOut">
               <a:rPr lang="it-IT" smtClean="0"/>
-              <a:t>26/02/2023</a:t>
+              <a:t>27/02/2023</a:t>
             </a:fld>
             <a:endParaRPr lang="it-IT"/>
           </a:p>
@@ -638,7 +637,7 @@
     </p:spTree>
     <p:extLst>
       <p:ext uri="{BB962C8B-B14F-4D97-AF65-F5344CB8AC3E}">
-        <p14:creationId xmlns:p14="http://schemas.microsoft.com/office/powerpoint/2010/main" val="521751584"/>
+        <p14:creationId xmlns:p14="http://schemas.microsoft.com/office/powerpoint/2010/main" val="1141366654"/>
       </p:ext>
     </p:extLst>
   </p:cSld>
@@ -722,7 +721,7 @@
     </p:spTree>
     <p:extLst>
       <p:ext uri="{BB962C8B-B14F-4D97-AF65-F5344CB8AC3E}">
-        <p14:creationId xmlns:p14="http://schemas.microsoft.com/office/powerpoint/2010/main" val="1141366654"/>
+        <p14:creationId xmlns:p14="http://schemas.microsoft.com/office/powerpoint/2010/main" val="3400671930"/>
       </p:ext>
     </p:extLst>
   </p:cSld>
@@ -798,90 +797,6 @@
             <a:fld id="{99E88AC9-BC50-4F83-9410-E77C8E858CEA}" type="slidenum">
               <a:rPr lang="it-IT" smtClean="0"/>
               <a:t>16</a:t>
-            </a:fld>
-            <a:endParaRPr lang="it-IT"/>
-          </a:p>
-        </p:txBody>
-      </p:sp>
-    </p:spTree>
-    <p:extLst>
-      <p:ext uri="{BB962C8B-B14F-4D97-AF65-F5344CB8AC3E}">
-        <p14:creationId xmlns:p14="http://schemas.microsoft.com/office/powerpoint/2010/main" val="3400671930"/>
-      </p:ext>
-    </p:extLst>
-  </p:cSld>
-  <p:clrMapOvr>
-    <a:masterClrMapping/>
-  </p:clrMapOvr>
-</p:notes>
-</file>
-
-<file path=ppt/notesSlides/notesSlide13.xml><?xml version="1.0" encoding="utf-8"?>
-<p:notes xmlns:a="http://schemas.openxmlformats.org/drawingml/2006/main" xmlns:r="http://schemas.openxmlformats.org/officeDocument/2006/relationships" xmlns:p="http://schemas.openxmlformats.org/presentationml/2006/main">
-  <p:cSld>
-    <p:spTree>
-      <p:nvGrpSpPr>
-        <p:cNvPr id="1" name=""/>
-        <p:cNvGrpSpPr/>
-        <p:nvPr/>
-      </p:nvGrpSpPr>
-      <p:grpSpPr>
-        <a:xfrm>
-          <a:off x="0" y="0"/>
-          <a:ext cx="0" cy="0"/>
-          <a:chOff x="0" y="0"/>
-          <a:chExt cx="0" cy="0"/>
-        </a:xfrm>
-      </p:grpSpPr>
-      <p:sp>
-        <p:nvSpPr>
-          <p:cNvPr id="2" name="Segnaposto immagine diapositiva 1"/>
-          <p:cNvSpPr>
-            <a:spLocks noGrp="1" noRot="1" noChangeAspect="1"/>
-          </p:cNvSpPr>
-          <p:nvPr>
-            <p:ph type="sldImg"/>
-          </p:nvPr>
-        </p:nvSpPr>
-        <p:spPr/>
-      </p:sp>
-      <p:sp>
-        <p:nvSpPr>
-          <p:cNvPr id="3" name="Segnaposto note 2"/>
-          <p:cNvSpPr>
-            <a:spLocks noGrp="1"/>
-          </p:cNvSpPr>
-          <p:nvPr>
-            <p:ph type="body" idx="1"/>
-          </p:nvPr>
-        </p:nvSpPr>
-        <p:spPr/>
-        <p:txBody>
-          <a:bodyPr/>
-          <a:lstStyle/>
-          <a:p>
-            <a:endParaRPr lang="it-IT" dirty="0"/>
-          </a:p>
-        </p:txBody>
-      </p:sp>
-      <p:sp>
-        <p:nvSpPr>
-          <p:cNvPr id="4" name="Segnaposto numero diapositiva 3"/>
-          <p:cNvSpPr>
-            <a:spLocks noGrp="1"/>
-          </p:cNvSpPr>
-          <p:nvPr>
-            <p:ph type="sldNum" sz="quarter" idx="5"/>
-          </p:nvPr>
-        </p:nvSpPr>
-        <p:spPr/>
-        <p:txBody>
-          <a:bodyPr/>
-          <a:lstStyle/>
-          <a:p>
-            <a:fld id="{99E88AC9-BC50-4F83-9410-E77C8E858CEA}" type="slidenum">
-              <a:rPr lang="it-IT" smtClean="0"/>
-              <a:t>17</a:t>
             </a:fld>
             <a:endParaRPr lang="it-IT"/>
           </a:p>
@@ -1226,7 +1141,7 @@
     </p:spTree>
     <p:extLst>
       <p:ext uri="{BB962C8B-B14F-4D97-AF65-F5344CB8AC3E}">
-        <p14:creationId xmlns:p14="http://schemas.microsoft.com/office/powerpoint/2010/main" val="2246917117"/>
+        <p14:creationId xmlns:p14="http://schemas.microsoft.com/office/powerpoint/2010/main" val="2196443689"/>
       </p:ext>
     </p:extLst>
   </p:cSld>
@@ -1310,7 +1225,7 @@
     </p:spTree>
     <p:extLst>
       <p:ext uri="{BB962C8B-B14F-4D97-AF65-F5344CB8AC3E}">
-        <p14:creationId xmlns:p14="http://schemas.microsoft.com/office/powerpoint/2010/main" val="2196443689"/>
+        <p14:creationId xmlns:p14="http://schemas.microsoft.com/office/powerpoint/2010/main" val="1175193852"/>
       </p:ext>
     </p:extLst>
   </p:cSld>
@@ -1394,7 +1309,7 @@
     </p:spTree>
     <p:extLst>
       <p:ext uri="{BB962C8B-B14F-4D97-AF65-F5344CB8AC3E}">
-        <p14:creationId xmlns:p14="http://schemas.microsoft.com/office/powerpoint/2010/main" val="1175193852"/>
+        <p14:creationId xmlns:p14="http://schemas.microsoft.com/office/powerpoint/2010/main" val="2715941310"/>
       </p:ext>
     </p:extLst>
   </p:cSld>
@@ -1478,7 +1393,7 @@
     </p:spTree>
     <p:extLst>
       <p:ext uri="{BB962C8B-B14F-4D97-AF65-F5344CB8AC3E}">
-        <p14:creationId xmlns:p14="http://schemas.microsoft.com/office/powerpoint/2010/main" val="2715941310"/>
+        <p14:creationId xmlns:p14="http://schemas.microsoft.com/office/powerpoint/2010/main" val="2540506823"/>
       </p:ext>
     </p:extLst>
   </p:cSld>
@@ -1562,7 +1477,7 @@
     </p:spTree>
     <p:extLst>
       <p:ext uri="{BB962C8B-B14F-4D97-AF65-F5344CB8AC3E}">
-        <p14:creationId xmlns:p14="http://schemas.microsoft.com/office/powerpoint/2010/main" val="2540506823"/>
+        <p14:creationId xmlns:p14="http://schemas.microsoft.com/office/powerpoint/2010/main" val="521751584"/>
       </p:ext>
     </p:extLst>
   </p:cSld>
@@ -1719,7 +1634,7 @@
           <a:p>
             <a:fld id="{BA9FF3EB-1E57-466A-9C78-8D12BD48C62F}" type="datetimeFigureOut">
               <a:rPr lang="it-IT" smtClean="0"/>
-              <a:t>26/02/2023</a:t>
+              <a:t>27/02/2023</a:t>
             </a:fld>
             <a:endParaRPr lang="it-IT"/>
           </a:p>
@@ -1917,7 +1832,7 @@
           <a:p>
             <a:fld id="{BA9FF3EB-1E57-466A-9C78-8D12BD48C62F}" type="datetimeFigureOut">
               <a:rPr lang="it-IT" smtClean="0"/>
-              <a:t>26/02/2023</a:t>
+              <a:t>27/02/2023</a:t>
             </a:fld>
             <a:endParaRPr lang="it-IT"/>
           </a:p>
@@ -2125,7 +2040,7 @@
           <a:p>
             <a:fld id="{BA9FF3EB-1E57-466A-9C78-8D12BD48C62F}" type="datetimeFigureOut">
               <a:rPr lang="it-IT" smtClean="0"/>
-              <a:t>26/02/2023</a:t>
+              <a:t>27/02/2023</a:t>
             </a:fld>
             <a:endParaRPr lang="it-IT"/>
           </a:p>
@@ -2323,7 +2238,7 @@
           <a:p>
             <a:fld id="{BA9FF3EB-1E57-466A-9C78-8D12BD48C62F}" type="datetimeFigureOut">
               <a:rPr lang="it-IT" smtClean="0"/>
-              <a:t>26/02/2023</a:t>
+              <a:t>27/02/2023</a:t>
             </a:fld>
             <a:endParaRPr lang="it-IT"/>
           </a:p>
@@ -2598,7 +2513,7 @@
           <a:p>
             <a:fld id="{BA9FF3EB-1E57-466A-9C78-8D12BD48C62F}" type="datetimeFigureOut">
               <a:rPr lang="it-IT" smtClean="0"/>
-              <a:t>26/02/2023</a:t>
+              <a:t>27/02/2023</a:t>
             </a:fld>
             <a:endParaRPr lang="it-IT"/>
           </a:p>
@@ -2863,7 +2778,7 @@
           <a:p>
             <a:fld id="{BA9FF3EB-1E57-466A-9C78-8D12BD48C62F}" type="datetimeFigureOut">
               <a:rPr lang="it-IT" smtClean="0"/>
-              <a:t>26/02/2023</a:t>
+              <a:t>27/02/2023</a:t>
             </a:fld>
             <a:endParaRPr lang="it-IT"/>
           </a:p>
@@ -3275,7 +3190,7 @@
           <a:p>
             <a:fld id="{BA9FF3EB-1E57-466A-9C78-8D12BD48C62F}" type="datetimeFigureOut">
               <a:rPr lang="it-IT" smtClean="0"/>
-              <a:t>26/02/2023</a:t>
+              <a:t>27/02/2023</a:t>
             </a:fld>
             <a:endParaRPr lang="it-IT"/>
           </a:p>
@@ -3416,7 +3331,7 @@
           <a:p>
             <a:fld id="{BA9FF3EB-1E57-466A-9C78-8D12BD48C62F}" type="datetimeFigureOut">
               <a:rPr lang="it-IT" smtClean="0"/>
-              <a:t>26/02/2023</a:t>
+              <a:t>27/02/2023</a:t>
             </a:fld>
             <a:endParaRPr lang="it-IT"/>
           </a:p>
@@ -3529,7 +3444,7 @@
           <a:p>
             <a:fld id="{BA9FF3EB-1E57-466A-9C78-8D12BD48C62F}" type="datetimeFigureOut">
               <a:rPr lang="it-IT" smtClean="0"/>
-              <a:t>26/02/2023</a:t>
+              <a:t>27/02/2023</a:t>
             </a:fld>
             <a:endParaRPr lang="it-IT"/>
           </a:p>
@@ -3840,7 +3755,7 @@
           <a:p>
             <a:fld id="{BA9FF3EB-1E57-466A-9C78-8D12BD48C62F}" type="datetimeFigureOut">
               <a:rPr lang="it-IT" smtClean="0"/>
-              <a:t>26/02/2023</a:t>
+              <a:t>27/02/2023</a:t>
             </a:fld>
             <a:endParaRPr lang="it-IT"/>
           </a:p>
@@ -4128,7 +4043,7 @@
           <a:p>
             <a:fld id="{BA9FF3EB-1E57-466A-9C78-8D12BD48C62F}" type="datetimeFigureOut">
               <a:rPr lang="it-IT" smtClean="0"/>
-              <a:t>26/02/2023</a:t>
+              <a:t>27/02/2023</a:t>
             </a:fld>
             <a:endParaRPr lang="it-IT"/>
           </a:p>
@@ -4369,7 +4284,7 @@
           <a:p>
             <a:fld id="{BA9FF3EB-1E57-466A-9C78-8D12BD48C62F}" type="datetimeFigureOut">
               <a:rPr lang="it-IT" smtClean="0"/>
-              <a:t>26/02/2023</a:t>
+              <a:t>27/02/2023</a:t>
             </a:fld>
             <a:endParaRPr lang="it-IT"/>
           </a:p>
@@ -4967,398 +4882,6 @@
               <a:rPr lang="it-IT" sz="3600" dirty="0">
                 <a:latin typeface="Avenir Next LT Pro Light" panose="020B0304020202020204" pitchFamily="34" charset="0"/>
               </a:rPr>
-              <a:t>Fair solution – Local search</a:t>
-            </a:r>
-          </a:p>
-        </p:txBody>
-      </p:sp>
-      <mc:AlternateContent xmlns:mc="http://schemas.openxmlformats.org/markup-compatibility/2006" xmlns:a14="http://schemas.microsoft.com/office/drawing/2010/main">
-        <mc:Choice Requires="a14">
-          <p:sp>
-            <p:nvSpPr>
-              <p:cNvPr id="4" name="CasellaDiTesto 3">
-                <a:extLst>
-                  <a:ext uri="{FF2B5EF4-FFF2-40B4-BE49-F238E27FC236}">
-                    <a16:creationId xmlns:a16="http://schemas.microsoft.com/office/drawing/2014/main" id="{C6189D12-3DA9-39BB-D53E-E89E1EB5624F}"/>
-                  </a:ext>
-                </a:extLst>
-              </p:cNvPr>
-              <p:cNvSpPr txBox="1"/>
-              <p:nvPr/>
-            </p:nvSpPr>
-            <p:spPr>
-              <a:xfrm>
-                <a:off x="484762" y="996526"/>
-                <a:ext cx="11222476" cy="1589153"/>
-              </a:xfrm>
-              <a:prstGeom prst="rect">
-                <a:avLst/>
-              </a:prstGeom>
-              <a:noFill/>
-            </p:spPr>
-            <p:txBody>
-              <a:bodyPr wrap="square" rtlCol="0">
-                <a:spAutoFit/>
-              </a:bodyPr>
-              <a:lstStyle/>
-              <a:p>
-                <a:pPr marL="285750" indent="-285750">
-                  <a:lnSpc>
-                    <a:spcPct val="150000"/>
-                  </a:lnSpc>
-                  <a:buFont typeface="Arial" panose="020B0604020202020204" pitchFamily="34" charset="0"/>
-                  <a:buChar char="•"/>
-                </a:pPr>
-                <a:r>
-                  <a:rPr lang="it-IT" dirty="0">
-                    <a:latin typeface="Avenir Next LT Pro Light" panose="020B0304020202020204" pitchFamily="34" charset="0"/>
-                  </a:rPr>
-                  <a:t>In questo modo possiamo implementare un algoritmo di ricerca che aggiorna la soluzione </a:t>
-                </a:r>
-                <a14:m>
-                  <m:oMath xmlns:m="http://schemas.openxmlformats.org/officeDocument/2006/math">
-                    <m:r>
-                      <a:rPr lang="it-IT" i="1">
-                        <a:latin typeface="Cambria Math" panose="02040503050406030204" pitchFamily="18" charset="0"/>
-                      </a:rPr>
-                      <m:t>𝜎</m:t>
-                    </m:r>
-                  </m:oMath>
-                </a14:m>
-                <a:r>
-                  <a:rPr lang="it-IT" dirty="0">
-                    <a:latin typeface="Avenir Next LT Pro Light" panose="020B0304020202020204" pitchFamily="34" charset="0"/>
-                  </a:rPr>
-                  <a:t> eseguendo uno scambio alla volta; se la nuova soluzione migliora la funzione obiettivo </a:t>
-                </a:r>
-                <a14:m>
-                  <m:oMath xmlns:m="http://schemas.openxmlformats.org/officeDocument/2006/math">
-                    <m:func>
-                      <m:funcPr>
-                        <m:ctrlPr>
-                          <a:rPr lang="it-IT" i="1">
-                            <a:latin typeface="Cambria Math" panose="02040503050406030204" pitchFamily="18" charset="0"/>
-                          </a:rPr>
-                        </m:ctrlPr>
-                      </m:funcPr>
-                      <m:fName>
-                        <m:limLow>
-                          <m:limLowPr>
-                            <m:ctrlPr>
-                              <a:rPr lang="it-IT" i="1">
-                                <a:latin typeface="Cambria Math" panose="02040503050406030204" pitchFamily="18" charset="0"/>
-                              </a:rPr>
-                            </m:ctrlPr>
-                          </m:limLowPr>
-                          <m:e>
-                            <m:r>
-                              <m:rPr>
-                                <m:sty m:val="p"/>
-                              </m:rPr>
-                              <a:rPr lang="it-IT">
-                                <a:latin typeface="Cambria Math" panose="02040503050406030204" pitchFamily="18" charset="0"/>
-                              </a:rPr>
-                              <m:t>min</m:t>
-                            </m:r>
-                          </m:e>
-                          <m:lim>
-                            <m:r>
-                              <a:rPr lang="it-IT" i="1">
-                                <a:latin typeface="Cambria Math" panose="02040503050406030204" pitchFamily="18" charset="0"/>
-                              </a:rPr>
-                              <m:t>𝜎</m:t>
-                            </m:r>
-                          </m:lim>
-                        </m:limLow>
-                      </m:fName>
-                      <m:e>
-                        <m:r>
-                          <a:rPr lang="it-IT" i="1">
-                            <a:latin typeface="Cambria Math" panose="02040503050406030204" pitchFamily="18" charset="0"/>
-                          </a:rPr>
-                          <m:t>𝑧</m:t>
-                        </m:r>
-                      </m:e>
-                    </m:func>
-                  </m:oMath>
-                </a14:m>
-                <a:r>
-                  <a:rPr lang="it-IT" dirty="0">
-                    <a:latin typeface="Avenir Next LT Pro Light" panose="020B0304020202020204" pitchFamily="34" charset="0"/>
-                  </a:rPr>
-                  <a:t> si accetta, altrimenti no.</a:t>
-                </a:r>
-              </a:p>
-              <a:p>
-                <a:pPr marL="285750" indent="-285750">
-                  <a:lnSpc>
-                    <a:spcPct val="150000"/>
-                  </a:lnSpc>
-                  <a:buFont typeface="Arial" panose="020B0604020202020204" pitchFamily="34" charset="0"/>
-                  <a:buChar char="•"/>
-                </a:pPr>
-                <a:r>
-                  <a:rPr lang="it-IT" dirty="0">
-                    <a:latin typeface="Avenir Next LT Pro Light" panose="020B0304020202020204" pitchFamily="34" charset="0"/>
-                  </a:rPr>
-                  <a:t>Ad ogni step vediamo quanto peggiora l’ottimo globale </a:t>
-                </a:r>
-                <a14:m>
-                  <m:oMath xmlns:m="http://schemas.openxmlformats.org/officeDocument/2006/math">
-                    <m:func>
-                      <m:funcPr>
-                        <m:ctrlPr>
-                          <a:rPr lang="it-IT" i="1">
-                            <a:latin typeface="Cambria Math" panose="02040503050406030204" pitchFamily="18" charset="0"/>
-                          </a:rPr>
-                        </m:ctrlPr>
-                      </m:funcPr>
-                      <m:fName>
-                        <m:r>
-                          <m:rPr>
-                            <m:sty m:val="p"/>
-                          </m:rPr>
-                          <a:rPr lang="it-IT">
-                            <a:latin typeface="Cambria Math" panose="02040503050406030204" pitchFamily="18" charset="0"/>
-                          </a:rPr>
-                          <m:t>min</m:t>
-                        </m:r>
-                      </m:fName>
-                      <m:e>
-                        <m:sSup>
-                          <m:sSupPr>
-                            <m:ctrlPr>
-                              <a:rPr lang="it-IT" i="1">
-                                <a:latin typeface="Cambria Math" panose="02040503050406030204" pitchFamily="18" charset="0"/>
-                              </a:rPr>
-                            </m:ctrlPr>
-                          </m:sSupPr>
-                          <m:e>
-                            <m:r>
-                              <a:rPr lang="it-IT" i="1">
-                                <a:latin typeface="Cambria Math" panose="02040503050406030204" pitchFamily="18" charset="0"/>
-                              </a:rPr>
-                              <m:t>𝑓</m:t>
-                            </m:r>
-                          </m:e>
-                          <m:sup>
-                            <m:r>
-                              <a:rPr lang="it-IT" i="1">
-                                <a:latin typeface="Cambria Math" panose="02040503050406030204" pitchFamily="18" charset="0"/>
-                              </a:rPr>
-                              <m:t>𝐴</m:t>
-                            </m:r>
-                          </m:sup>
-                        </m:sSup>
-                        <m:r>
-                          <a:rPr lang="it-IT" i="1">
-                            <a:latin typeface="Cambria Math" panose="02040503050406030204" pitchFamily="18" charset="0"/>
-                          </a:rPr>
-                          <m:t>+</m:t>
-                        </m:r>
-                        <m:sSup>
-                          <m:sSupPr>
-                            <m:ctrlPr>
-                              <a:rPr lang="it-IT" i="1">
-                                <a:latin typeface="Cambria Math" panose="02040503050406030204" pitchFamily="18" charset="0"/>
-                              </a:rPr>
-                            </m:ctrlPr>
-                          </m:sSupPr>
-                          <m:e>
-                            <m:r>
-                              <a:rPr lang="it-IT" i="1">
-                                <a:latin typeface="Cambria Math" panose="02040503050406030204" pitchFamily="18" charset="0"/>
-                              </a:rPr>
-                              <m:t>𝑓</m:t>
-                            </m:r>
-                          </m:e>
-                          <m:sup>
-                            <m:r>
-                              <a:rPr lang="it-IT" i="1">
-                                <a:latin typeface="Cambria Math" panose="02040503050406030204" pitchFamily="18" charset="0"/>
-                              </a:rPr>
-                              <m:t>𝐵</m:t>
-                            </m:r>
-                          </m:sup>
-                        </m:sSup>
-                      </m:e>
-                    </m:func>
-                  </m:oMath>
-                </a14:m>
-                <a:r>
-                  <a:rPr lang="it-IT" dirty="0">
-                    <a:latin typeface="Avenir Next LT Pro Light" panose="020B0304020202020204" pitchFamily="34" charset="0"/>
-                  </a:rPr>
-                  <a:t> e quanto migliora l’equità </a:t>
-                </a:r>
-                <a14:m>
-                  <m:oMath xmlns:m="http://schemas.openxmlformats.org/officeDocument/2006/math">
-                    <m:func>
-                      <m:funcPr>
-                        <m:ctrlPr>
-                          <a:rPr lang="it-IT" i="1">
-                            <a:latin typeface="Cambria Math" panose="02040503050406030204" pitchFamily="18" charset="0"/>
-                          </a:rPr>
-                        </m:ctrlPr>
-                      </m:funcPr>
-                      <m:fName>
-                        <m:limLow>
-                          <m:limLowPr>
-                            <m:ctrlPr>
-                              <a:rPr lang="it-IT" i="1">
-                                <a:latin typeface="Cambria Math" panose="02040503050406030204" pitchFamily="18" charset="0"/>
-                              </a:rPr>
-                            </m:ctrlPr>
-                          </m:limLowPr>
-                          <m:e>
-                            <m:r>
-                              <m:rPr>
-                                <m:sty m:val="p"/>
-                              </m:rPr>
-                              <a:rPr lang="it-IT">
-                                <a:latin typeface="Cambria Math" panose="02040503050406030204" pitchFamily="18" charset="0"/>
-                              </a:rPr>
-                              <m:t>min</m:t>
-                            </m:r>
-                          </m:e>
-                          <m:lim>
-                            <m:r>
-                              <a:rPr lang="it-IT" i="1">
-                                <a:latin typeface="Cambria Math" panose="02040503050406030204" pitchFamily="18" charset="0"/>
-                              </a:rPr>
-                              <m:t>𝜎</m:t>
-                            </m:r>
-                          </m:lim>
-                        </m:limLow>
-                      </m:fName>
-                      <m:e>
-                        <m:r>
-                          <a:rPr lang="it-IT" i="1">
-                            <a:latin typeface="Cambria Math" panose="02040503050406030204" pitchFamily="18" charset="0"/>
-                          </a:rPr>
-                          <m:t>𝑧</m:t>
-                        </m:r>
-                      </m:e>
-                    </m:func>
-                  </m:oMath>
-                </a14:m>
-                <a:r>
-                  <a:rPr lang="it-IT" dirty="0">
-                    <a:latin typeface="Avenir Next LT Pro Light" panose="020B0304020202020204" pitchFamily="34" charset="0"/>
-                  </a:rPr>
-                  <a:t>.</a:t>
-                </a:r>
-              </a:p>
-            </p:txBody>
-          </p:sp>
-        </mc:Choice>
-        <mc:Fallback xmlns="">
-          <p:sp>
-            <p:nvSpPr>
-              <p:cNvPr id="4" name="CasellaDiTesto 3">
-                <a:extLst>
-                  <a:ext uri="{FF2B5EF4-FFF2-40B4-BE49-F238E27FC236}">
-                    <a16:creationId xmlns:a16="http://schemas.microsoft.com/office/drawing/2014/main" id="{C6189D12-3DA9-39BB-D53E-E89E1EB5624F}"/>
-                  </a:ext>
-                </a:extLst>
-              </p:cNvPr>
-              <p:cNvSpPr txBox="1">
-                <a:spLocks noRot="1" noChangeAspect="1" noMove="1" noResize="1" noEditPoints="1" noAdjustHandles="1" noChangeArrowheads="1" noChangeShapeType="1" noTextEdit="1"/>
-              </p:cNvSpPr>
-              <p:nvPr/>
-            </p:nvSpPr>
-            <p:spPr>
-              <a:xfrm>
-                <a:off x="484762" y="996526"/>
-                <a:ext cx="11222476" cy="1589153"/>
-              </a:xfrm>
-              <a:prstGeom prst="rect">
-                <a:avLst/>
-              </a:prstGeom>
-              <a:blipFill>
-                <a:blip r:embed="rId3"/>
-                <a:stretch>
-                  <a:fillRect l="-380" r="-815" b="-383"/>
-                </a:stretch>
-              </a:blipFill>
-            </p:spPr>
-            <p:txBody>
-              <a:bodyPr/>
-              <a:lstStyle/>
-              <a:p>
-                <a:r>
-                  <a:rPr lang="it-IT">
-                    <a:noFill/>
-                  </a:rPr>
-                  <a:t> </a:t>
-                </a:r>
-              </a:p>
-            </p:txBody>
-          </p:sp>
-        </mc:Fallback>
-      </mc:AlternateContent>
-    </p:spTree>
-    <p:extLst>
-      <p:ext uri="{BB962C8B-B14F-4D97-AF65-F5344CB8AC3E}">
-        <p14:creationId xmlns:p14="http://schemas.microsoft.com/office/powerpoint/2010/main" val="3676156641"/>
-      </p:ext>
-    </p:extLst>
-  </p:cSld>
-  <p:clrMapOvr>
-    <a:masterClrMapping/>
-  </p:clrMapOvr>
-</p:sld>
-</file>
-
-<file path=ppt/slides/slide11.xml><?xml version="1.0" encoding="utf-8"?>
-<p:sld xmlns:a="http://schemas.openxmlformats.org/drawingml/2006/main" xmlns:r="http://schemas.openxmlformats.org/officeDocument/2006/relationships" xmlns:p="http://schemas.openxmlformats.org/presentationml/2006/main">
-  <p:cSld>
-    <p:spTree>
-      <p:nvGrpSpPr>
-        <p:cNvPr id="1" name=""/>
-        <p:cNvGrpSpPr/>
-        <p:nvPr/>
-      </p:nvGrpSpPr>
-      <p:grpSpPr>
-        <a:xfrm>
-          <a:off x="0" y="0"/>
-          <a:ext cx="0" cy="0"/>
-          <a:chOff x="0" y="0"/>
-          <a:chExt cx="0" cy="0"/>
-        </a:xfrm>
-      </p:grpSpPr>
-      <p:sp>
-        <p:nvSpPr>
-          <p:cNvPr id="2" name="CasellaDiTesto 1">
-            <a:extLst>
-              <a:ext uri="{FF2B5EF4-FFF2-40B4-BE49-F238E27FC236}">
-                <a16:creationId xmlns:a16="http://schemas.microsoft.com/office/drawing/2014/main" id="{407CD97A-D7D3-549A-F6CF-12BD3DDCD20D}"/>
-              </a:ext>
-            </a:extLst>
-          </p:cNvPr>
-          <p:cNvSpPr txBox="1"/>
-          <p:nvPr/>
-        </p:nvSpPr>
-        <p:spPr>
-          <a:xfrm>
-            <a:off x="484762" y="350195"/>
-            <a:ext cx="11222476" cy="646331"/>
-          </a:xfrm>
-          <a:prstGeom prst="rect">
-            <a:avLst/>
-          </a:prstGeom>
-          <a:noFill/>
-        </p:spPr>
-        <p:txBody>
-          <a:bodyPr wrap="square" rtlCol="0">
-            <a:spAutoFit/>
-          </a:bodyPr>
-          <a:lstStyle/>
-          <a:p>
-            <a:r>
-              <a:rPr lang="it-IT" sz="3600" dirty="0">
-                <a:latin typeface="Avenir Next LT Pro Light" panose="020B0304020202020204" pitchFamily="34" charset="0"/>
-              </a:rPr>
               <a:t>Implementazione – Diagramma delle classi</a:t>
             </a:r>
           </a:p>
@@ -5532,7 +5055,7 @@
 </p:sld>
 </file>
 
-<file path=ppt/slides/slide12.xml><?xml version="1.0" encoding="utf-8"?>
+<file path=ppt/slides/slide11.xml><?xml version="1.0" encoding="utf-8"?>
 <p:sld xmlns:a="http://schemas.openxmlformats.org/drawingml/2006/main" xmlns:r="http://schemas.openxmlformats.org/officeDocument/2006/relationships" xmlns:p="http://schemas.openxmlformats.org/presentationml/2006/main">
   <p:cSld>
     <p:spTree>
@@ -5601,7 +5124,7 @@
         <p:spPr>
           <a:xfrm>
             <a:off x="484762" y="996526"/>
-            <a:ext cx="11222476" cy="5447069"/>
+            <a:ext cx="11222476" cy="5862567"/>
           </a:xfrm>
           <a:prstGeom prst="rect">
             <a:avLst/>
@@ -5724,7 +5247,7 @@
               <a:rPr lang="it-IT" dirty="0">
                 <a:latin typeface="Avenir Next LT Pro Light" panose="020B0304020202020204" pitchFamily="34" charset="0"/>
               </a:rPr>
-              <a:t>La sequenza iniziale è ottenuta in modo random a partire da questi parametri.</a:t>
+              <a:t>La sequenza iniziale è ottenuta in modo random a partire da questi parametri e prima di effettuare la ricerca locale viene ordinata.</a:t>
             </a:r>
           </a:p>
           <a:p>
@@ -5865,7 +5388,7 @@
 </p:sld>
 </file>
 
-<file path=ppt/slides/slide13.xml><?xml version="1.0" encoding="utf-8"?>
+<file path=ppt/slides/slide12.xml><?xml version="1.0" encoding="utf-8"?>
 <p:sld xmlns:a="http://schemas.openxmlformats.org/drawingml/2006/main" xmlns:r="http://schemas.openxmlformats.org/officeDocument/2006/relationships" xmlns:p="http://schemas.openxmlformats.org/presentationml/2006/main">
   <p:cSld>
     <p:spTree>
@@ -5957,8 +5480,8 @@
           </a:prstGeom>
         </p:spPr>
       </p:pic>
-      <mc:AlternateContent xmlns:mc="http://schemas.openxmlformats.org/markup-compatibility/2006">
-        <mc:Choice xmlns:a14="http://schemas.microsoft.com/office/drawing/2010/main" Requires="a14">
+      <mc:AlternateContent xmlns:mc="http://schemas.openxmlformats.org/markup-compatibility/2006" xmlns:a14="http://schemas.microsoft.com/office/drawing/2010/main">
+        <mc:Choice Requires="a14">
           <p:sp>
             <p:nvSpPr>
               <p:cNvPr id="6" name="CasellaDiTesto 5">
@@ -6200,19 +5723,7 @@
                       <a:rPr lang="it-IT" b="0" i="1" smtClean="0">
                         <a:latin typeface="Cambria Math" panose="02040503050406030204" pitchFamily="18" charset="0"/>
                       </a:rPr>
-                      <m:t>=</m:t>
-                    </m:r>
-                    <m:r>
-                      <a:rPr lang="it-IT" b="0" i="1" smtClean="0">
-                        <a:latin typeface="Cambria Math" panose="02040503050406030204" pitchFamily="18" charset="0"/>
-                      </a:rPr>
-                      <m:t>1114</m:t>
-                    </m:r>
-                    <m:r>
-                      <a:rPr lang="it-IT" b="0" i="1" smtClean="0">
-                        <a:latin typeface="Cambria Math" panose="02040503050406030204" pitchFamily="18" charset="0"/>
-                      </a:rPr>
-                      <m:t>,</m:t>
+                      <m:t>=1114,</m:t>
                     </m:r>
                     <m:sSup>
                       <m:sSupPr>
@@ -6561,7 +6072,7 @@
             </p:txBody>
           </p:sp>
         </mc:Choice>
-        <mc:Fallback>
+        <mc:Fallback xmlns="">
           <p:sp>
             <p:nvSpPr>
               <p:cNvPr id="6" name="CasellaDiTesto 5">
@@ -6754,7 +6265,7 @@
 </p:sld>
 </file>
 
-<file path=ppt/slides/slide14.xml><?xml version="1.0" encoding="utf-8"?>
+<file path=ppt/slides/slide13.xml><?xml version="1.0" encoding="utf-8"?>
 <p:sld xmlns:a="http://schemas.openxmlformats.org/drawingml/2006/main" xmlns:r="http://schemas.openxmlformats.org/officeDocument/2006/relationships" xmlns:p="http://schemas.openxmlformats.org/presentationml/2006/main">
   <p:cSld>
     <p:spTree>
@@ -6846,8 +6357,8 @@
           </a:prstGeom>
         </p:spPr>
       </p:pic>
-      <mc:AlternateContent xmlns:mc="http://schemas.openxmlformats.org/markup-compatibility/2006">
-        <mc:Choice xmlns:a14="http://schemas.microsoft.com/office/drawing/2010/main" Requires="a14">
+      <mc:AlternateContent xmlns:mc="http://schemas.openxmlformats.org/markup-compatibility/2006" xmlns:a14="http://schemas.microsoft.com/office/drawing/2010/main">
+        <mc:Choice Requires="a14">
           <p:sp>
             <p:nvSpPr>
               <p:cNvPr id="6" name="CasellaDiTesto 5">
@@ -7089,19 +6600,7 @@
                       <a:rPr lang="it-IT" b="0" i="1" smtClean="0">
                         <a:latin typeface="Cambria Math" panose="02040503050406030204" pitchFamily="18" charset="0"/>
                       </a:rPr>
-                      <m:t>=</m:t>
-                    </m:r>
-                    <m:r>
-                      <a:rPr lang="it-IT" b="0" i="1" smtClean="0">
-                        <a:latin typeface="Cambria Math" panose="02040503050406030204" pitchFamily="18" charset="0"/>
-                      </a:rPr>
-                      <m:t>1101</m:t>
-                    </m:r>
-                    <m:r>
-                      <a:rPr lang="it-IT" b="0" i="1" smtClean="0">
-                        <a:latin typeface="Cambria Math" panose="02040503050406030204" pitchFamily="18" charset="0"/>
-                      </a:rPr>
-                      <m:t>,</m:t>
+                      <m:t>=1101,</m:t>
                     </m:r>
                     <m:sSup>
                       <m:sSupPr>
@@ -7450,7 +6949,7 @@
             </p:txBody>
           </p:sp>
         </mc:Choice>
-        <mc:Fallback>
+        <mc:Fallback xmlns="">
           <p:sp>
             <p:nvSpPr>
               <p:cNvPr id="6" name="CasellaDiTesto 5">
@@ -7643,7 +7142,7 @@
 </p:sld>
 </file>
 
-<file path=ppt/slides/slide15.xml><?xml version="1.0" encoding="utf-8"?>
+<file path=ppt/slides/slide14.xml><?xml version="1.0" encoding="utf-8"?>
 <p:sld xmlns:a="http://schemas.openxmlformats.org/drawingml/2006/main" xmlns:r="http://schemas.openxmlformats.org/officeDocument/2006/relationships" xmlns:p="http://schemas.openxmlformats.org/presentationml/2006/main">
   <p:cSld>
     <p:spTree>
@@ -7751,7 +7250,7 @@
               <a:rPr lang="it-IT" b="1" dirty="0" err="1">
                 <a:latin typeface="Avenir Next LT Pro Light" panose="020B0304020202020204" pitchFamily="34" charset="0"/>
               </a:rPr>
-              <a:t>lengths</a:t>
+              <a:t>n_jobs</a:t>
             </a:r>
             <a:r>
               <a:rPr lang="it-IT" b="1" dirty="0">
@@ -7925,7 +7424,7 @@
 </p:sld>
 </file>
 
-<file path=ppt/slides/slide16.xml><?xml version="1.0" encoding="utf-8"?>
+<file path=ppt/slides/slide15.xml><?xml version="1.0" encoding="utf-8"?>
 <p:sld xmlns:a="http://schemas.openxmlformats.org/drawingml/2006/main" xmlns:r="http://schemas.openxmlformats.org/officeDocument/2006/relationships" xmlns:p="http://schemas.openxmlformats.org/presentationml/2006/main">
   <p:cSld>
     <p:spTree>
@@ -8064,7 +7563,7 @@
 </p:sld>
 </file>
 
-<file path=ppt/slides/slide17.xml><?xml version="1.0" encoding="utf-8"?>
+<file path=ppt/slides/slide16.xml><?xml version="1.0" encoding="utf-8"?>
 <p:sld xmlns:a="http://schemas.openxmlformats.org/drawingml/2006/main" xmlns:r="http://schemas.openxmlformats.org/officeDocument/2006/relationships" xmlns:p="http://schemas.openxmlformats.org/presentationml/2006/main">
   <p:cSld>
     <p:spTree>
@@ -12718,8 +12217,8 @@
           </a:p>
         </p:txBody>
       </p:sp>
-      <mc:AlternateContent xmlns:mc="http://schemas.openxmlformats.org/markup-compatibility/2006">
-        <mc:Choice xmlns:a14="http://schemas.microsoft.com/office/drawing/2010/main" Requires="a14">
+      <mc:AlternateContent xmlns:mc="http://schemas.openxmlformats.org/markup-compatibility/2006" xmlns:a14="http://schemas.microsoft.com/office/drawing/2010/main">
+        <mc:Choice Requires="a14">
           <p:sp>
             <p:nvSpPr>
               <p:cNvPr id="4" name="CasellaDiTesto 3">
@@ -13195,7 +12694,7 @@
             </p:txBody>
           </p:sp>
         </mc:Choice>
-        <mc:Fallback>
+        <mc:Fallback xmlns="">
           <p:sp>
             <p:nvSpPr>
               <p:cNvPr id="4" name="CasellaDiTesto 3">
@@ -14834,8 +14333,8 @@
           </a:p>
         </p:txBody>
       </p:sp>
-      <mc:AlternateContent xmlns:mc="http://schemas.openxmlformats.org/markup-compatibility/2006" xmlns:a14="http://schemas.microsoft.com/office/drawing/2010/main">
-        <mc:Choice Requires="a14">
+      <mc:AlternateContent xmlns:mc="http://schemas.openxmlformats.org/markup-compatibility/2006">
+        <mc:Choice xmlns:a14="http://schemas.microsoft.com/office/drawing/2010/main" Requires="a14">
           <p:sp>
             <p:nvSpPr>
               <p:cNvPr id="4" name="CasellaDiTesto 3">
@@ -14851,7 +14350,7 @@
             <p:spPr>
               <a:xfrm>
                 <a:off x="484762" y="996526"/>
-                <a:ext cx="11222476" cy="2669385"/>
+                <a:ext cx="11222476" cy="1707583"/>
               </a:xfrm>
               <a:prstGeom prst="rect">
                 <a:avLst/>
@@ -14863,359 +14362,6 @@
                 <a:spAutoFit/>
               </a:bodyPr>
               <a:lstStyle/>
-              <a:p>
-                <a:pPr marL="285750" indent="-285750">
-                  <a:lnSpc>
-                    <a:spcPct val="150000"/>
-                  </a:lnSpc>
-                  <a:buFont typeface="Arial" panose="020B0604020202020204" pitchFamily="34" charset="0"/>
-                  <a:buChar char="•"/>
-                </a:pPr>
-                <a:r>
-                  <a:rPr lang="it-IT" dirty="0">
-                    <a:latin typeface="Avenir Next LT Pro Light" panose="020B0304020202020204" pitchFamily="34" charset="0"/>
-                  </a:rPr>
-                  <a:t>Considerando la funzione obiettivo precedentemente definita; per l’utente </a:t>
-                </a:r>
-                <a14:m>
-                  <m:oMath xmlns:m="http://schemas.openxmlformats.org/officeDocument/2006/math">
-                    <m:r>
-                      <a:rPr lang="it-IT" i="1">
-                        <a:latin typeface="Cambria Math" panose="02040503050406030204" pitchFamily="18" charset="0"/>
-                      </a:rPr>
-                      <m:t>𝑖</m:t>
-                    </m:r>
-                  </m:oMath>
-                </a14:m>
-                <a:r>
-                  <a:rPr lang="it-IT" dirty="0">
-                    <a:latin typeface="Avenir Next LT Pro Light" panose="020B0304020202020204" pitchFamily="34" charset="0"/>
-                  </a:rPr>
-                  <a:t> la soluzione ottima è una sequenza di job ordinata da quella con durata minore a quella con durata maggiore.</a:t>
-                </a:r>
-              </a:p>
-              <a:p>
-                <a:pPr>
-                  <a:lnSpc>
-                    <a:spcPct val="150000"/>
-                  </a:lnSpc>
-                </a:pPr>
-                <a14:m>
-                  <m:oMathPara xmlns:m="http://schemas.openxmlformats.org/officeDocument/2006/math">
-                    <m:oMathParaPr>
-                      <m:jc m:val="centerGroup"/>
-                    </m:oMathParaPr>
-                    <m:oMath xmlns:m="http://schemas.openxmlformats.org/officeDocument/2006/math">
-                      <m:r>
-                        <a:rPr lang="it-IT" i="1">
-                          <a:latin typeface="Cambria Math" panose="02040503050406030204" pitchFamily="18" charset="0"/>
-                        </a:rPr>
-                        <m:t>𝐴</m:t>
-                      </m:r>
-                      <m:r>
-                        <a:rPr lang="it-IT" i="1">
-                          <a:latin typeface="Cambria Math" panose="02040503050406030204" pitchFamily="18" charset="0"/>
-                        </a:rPr>
-                        <m:t>:</m:t>
-                      </m:r>
-                      <m:sSubSup>
-                        <m:sSubSupPr>
-                          <m:ctrlPr>
-                            <a:rPr lang="it-IT" i="1">
-                              <a:latin typeface="Cambria Math" panose="02040503050406030204" pitchFamily="18" charset="0"/>
-                            </a:rPr>
-                          </m:ctrlPr>
-                        </m:sSubSupPr>
-                        <m:e>
-                          <m:r>
-                            <a:rPr lang="it-IT" i="1">
-                              <a:latin typeface="Cambria Math" panose="02040503050406030204" pitchFamily="18" charset="0"/>
-                            </a:rPr>
-                            <m:t>𝑃</m:t>
-                          </m:r>
-                        </m:e>
-                        <m:sub>
-                          <m:r>
-                            <a:rPr lang="it-IT" i="1">
-                              <a:latin typeface="Cambria Math" panose="02040503050406030204" pitchFamily="18" charset="0"/>
-                            </a:rPr>
-                            <m:t>1</m:t>
-                          </m:r>
-                        </m:sub>
-                        <m:sup>
-                          <m:r>
-                            <a:rPr lang="it-IT" i="1">
-                              <a:latin typeface="Cambria Math" panose="02040503050406030204" pitchFamily="18" charset="0"/>
-                            </a:rPr>
-                            <m:t>𝐴</m:t>
-                          </m:r>
-                        </m:sup>
-                      </m:sSubSup>
-                      <m:r>
-                        <a:rPr lang="it-IT" i="1">
-                          <a:latin typeface="Cambria Math" panose="02040503050406030204" pitchFamily="18" charset="0"/>
-                        </a:rPr>
-                        <m:t>≤</m:t>
-                      </m:r>
-                      <m:sSubSup>
-                        <m:sSubSupPr>
-                          <m:ctrlPr>
-                            <a:rPr lang="it-IT" i="1">
-                              <a:latin typeface="Cambria Math" panose="02040503050406030204" pitchFamily="18" charset="0"/>
-                            </a:rPr>
-                          </m:ctrlPr>
-                        </m:sSubSupPr>
-                        <m:e>
-                          <m:r>
-                            <a:rPr lang="it-IT" i="1">
-                              <a:latin typeface="Cambria Math" panose="02040503050406030204" pitchFamily="18" charset="0"/>
-                            </a:rPr>
-                            <m:t>𝑃</m:t>
-                          </m:r>
-                        </m:e>
-                        <m:sub>
-                          <m:r>
-                            <a:rPr lang="it-IT" i="1">
-                              <a:latin typeface="Cambria Math" panose="02040503050406030204" pitchFamily="18" charset="0"/>
-                            </a:rPr>
-                            <m:t>2</m:t>
-                          </m:r>
-                        </m:sub>
-                        <m:sup>
-                          <m:r>
-                            <a:rPr lang="it-IT" i="1">
-                              <a:latin typeface="Cambria Math" panose="02040503050406030204" pitchFamily="18" charset="0"/>
-                            </a:rPr>
-                            <m:t>𝐴</m:t>
-                          </m:r>
-                        </m:sup>
-                      </m:sSubSup>
-                      <m:r>
-                        <a:rPr lang="it-IT" i="1">
-                          <a:latin typeface="Cambria Math" panose="02040503050406030204" pitchFamily="18" charset="0"/>
-                        </a:rPr>
-                        <m:t>≤…≤</m:t>
-                      </m:r>
-                      <m:sSubSup>
-                        <m:sSubSupPr>
-                          <m:ctrlPr>
-                            <a:rPr lang="it-IT" i="1">
-                              <a:latin typeface="Cambria Math" panose="02040503050406030204" pitchFamily="18" charset="0"/>
-                            </a:rPr>
-                          </m:ctrlPr>
-                        </m:sSubSupPr>
-                        <m:e>
-                          <m:r>
-                            <a:rPr lang="it-IT" i="1">
-                              <a:latin typeface="Cambria Math" panose="02040503050406030204" pitchFamily="18" charset="0"/>
-                            </a:rPr>
-                            <m:t>𝑃</m:t>
-                          </m:r>
-                        </m:e>
-                        <m:sub>
-                          <m:sSub>
-                            <m:sSubPr>
-                              <m:ctrlPr>
-                                <a:rPr lang="it-IT" i="1">
-                                  <a:latin typeface="Cambria Math" panose="02040503050406030204" pitchFamily="18" charset="0"/>
-                                </a:rPr>
-                              </m:ctrlPr>
-                            </m:sSubPr>
-                            <m:e>
-                              <m:r>
-                                <a:rPr lang="it-IT" i="1">
-                                  <a:latin typeface="Cambria Math" panose="02040503050406030204" pitchFamily="18" charset="0"/>
-                                </a:rPr>
-                                <m:t>𝑛</m:t>
-                              </m:r>
-                            </m:e>
-                            <m:sub>
-                              <m:r>
-                                <a:rPr lang="it-IT" i="1">
-                                  <a:latin typeface="Cambria Math" panose="02040503050406030204" pitchFamily="18" charset="0"/>
-                                </a:rPr>
-                                <m:t>𝐴</m:t>
-                              </m:r>
-                            </m:sub>
-                          </m:sSub>
-                        </m:sub>
-                        <m:sup>
-                          <m:r>
-                            <a:rPr lang="it-IT" i="1">
-                              <a:latin typeface="Cambria Math" panose="02040503050406030204" pitchFamily="18" charset="0"/>
-                            </a:rPr>
-                            <m:t>𝐴</m:t>
-                          </m:r>
-                        </m:sup>
-                      </m:sSubSup>
-                    </m:oMath>
-                  </m:oMathPara>
-                </a14:m>
-                <a:endParaRPr lang="it-IT" dirty="0">
-                  <a:latin typeface="Avenir Next LT Pro Light" panose="020B0304020202020204" pitchFamily="34" charset="0"/>
-                </a:endParaRPr>
-              </a:p>
-              <a:p>
-                <a:pPr>
-                  <a:lnSpc>
-                    <a:spcPct val="150000"/>
-                  </a:lnSpc>
-                </a:pPr>
-                <a14:m>
-                  <m:oMathPara xmlns:m="http://schemas.openxmlformats.org/officeDocument/2006/math">
-                    <m:oMathParaPr>
-                      <m:jc m:val="centerGroup"/>
-                    </m:oMathParaPr>
-                    <m:oMath xmlns:m="http://schemas.openxmlformats.org/officeDocument/2006/math">
-                      <m:r>
-                        <a:rPr lang="it-IT" i="1">
-                          <a:latin typeface="Cambria Math" panose="02040503050406030204" pitchFamily="18" charset="0"/>
-                        </a:rPr>
-                        <m:t>𝐵</m:t>
-                      </m:r>
-                      <m:r>
-                        <a:rPr lang="it-IT" i="1">
-                          <a:latin typeface="Cambria Math" panose="02040503050406030204" pitchFamily="18" charset="0"/>
-                        </a:rPr>
-                        <m:t>:</m:t>
-                      </m:r>
-                      <m:sSubSup>
-                        <m:sSubSupPr>
-                          <m:ctrlPr>
-                            <a:rPr lang="it-IT" i="1">
-                              <a:latin typeface="Cambria Math" panose="02040503050406030204" pitchFamily="18" charset="0"/>
-                            </a:rPr>
-                          </m:ctrlPr>
-                        </m:sSubSupPr>
-                        <m:e>
-                          <m:r>
-                            <a:rPr lang="it-IT" i="1">
-                              <a:latin typeface="Cambria Math" panose="02040503050406030204" pitchFamily="18" charset="0"/>
-                            </a:rPr>
-                            <m:t>𝑃</m:t>
-                          </m:r>
-                        </m:e>
-                        <m:sub>
-                          <m:r>
-                            <a:rPr lang="it-IT" i="1">
-                              <a:latin typeface="Cambria Math" panose="02040503050406030204" pitchFamily="18" charset="0"/>
-                            </a:rPr>
-                            <m:t>1</m:t>
-                          </m:r>
-                        </m:sub>
-                        <m:sup>
-                          <m:r>
-                            <a:rPr lang="it-IT" i="1">
-                              <a:latin typeface="Cambria Math" panose="02040503050406030204" pitchFamily="18" charset="0"/>
-                            </a:rPr>
-                            <m:t>𝐵</m:t>
-                          </m:r>
-                        </m:sup>
-                      </m:sSubSup>
-                      <m:r>
-                        <a:rPr lang="it-IT" i="1">
-                          <a:latin typeface="Cambria Math" panose="02040503050406030204" pitchFamily="18" charset="0"/>
-                        </a:rPr>
-                        <m:t>≤</m:t>
-                      </m:r>
-                      <m:sSubSup>
-                        <m:sSubSupPr>
-                          <m:ctrlPr>
-                            <a:rPr lang="it-IT" i="1">
-                              <a:latin typeface="Cambria Math" panose="02040503050406030204" pitchFamily="18" charset="0"/>
-                            </a:rPr>
-                          </m:ctrlPr>
-                        </m:sSubSupPr>
-                        <m:e>
-                          <m:r>
-                            <a:rPr lang="it-IT" i="1">
-                              <a:latin typeface="Cambria Math" panose="02040503050406030204" pitchFamily="18" charset="0"/>
-                            </a:rPr>
-                            <m:t>𝑃</m:t>
-                          </m:r>
-                        </m:e>
-                        <m:sub>
-                          <m:r>
-                            <a:rPr lang="it-IT" i="1">
-                              <a:latin typeface="Cambria Math" panose="02040503050406030204" pitchFamily="18" charset="0"/>
-                            </a:rPr>
-                            <m:t>2</m:t>
-                          </m:r>
-                        </m:sub>
-                        <m:sup>
-                          <m:r>
-                            <a:rPr lang="it-IT" i="1">
-                              <a:latin typeface="Cambria Math" panose="02040503050406030204" pitchFamily="18" charset="0"/>
-                            </a:rPr>
-                            <m:t>𝐵</m:t>
-                          </m:r>
-                        </m:sup>
-                      </m:sSubSup>
-                      <m:r>
-                        <a:rPr lang="it-IT" i="1">
-                          <a:latin typeface="Cambria Math" panose="02040503050406030204" pitchFamily="18" charset="0"/>
-                        </a:rPr>
-                        <m:t>≤…≤</m:t>
-                      </m:r>
-                      <m:sSubSup>
-                        <m:sSubSupPr>
-                          <m:ctrlPr>
-                            <a:rPr lang="it-IT" i="1">
-                              <a:latin typeface="Cambria Math" panose="02040503050406030204" pitchFamily="18" charset="0"/>
-                            </a:rPr>
-                          </m:ctrlPr>
-                        </m:sSubSupPr>
-                        <m:e>
-                          <m:r>
-                            <a:rPr lang="it-IT" i="1">
-                              <a:latin typeface="Cambria Math" panose="02040503050406030204" pitchFamily="18" charset="0"/>
-                            </a:rPr>
-                            <m:t>𝑃</m:t>
-                          </m:r>
-                        </m:e>
-                        <m:sub>
-                          <m:sSub>
-                            <m:sSubPr>
-                              <m:ctrlPr>
-                                <a:rPr lang="it-IT" i="1">
-                                  <a:latin typeface="Cambria Math" panose="02040503050406030204" pitchFamily="18" charset="0"/>
-                                </a:rPr>
-                              </m:ctrlPr>
-                            </m:sSubPr>
-                            <m:e>
-                              <m:r>
-                                <a:rPr lang="it-IT" i="1">
-                                  <a:latin typeface="Cambria Math" panose="02040503050406030204" pitchFamily="18" charset="0"/>
-                                </a:rPr>
-                                <m:t>𝑛</m:t>
-                              </m:r>
-                            </m:e>
-                            <m:sub>
-                              <m:r>
-                                <a:rPr lang="it-IT" i="1">
-                                  <a:latin typeface="Cambria Math" panose="02040503050406030204" pitchFamily="18" charset="0"/>
-                                </a:rPr>
-                                <m:t>𝐵</m:t>
-                              </m:r>
-                            </m:sub>
-                          </m:sSub>
-                        </m:sub>
-                        <m:sup>
-                          <m:r>
-                            <a:rPr lang="it-IT" i="1">
-                              <a:latin typeface="Cambria Math" panose="02040503050406030204" pitchFamily="18" charset="0"/>
-                            </a:rPr>
-                            <m:t>𝐵</m:t>
-                          </m:r>
-                        </m:sup>
-                      </m:sSubSup>
-                    </m:oMath>
-                  </m:oMathPara>
-                </a14:m>
-                <a:endParaRPr lang="it-IT" dirty="0">
-                  <a:latin typeface="Avenir Next LT Pro Light" panose="020B0304020202020204" pitchFamily="34" charset="0"/>
-                </a:endParaRPr>
-              </a:p>
               <a:p>
                 <a:pPr marL="285750" indent="-285750">
                   <a:lnSpc>
@@ -15295,7 +14441,69 @@
                   <a:rPr lang="it-IT" dirty="0">
                     <a:latin typeface="Avenir Next LT Pro Light" panose="020B0304020202020204" pitchFamily="34" charset="0"/>
                   </a:rPr>
-                  <a:t> sono ordinati (e questi devono rimanere tra loro sempre ordinati, altrimenti aumenta la funzione obiettivo). Ad esempio, supponiamo di avere come </a:t>
+                  <a:t> (insieme) sono ordinati.</a:t>
+                </a:r>
+              </a:p>
+              <a:p>
+                <a:pPr marL="285750" indent="-285750">
+                  <a:lnSpc>
+                    <a:spcPct val="150000"/>
+                  </a:lnSpc>
+                  <a:buFont typeface="Arial" panose="020B0604020202020204" pitchFamily="34" charset="0"/>
+                  <a:buChar char="•"/>
+                </a:pPr>
+                <a:r>
+                  <a:rPr lang="it-IT" dirty="0">
+                    <a:latin typeface="Avenir Next LT Pro Light" panose="020B0304020202020204" pitchFamily="34" charset="0"/>
+                  </a:rPr>
+                  <a:t>Durante l’esecuzione i job di </a:t>
+                </a:r>
+                <a14:m>
+                  <m:oMath xmlns:m="http://schemas.openxmlformats.org/officeDocument/2006/math">
+                    <m:r>
+                      <a:rPr lang="it-IT" i="1">
+                        <a:latin typeface="Cambria Math" panose="02040503050406030204" pitchFamily="18" charset="0"/>
+                      </a:rPr>
+                      <m:t>𝐴</m:t>
+                    </m:r>
+                  </m:oMath>
+                </a14:m>
+                <a:r>
+                  <a:rPr lang="it-IT" dirty="0">
+                    <a:latin typeface="Avenir Next LT Pro Light" panose="020B0304020202020204" pitchFamily="34" charset="0"/>
+                  </a:rPr>
+                  <a:t> devono rimanere tra loro ordinati (altrimenti aumenta la funzione obiettivo) così come i job di </a:t>
+                </a:r>
+                <a14:m>
+                  <m:oMath xmlns:m="http://schemas.openxmlformats.org/officeDocument/2006/math">
+                    <m:r>
+                      <a:rPr lang="it-IT" b="0" i="1" smtClean="0">
+                        <a:latin typeface="Cambria Math" panose="02040503050406030204" pitchFamily="18" charset="0"/>
+                      </a:rPr>
+                      <m:t>𝐵</m:t>
+                    </m:r>
+                  </m:oMath>
+                </a14:m>
+                <a:r>
+                  <a:rPr lang="it-IT" dirty="0">
+                    <a:latin typeface="Avenir Next LT Pro Light" panose="020B0304020202020204" pitchFamily="34" charset="0"/>
+                  </a:rPr>
+                  <a:t>.</a:t>
+                </a:r>
+              </a:p>
+              <a:p>
+                <a:pPr marL="285750" indent="-285750">
+                  <a:lnSpc>
+                    <a:spcPct val="150000"/>
+                  </a:lnSpc>
+                  <a:buFont typeface="Arial" panose="020B0604020202020204" pitchFamily="34" charset="0"/>
+                  <a:buChar char="•"/>
+                </a:pPr>
+                <a:r>
+                  <a:rPr lang="it-IT" dirty="0">
+                    <a:latin typeface="Avenir Next LT Pro Light" panose="020B0304020202020204" pitchFamily="34" charset="0"/>
+                  </a:rPr>
+                  <a:t>Ad esempio, supponiamo di avere come </a:t>
                 </a:r>
                 <a14:m>
                   <m:oMath xmlns:m="http://schemas.openxmlformats.org/officeDocument/2006/math">
@@ -15336,7 +14544,7 @@
             </p:txBody>
           </p:sp>
         </mc:Choice>
-        <mc:Fallback xmlns="">
+        <mc:Fallback>
           <p:sp>
             <p:nvSpPr>
               <p:cNvPr id="4" name="CasellaDiTesto 3">
@@ -15354,7 +14562,7 @@
             <p:spPr>
               <a:xfrm>
                 <a:off x="484762" y="996526"/>
-                <a:ext cx="11222476" cy="2669385"/>
+                <a:ext cx="11222476" cy="1707583"/>
               </a:xfrm>
               <a:prstGeom prst="rect">
                 <a:avLst/>
@@ -15362,193 +14570,7 @@
               <a:blipFill>
                 <a:blip r:embed="rId3"/>
                 <a:stretch>
-                  <a:fillRect l="-380" r="-326" b="-1826"/>
-                </a:stretch>
-              </a:blipFill>
-            </p:spPr>
-            <p:txBody>
-              <a:bodyPr/>
-              <a:lstStyle/>
-              <a:p>
-                <a:r>
-                  <a:rPr lang="it-IT">
-                    <a:noFill/>
-                  </a:rPr>
-                  <a:t> </a:t>
-                </a:r>
-              </a:p>
-            </p:txBody>
-          </p:sp>
-        </mc:Fallback>
-      </mc:AlternateContent>
-      <mc:AlternateContent xmlns:mc="http://schemas.openxmlformats.org/markup-compatibility/2006" xmlns:a14="http://schemas.microsoft.com/office/drawing/2010/main">
-        <mc:Choice Requires="a14">
-          <p:sp>
-            <p:nvSpPr>
-              <p:cNvPr id="7" name="CasellaDiTesto 6">
-                <a:extLst>
-                  <a:ext uri="{FF2B5EF4-FFF2-40B4-BE49-F238E27FC236}">
-                    <a16:creationId xmlns:a16="http://schemas.microsoft.com/office/drawing/2014/main" id="{421BA85D-BB32-F0DA-B0BD-8ABB37AA92AB}"/>
-                  </a:ext>
-                </a:extLst>
-              </p:cNvPr>
-              <p:cNvSpPr txBox="1"/>
-              <p:nvPr/>
-            </p:nvSpPr>
-            <p:spPr>
-              <a:xfrm>
-                <a:off x="484762" y="5465911"/>
-                <a:ext cx="11222476" cy="461088"/>
-              </a:xfrm>
-              <a:prstGeom prst="rect">
-                <a:avLst/>
-              </a:prstGeom>
-              <a:noFill/>
-            </p:spPr>
-            <p:txBody>
-              <a:bodyPr wrap="square">
-                <a:spAutoFit/>
-              </a:bodyPr>
-              <a:lstStyle/>
-              <a:p>
-                <a:pPr marL="285750" indent="-285750" algn="just">
-                  <a:lnSpc>
-                    <a:spcPct val="150000"/>
-                  </a:lnSpc>
-                  <a:spcAft>
-                    <a:spcPts val="800"/>
-                  </a:spcAft>
-                  <a:buFont typeface="Arial" panose="020B0604020202020204" pitchFamily="34" charset="0"/>
-                  <a:buChar char="•"/>
-                </a:pPr>
-                <a:r>
-                  <a:rPr lang="it-IT" sz="1800" dirty="0">
-                    <a:effectLst/>
-                    <a:latin typeface="Avenir Next LT Pro Light" panose="020B0304020202020204" pitchFamily="34" charset="0"/>
-                    <a:ea typeface="Times New Roman" panose="02020603050405020304" pitchFamily="18" charset="0"/>
-                    <a:cs typeface="Times New Roman" panose="02020603050405020304" pitchFamily="18" charset="0"/>
-                  </a:rPr>
-                  <a:t>Si noti che c’è un ordinamento tra i job di </a:t>
-                </a:r>
-                <a14:m>
-                  <m:oMath xmlns:m="http://schemas.openxmlformats.org/officeDocument/2006/math">
-                    <m:r>
-                      <a:rPr lang="it-IT" sz="1800" i="1">
-                        <a:effectLst/>
-                        <a:latin typeface="Cambria Math" panose="02040503050406030204" pitchFamily="18" charset="0"/>
-                        <a:ea typeface="Times New Roman" panose="02020603050405020304" pitchFamily="18" charset="0"/>
-                        <a:cs typeface="Open Sans" panose="020B0606030504020204" pitchFamily="34" charset="0"/>
-                      </a:rPr>
-                      <m:t>𝐴</m:t>
-                    </m:r>
-                  </m:oMath>
-                </a14:m>
-                <a:r>
-                  <a:rPr lang="it-IT" sz="1800" dirty="0">
-                    <a:effectLst/>
-                    <a:latin typeface="Avenir Next LT Pro Light" panose="020B0304020202020204" pitchFamily="34" charset="0"/>
-                    <a:ea typeface="Times New Roman" panose="02020603050405020304" pitchFamily="18" charset="0"/>
-                    <a:cs typeface="Times New Roman" panose="02020603050405020304" pitchFamily="18" charset="0"/>
-                  </a:rPr>
-                  <a:t> e tra i job di </a:t>
-                </a:r>
-                <a14:m>
-                  <m:oMath xmlns:m="http://schemas.openxmlformats.org/officeDocument/2006/math">
-                    <m:r>
-                      <a:rPr lang="it-IT" sz="1800" i="1">
-                        <a:effectLst/>
-                        <a:latin typeface="Cambria Math" panose="02040503050406030204" pitchFamily="18" charset="0"/>
-                        <a:ea typeface="Times New Roman" panose="02020603050405020304" pitchFamily="18" charset="0"/>
-                        <a:cs typeface="Open Sans" panose="020B0606030504020204" pitchFamily="34" charset="0"/>
-                      </a:rPr>
-                      <m:t>𝐵</m:t>
-                    </m:r>
-                  </m:oMath>
-                </a14:m>
-                <a:r>
-                  <a:rPr lang="it-IT" sz="1800" dirty="0">
-                    <a:effectLst/>
-                    <a:latin typeface="Avenir Next LT Pro Light" panose="020B0304020202020204" pitchFamily="34" charset="0"/>
-                    <a:ea typeface="Times New Roman" panose="02020603050405020304" pitchFamily="18" charset="0"/>
-                    <a:cs typeface="Times New Roman" panose="02020603050405020304" pitchFamily="18" charset="0"/>
-                  </a:rPr>
-                  <a:t>, ma non fra i job di </a:t>
-                </a:r>
-                <a14:m>
-                  <m:oMath xmlns:m="http://schemas.openxmlformats.org/officeDocument/2006/math">
-                    <m:r>
-                      <a:rPr lang="it-IT" sz="1800" i="1">
-                        <a:effectLst/>
-                        <a:latin typeface="Cambria Math" panose="02040503050406030204" pitchFamily="18" charset="0"/>
-                        <a:ea typeface="Times New Roman" panose="02020603050405020304" pitchFamily="18" charset="0"/>
-                        <a:cs typeface="Open Sans" panose="020B0606030504020204" pitchFamily="34" charset="0"/>
-                      </a:rPr>
-                      <m:t>𝐴</m:t>
-                    </m:r>
-                  </m:oMath>
-                </a14:m>
-                <a:r>
-                  <a:rPr lang="it-IT" sz="1800" dirty="0">
-                    <a:effectLst/>
-                    <a:latin typeface="Avenir Next LT Pro Light" panose="020B0304020202020204" pitchFamily="34" charset="0"/>
-                    <a:ea typeface="Times New Roman" panose="02020603050405020304" pitchFamily="18" charset="0"/>
-                    <a:cs typeface="Times New Roman" panose="02020603050405020304" pitchFamily="18" charset="0"/>
-                  </a:rPr>
-                  <a:t> e </a:t>
-                </a:r>
-                <a14:m>
-                  <m:oMath xmlns:m="http://schemas.openxmlformats.org/officeDocument/2006/math">
-                    <m:r>
-                      <a:rPr lang="it-IT" sz="1800" i="1">
-                        <a:effectLst/>
-                        <a:latin typeface="Cambria Math" panose="02040503050406030204" pitchFamily="18" charset="0"/>
-                        <a:ea typeface="Times New Roman" panose="02020603050405020304" pitchFamily="18" charset="0"/>
-                        <a:cs typeface="Open Sans" panose="020B0606030504020204" pitchFamily="34" charset="0"/>
-                      </a:rPr>
-                      <m:t>𝐵</m:t>
-                    </m:r>
-                  </m:oMath>
-                </a14:m>
-                <a:r>
-                  <a:rPr lang="it-IT" sz="1800" dirty="0">
-                    <a:effectLst/>
-                    <a:latin typeface="Avenir Next LT Pro Light" panose="020B0304020202020204" pitchFamily="34" charset="0"/>
-                    <a:ea typeface="Times New Roman" panose="02020603050405020304" pitchFamily="18" charset="0"/>
-                    <a:cs typeface="Times New Roman" panose="02020603050405020304" pitchFamily="18" charset="0"/>
-                  </a:rPr>
-                  <a:t> messi insieme.</a:t>
-                </a:r>
-              </a:p>
-            </p:txBody>
-          </p:sp>
-        </mc:Choice>
-        <mc:Fallback xmlns="">
-          <p:sp>
-            <p:nvSpPr>
-              <p:cNvPr id="7" name="CasellaDiTesto 6">
-                <a:extLst>
-                  <a:ext uri="{FF2B5EF4-FFF2-40B4-BE49-F238E27FC236}">
-                    <a16:creationId xmlns:a16="http://schemas.microsoft.com/office/drawing/2014/main" id="{421BA85D-BB32-F0DA-B0BD-8ABB37AA92AB}"/>
-                  </a:ext>
-                </a:extLst>
-              </p:cNvPr>
-              <p:cNvSpPr txBox="1">
-                <a:spLocks noRot="1" noChangeAspect="1" noMove="1" noResize="1" noEditPoints="1" noAdjustHandles="1" noChangeArrowheads="1" noChangeShapeType="1" noTextEdit="1"/>
-              </p:cNvSpPr>
-              <p:nvPr/>
-            </p:nvSpPr>
-            <p:spPr>
-              <a:xfrm>
-                <a:off x="484762" y="5465911"/>
-                <a:ext cx="11222476" cy="461088"/>
-              </a:xfrm>
-              <a:prstGeom prst="rect">
-                <a:avLst/>
-              </a:prstGeom>
-              <a:blipFill>
-                <a:blip r:embed="rId4"/>
-                <a:stretch>
-                  <a:fillRect l="-380" b="-22667"/>
+                  <a:fillRect l="-380" b="-4626"/>
                 </a:stretch>
               </a:blipFill>
             </p:spPr>
@@ -15583,7 +14605,7 @@
         </p:nvCxnSpPr>
         <p:spPr>
           <a:xfrm>
-            <a:off x="1300480" y="5390416"/>
+            <a:off x="1229360" y="4485493"/>
             <a:ext cx="9733280" cy="0"/>
           </a:xfrm>
           <a:prstGeom prst="straightConnector1">
@@ -15624,7 +14646,7 @@
         </p:nvCxnSpPr>
         <p:spPr>
           <a:xfrm flipV="1">
-            <a:off x="1300480" y="3763513"/>
+            <a:off x="1229360" y="2858590"/>
             <a:ext cx="0" cy="1626903"/>
           </a:xfrm>
           <a:prstGeom prst="straightConnector1">
@@ -15649,8 +14671,8 @@
           </a:fontRef>
         </p:style>
       </p:cxnSp>
-      <mc:AlternateContent xmlns:mc="http://schemas.openxmlformats.org/markup-compatibility/2006" xmlns:a14="http://schemas.microsoft.com/office/drawing/2010/main">
-        <mc:Choice Requires="a14">
+      <mc:AlternateContent xmlns:mc="http://schemas.openxmlformats.org/markup-compatibility/2006">
+        <mc:Choice xmlns:a14="http://schemas.microsoft.com/office/drawing/2010/main" Requires="a14">
           <p:sp>
             <p:nvSpPr>
               <p:cNvPr id="8" name="Rettangolo 7">
@@ -15665,8 +14687,8 @@
             </p:nvSpPr>
             <p:spPr>
               <a:xfrm>
-                <a:off x="5328035" y="4312877"/>
-                <a:ext cx="956310" cy="1063304"/>
+                <a:off x="2966847" y="3408208"/>
+                <a:ext cx="1340993" cy="1063304"/>
               </a:xfrm>
               <a:prstGeom prst="rect">
                 <a:avLst/>
@@ -15760,7 +14782,7 @@
             </p:txBody>
           </p:sp>
         </mc:Choice>
-        <mc:Fallback xmlns="">
+        <mc:Fallback>
           <p:sp>
             <p:nvSpPr>
               <p:cNvPr id="8" name="Rettangolo 7">
@@ -15777,14 +14799,14 @@
             </p:nvSpPr>
             <p:spPr>
               <a:xfrm>
-                <a:off x="5328035" y="4312877"/>
-                <a:ext cx="956310" cy="1063304"/>
+                <a:off x="2966847" y="3408208"/>
+                <a:ext cx="1340993" cy="1063304"/>
               </a:xfrm>
               <a:prstGeom prst="rect">
                 <a:avLst/>
               </a:prstGeom>
               <a:blipFill>
-                <a:blip r:embed="rId5"/>
+                <a:blip r:embed="rId4"/>
                 <a:stretch>
                   <a:fillRect/>
                 </a:stretch>
@@ -15810,8 +14832,8 @@
           </p:sp>
         </mc:Fallback>
       </mc:AlternateContent>
-      <mc:AlternateContent xmlns:mc="http://schemas.openxmlformats.org/markup-compatibility/2006" xmlns:a14="http://schemas.microsoft.com/office/drawing/2010/main">
-        <mc:Choice Requires="a14">
+      <mc:AlternateContent xmlns:mc="http://schemas.openxmlformats.org/markup-compatibility/2006">
+        <mc:Choice xmlns:a14="http://schemas.microsoft.com/office/drawing/2010/main" Requires="a14">
           <p:sp>
             <p:nvSpPr>
               <p:cNvPr id="9" name="Rettangolo 8">
@@ -15826,8 +14848,8 @@
             </p:nvSpPr>
             <p:spPr>
               <a:xfrm>
-                <a:off x="2017270" y="4312242"/>
-                <a:ext cx="1550670" cy="1063304"/>
+                <a:off x="1946150" y="3410119"/>
+                <a:ext cx="1020697" cy="1063304"/>
               </a:xfrm>
               <a:prstGeom prst="rect">
                 <a:avLst/>
@@ -15921,7 +14943,7 @@
             </p:txBody>
           </p:sp>
         </mc:Choice>
-        <mc:Fallback xmlns="">
+        <mc:Fallback>
           <p:sp>
             <p:nvSpPr>
               <p:cNvPr id="9" name="Rettangolo 8">
@@ -15938,14 +14960,14 @@
             </p:nvSpPr>
             <p:spPr>
               <a:xfrm>
-                <a:off x="2017270" y="4312242"/>
-                <a:ext cx="1550670" cy="1063304"/>
+                <a:off x="1946150" y="3410119"/>
+                <a:ext cx="1020697" cy="1063304"/>
               </a:xfrm>
               <a:prstGeom prst="rect">
                 <a:avLst/>
               </a:prstGeom>
               <a:blipFill>
-                <a:blip r:embed="rId6"/>
+                <a:blip r:embed="rId5"/>
                 <a:stretch>
                   <a:fillRect/>
                 </a:stretch>
@@ -15971,8 +14993,8 @@
           </p:sp>
         </mc:Fallback>
       </mc:AlternateContent>
-      <mc:AlternateContent xmlns:mc="http://schemas.openxmlformats.org/markup-compatibility/2006" xmlns:a14="http://schemas.microsoft.com/office/drawing/2010/main">
-        <mc:Choice Requires="a14">
+      <mc:AlternateContent xmlns:mc="http://schemas.openxmlformats.org/markup-compatibility/2006">
+        <mc:Choice xmlns:a14="http://schemas.microsoft.com/office/drawing/2010/main" Requires="a14">
           <p:sp>
             <p:nvSpPr>
               <p:cNvPr id="10" name="Rettangolo 9">
@@ -15987,7 +15009,7 @@
             </p:nvSpPr>
             <p:spPr>
               <a:xfrm>
-                <a:off x="7836791" y="4308051"/>
+                <a:off x="7765671" y="3408208"/>
                 <a:ext cx="2767327" cy="1063304"/>
               </a:xfrm>
               <a:prstGeom prst="rect">
@@ -16082,7 +15104,7 @@
             </p:txBody>
           </p:sp>
         </mc:Choice>
-        <mc:Fallback xmlns="">
+        <mc:Fallback>
           <p:sp>
             <p:nvSpPr>
               <p:cNvPr id="10" name="Rettangolo 9">
@@ -16099,14 +15121,14 @@
             </p:nvSpPr>
             <p:spPr>
               <a:xfrm>
-                <a:off x="7836791" y="4308051"/>
+                <a:off x="7765671" y="3408208"/>
                 <a:ext cx="2767327" cy="1063304"/>
               </a:xfrm>
               <a:prstGeom prst="rect">
                 <a:avLst/>
               </a:prstGeom>
               <a:blipFill>
-                <a:blip r:embed="rId7"/>
+                <a:blip r:embed="rId6"/>
                 <a:stretch>
                   <a:fillRect/>
                 </a:stretch>
@@ -16132,8 +15154,8 @@
           </p:sp>
         </mc:Fallback>
       </mc:AlternateContent>
-      <mc:AlternateContent xmlns:mc="http://schemas.openxmlformats.org/markup-compatibility/2006" xmlns:a14="http://schemas.microsoft.com/office/drawing/2010/main">
-        <mc:Choice Requires="a14">
+      <mc:AlternateContent xmlns:mc="http://schemas.openxmlformats.org/markup-compatibility/2006">
+        <mc:Choice xmlns:a14="http://schemas.microsoft.com/office/drawing/2010/main" Requires="a14">
           <p:sp>
             <p:nvSpPr>
               <p:cNvPr id="11" name="Rettangolo 10">
@@ -16148,7 +15170,7 @@
             </p:nvSpPr>
             <p:spPr>
               <a:xfrm>
-                <a:off x="1313689" y="4312244"/>
+                <a:off x="1242569" y="3407321"/>
                 <a:ext cx="703581" cy="1063304"/>
               </a:xfrm>
               <a:prstGeom prst="rect">
@@ -16243,7 +15265,7 @@
             </p:txBody>
           </p:sp>
         </mc:Choice>
-        <mc:Fallback xmlns="">
+        <mc:Fallback>
           <p:sp>
             <p:nvSpPr>
               <p:cNvPr id="11" name="Rettangolo 10">
@@ -16260,14 +15282,14 @@
             </p:nvSpPr>
             <p:spPr>
               <a:xfrm>
-                <a:off x="1313689" y="4312244"/>
+                <a:off x="1242569" y="3407321"/>
                 <a:ext cx="703581" cy="1063304"/>
               </a:xfrm>
               <a:prstGeom prst="rect">
                 <a:avLst/>
               </a:prstGeom>
               <a:blipFill>
-                <a:blip r:embed="rId8"/>
+                <a:blip r:embed="rId7"/>
                 <a:stretch>
                   <a:fillRect/>
                 </a:stretch>
@@ -16293,8 +15315,8 @@
           </p:sp>
         </mc:Fallback>
       </mc:AlternateContent>
-      <mc:AlternateContent xmlns:mc="http://schemas.openxmlformats.org/markup-compatibility/2006" xmlns:a14="http://schemas.microsoft.com/office/drawing/2010/main">
-        <mc:Choice Requires="a14">
+      <mc:AlternateContent xmlns:mc="http://schemas.openxmlformats.org/markup-compatibility/2006">
+        <mc:Choice xmlns:a14="http://schemas.microsoft.com/office/drawing/2010/main" Requires="a14">
           <p:sp>
             <p:nvSpPr>
               <p:cNvPr id="12" name="Rettangolo 11">
@@ -16309,8 +15331,8 @@
             </p:nvSpPr>
             <p:spPr>
               <a:xfrm>
-                <a:off x="6285233" y="4312244"/>
-                <a:ext cx="1550670" cy="1063302"/>
+                <a:off x="4307840" y="3408208"/>
+                <a:ext cx="1655957" cy="1063302"/>
               </a:xfrm>
               <a:prstGeom prst="rect">
                 <a:avLst/>
@@ -16404,7 +15426,7 @@
             </p:txBody>
           </p:sp>
         </mc:Choice>
-        <mc:Fallback xmlns="">
+        <mc:Fallback>
           <p:sp>
             <p:nvSpPr>
               <p:cNvPr id="12" name="Rettangolo 11">
@@ -16421,14 +15443,14 @@
             </p:nvSpPr>
             <p:spPr>
               <a:xfrm>
-                <a:off x="6285233" y="4312244"/>
-                <a:ext cx="1550670" cy="1063302"/>
+                <a:off x="4307840" y="3408208"/>
+                <a:ext cx="1655957" cy="1063302"/>
               </a:xfrm>
               <a:prstGeom prst="rect">
                 <a:avLst/>
               </a:prstGeom>
               <a:blipFill>
-                <a:blip r:embed="rId9"/>
+                <a:blip r:embed="rId8"/>
                 <a:stretch>
                   <a:fillRect/>
                 </a:stretch>
@@ -16454,8 +15476,8 @@
           </p:sp>
         </mc:Fallback>
       </mc:AlternateContent>
-      <mc:AlternateContent xmlns:mc="http://schemas.openxmlformats.org/markup-compatibility/2006" xmlns:a14="http://schemas.microsoft.com/office/drawing/2010/main">
-        <mc:Choice Requires="a14">
+      <mc:AlternateContent xmlns:mc="http://schemas.openxmlformats.org/markup-compatibility/2006">
+        <mc:Choice xmlns:a14="http://schemas.microsoft.com/office/drawing/2010/main" Requires="a14">
           <p:sp>
             <p:nvSpPr>
               <p:cNvPr id="13" name="Rettangolo 12">
@@ -16470,8 +15492,8 @@
             </p:nvSpPr>
             <p:spPr>
               <a:xfrm>
-                <a:off x="3568828" y="4312092"/>
-                <a:ext cx="1758948" cy="1063304"/>
+                <a:off x="5943223" y="3408206"/>
+                <a:ext cx="1822441" cy="1063304"/>
               </a:xfrm>
               <a:prstGeom prst="rect">
                 <a:avLst/>
@@ -16565,7 +15587,7 @@
             </p:txBody>
           </p:sp>
         </mc:Choice>
-        <mc:Fallback xmlns="">
+        <mc:Fallback>
           <p:sp>
             <p:nvSpPr>
               <p:cNvPr id="13" name="Rettangolo 12">
@@ -16582,14 +15604,14 @@
             </p:nvSpPr>
             <p:spPr>
               <a:xfrm>
-                <a:off x="3568828" y="4312092"/>
-                <a:ext cx="1758948" cy="1063304"/>
+                <a:off x="5943223" y="3408206"/>
+                <a:ext cx="1822441" cy="1063304"/>
               </a:xfrm>
               <a:prstGeom prst="rect">
                 <a:avLst/>
               </a:prstGeom>
               <a:blipFill>
-                <a:blip r:embed="rId10"/>
+                <a:blip r:embed="rId9"/>
                 <a:stretch>
                   <a:fillRect/>
                 </a:stretch>
@@ -16682,8 +15704,8 @@
           </a:p>
         </p:txBody>
       </p:sp>
-      <mc:AlternateContent xmlns:mc="http://schemas.openxmlformats.org/markup-compatibility/2006" xmlns:a14="http://schemas.microsoft.com/office/drawing/2010/main">
-        <mc:Choice Requires="a14">
+      <mc:AlternateContent xmlns:mc="http://schemas.openxmlformats.org/markup-compatibility/2006">
+        <mc:Choice xmlns:a14="http://schemas.microsoft.com/office/drawing/2010/main" Requires="a14">
           <p:sp>
             <p:nvSpPr>
               <p:cNvPr id="4" name="CasellaDiTesto 3">
@@ -16699,7 +15721,7 @@
             <p:spPr>
               <a:xfrm>
                 <a:off x="484762" y="996526"/>
-                <a:ext cx="11222476" cy="4345549"/>
+                <a:ext cx="11222476" cy="3062890"/>
               </a:xfrm>
               <a:prstGeom prst="rect">
                 <a:avLst/>
@@ -16880,7 +15902,7 @@
                   <a:rPr lang="it-IT" dirty="0">
                     <a:latin typeface="Avenir Next LT Pro Light" panose="020B0304020202020204" pitchFamily="34" charset="0"/>
                   </a:rPr>
-                  <a:t> possiamo definire delle mosse che:</a:t>
+                  <a:t> possiamo definire due tipi di mosse che:</a:t>
                 </a:r>
               </a:p>
               <a:p>
@@ -16955,266 +15977,11 @@
                     </m:d>
                   </m:oMath>
                 </a14:m>
-                <a:endParaRPr lang="it-IT" dirty="0">
-                  <a:latin typeface="Avenir Next LT Pro Light" panose="020B0304020202020204" pitchFamily="34" charset="0"/>
-                </a:endParaRPr>
-              </a:p>
-              <a:p>
-                <a:pPr marL="742950" lvl="1" indent="-285750">
-                  <a:lnSpc>
-                    <a:spcPct val="150000"/>
-                  </a:lnSpc>
-                  <a:buFont typeface="Courier New" panose="02070309020205020404" pitchFamily="49" charset="0"/>
-                  <a:buChar char="o"/>
-                </a:pPr>
                 <a:r>
                   <a:rPr lang="it-IT" dirty="0">
                     <a:latin typeface="Avenir Next LT Pro Light" panose="020B0304020202020204" pitchFamily="34" charset="0"/>
                   </a:rPr>
-                  <a:t>Aumentano </a:t>
-                </a:r>
-                <a14:m>
-                  <m:oMath xmlns:m="http://schemas.openxmlformats.org/officeDocument/2006/math">
-                    <m:sSup>
-                      <m:sSupPr>
-                        <m:ctrlPr>
-                          <a:rPr lang="it-IT" i="1">
-                            <a:latin typeface="Cambria Math" panose="02040503050406030204" pitchFamily="18" charset="0"/>
-                          </a:rPr>
-                        </m:ctrlPr>
-                      </m:sSupPr>
-                      <m:e>
-                        <m:acc>
-                          <m:accPr>
-                            <m:chr m:val="̅"/>
-                            <m:ctrlPr>
-                              <a:rPr lang="it-IT" i="1">
-                                <a:latin typeface="Cambria Math" panose="02040503050406030204" pitchFamily="18" charset="0"/>
-                              </a:rPr>
-                            </m:ctrlPr>
-                          </m:accPr>
-                          <m:e>
-                            <m:r>
-                              <a:rPr lang="it-IT" i="1">
-                                <a:latin typeface="Cambria Math" panose="02040503050406030204" pitchFamily="18" charset="0"/>
-                              </a:rPr>
-                              <m:t>𝑓</m:t>
-                            </m:r>
-                          </m:e>
-                        </m:acc>
-                      </m:e>
-                      <m:sup>
-                        <m:r>
-                          <a:rPr lang="it-IT" i="1">
-                            <a:latin typeface="Cambria Math" panose="02040503050406030204" pitchFamily="18" charset="0"/>
-                          </a:rPr>
-                          <m:t>𝐴</m:t>
-                        </m:r>
-                      </m:sup>
-                    </m:sSup>
-                    <m:d>
-                      <m:dPr>
-                        <m:ctrlPr>
-                          <a:rPr lang="it-IT" i="1">
-                            <a:latin typeface="Cambria Math" panose="02040503050406030204" pitchFamily="18" charset="0"/>
-                          </a:rPr>
-                        </m:ctrlPr>
-                      </m:dPr>
-                      <m:e>
-                        <m:r>
-                          <a:rPr lang="it-IT" i="1">
-                            <a:latin typeface="Cambria Math" panose="02040503050406030204" pitchFamily="18" charset="0"/>
-                          </a:rPr>
-                          <m:t>𝜎</m:t>
-                        </m:r>
-                      </m:e>
-                    </m:d>
-                  </m:oMath>
-                </a14:m>
-                <a:endParaRPr lang="it-IT" dirty="0">
-                  <a:latin typeface="Avenir Next LT Pro Light" panose="020B0304020202020204" pitchFamily="34" charset="0"/>
-                </a:endParaRPr>
-              </a:p>
-              <a:p>
-                <a:pPr marL="742950" lvl="1" indent="-285750">
-                  <a:lnSpc>
-                    <a:spcPct val="150000"/>
-                  </a:lnSpc>
-                  <a:buFont typeface="Courier New" panose="02070309020205020404" pitchFamily="49" charset="0"/>
-                  <a:buChar char="o"/>
-                </a:pPr>
-                <a:r>
-                  <a:rPr lang="it-IT" dirty="0">
-                    <a:latin typeface="Avenir Next LT Pro Light" panose="020B0304020202020204" pitchFamily="34" charset="0"/>
-                  </a:rPr>
-                  <a:t>Diminuiscono </a:t>
-                </a:r>
-                <a14:m>
-                  <m:oMath xmlns:m="http://schemas.openxmlformats.org/officeDocument/2006/math">
-                    <m:sSup>
-                      <m:sSupPr>
-                        <m:ctrlPr>
-                          <a:rPr lang="it-IT" i="1">
-                            <a:latin typeface="Cambria Math" panose="02040503050406030204" pitchFamily="18" charset="0"/>
-                          </a:rPr>
-                        </m:ctrlPr>
-                      </m:sSupPr>
-                      <m:e>
-                        <m:acc>
-                          <m:accPr>
-                            <m:chr m:val="̅"/>
-                            <m:ctrlPr>
-                              <a:rPr lang="it-IT" i="1">
-                                <a:latin typeface="Cambria Math" panose="02040503050406030204" pitchFamily="18" charset="0"/>
-                              </a:rPr>
-                            </m:ctrlPr>
-                          </m:accPr>
-                          <m:e>
-                            <m:r>
-                              <a:rPr lang="it-IT" i="1">
-                                <a:latin typeface="Cambria Math" panose="02040503050406030204" pitchFamily="18" charset="0"/>
-                              </a:rPr>
-                              <m:t>𝑓</m:t>
-                            </m:r>
-                          </m:e>
-                        </m:acc>
-                      </m:e>
-                      <m:sup>
-                        <m:r>
-                          <a:rPr lang="it-IT" i="1">
-                            <a:latin typeface="Cambria Math" panose="02040503050406030204" pitchFamily="18" charset="0"/>
-                          </a:rPr>
-                          <m:t>𝐵</m:t>
-                        </m:r>
-                      </m:sup>
-                    </m:sSup>
-                    <m:d>
-                      <m:dPr>
-                        <m:ctrlPr>
-                          <a:rPr lang="it-IT" i="1">
-                            <a:latin typeface="Cambria Math" panose="02040503050406030204" pitchFamily="18" charset="0"/>
-                          </a:rPr>
-                        </m:ctrlPr>
-                      </m:dPr>
-                      <m:e>
-                        <m:r>
-                          <a:rPr lang="it-IT" i="1">
-                            <a:latin typeface="Cambria Math" panose="02040503050406030204" pitchFamily="18" charset="0"/>
-                          </a:rPr>
-                          <m:t>𝜎</m:t>
-                        </m:r>
-                      </m:e>
-                    </m:d>
-                  </m:oMath>
-                </a14:m>
-                <a:endParaRPr lang="it-IT" dirty="0">
-                  <a:latin typeface="Avenir Next LT Pro Light" panose="020B0304020202020204" pitchFamily="34" charset="0"/>
-                </a:endParaRPr>
-              </a:p>
-              <a:p>
-                <a:pPr marL="742950" lvl="1" indent="-285750">
-                  <a:lnSpc>
-                    <a:spcPct val="150000"/>
-                  </a:lnSpc>
-                  <a:buFont typeface="Courier New" panose="02070309020205020404" pitchFamily="49" charset="0"/>
-                  <a:buChar char="o"/>
-                </a:pPr>
-                <a:r>
-                  <a:rPr lang="it-IT" dirty="0">
-                    <a:latin typeface="Avenir Next LT Pro Light" panose="020B0304020202020204" pitchFamily="34" charset="0"/>
-                  </a:rPr>
-                  <a:t>Aumentano </a:t>
-                </a:r>
-                <a14:m>
-                  <m:oMath xmlns:m="http://schemas.openxmlformats.org/officeDocument/2006/math">
-                    <m:sSup>
-                      <m:sSupPr>
-                        <m:ctrlPr>
-                          <a:rPr lang="it-IT" i="1">
-                            <a:latin typeface="Cambria Math" panose="02040503050406030204" pitchFamily="18" charset="0"/>
-                          </a:rPr>
-                        </m:ctrlPr>
-                      </m:sSupPr>
-                      <m:e>
-                        <m:acc>
-                          <m:accPr>
-                            <m:chr m:val="̅"/>
-                            <m:ctrlPr>
-                              <a:rPr lang="it-IT" i="1">
-                                <a:latin typeface="Cambria Math" panose="02040503050406030204" pitchFamily="18" charset="0"/>
-                              </a:rPr>
-                            </m:ctrlPr>
-                          </m:accPr>
-                          <m:e>
-                            <m:r>
-                              <a:rPr lang="it-IT" i="1">
-                                <a:latin typeface="Cambria Math" panose="02040503050406030204" pitchFamily="18" charset="0"/>
-                              </a:rPr>
-                              <m:t>𝑓</m:t>
-                            </m:r>
-                          </m:e>
-                        </m:acc>
-                      </m:e>
-                      <m:sup>
-                        <m:r>
-                          <a:rPr lang="it-IT" i="1">
-                            <a:latin typeface="Cambria Math" panose="02040503050406030204" pitchFamily="18" charset="0"/>
-                          </a:rPr>
-                          <m:t>𝐵</m:t>
-                        </m:r>
-                      </m:sup>
-                    </m:sSup>
-                    <m:d>
-                      <m:dPr>
-                        <m:ctrlPr>
-                          <a:rPr lang="it-IT" i="1">
-                            <a:latin typeface="Cambria Math" panose="02040503050406030204" pitchFamily="18" charset="0"/>
-                          </a:rPr>
-                        </m:ctrlPr>
-                      </m:dPr>
-                      <m:e>
-                        <m:r>
-                          <a:rPr lang="it-IT" i="1">
-                            <a:latin typeface="Cambria Math" panose="02040503050406030204" pitchFamily="18" charset="0"/>
-                          </a:rPr>
-                          <m:t>𝜎</m:t>
-                        </m:r>
-                      </m:e>
-                    </m:d>
-                  </m:oMath>
-                </a14:m>
-                <a:endParaRPr lang="it-IT" dirty="0">
-                  <a:latin typeface="Avenir Next LT Pro Light" panose="020B0304020202020204" pitchFamily="34" charset="0"/>
-                </a:endParaRPr>
-              </a:p>
-              <a:p>
-                <a:pPr marL="285750" indent="-285750">
-                  <a:lnSpc>
-                    <a:spcPct val="150000"/>
-                  </a:lnSpc>
-                  <a:buFont typeface="Arial" panose="020B0604020202020204" pitchFamily="34" charset="0"/>
-                  <a:buChar char="•"/>
-                </a:pPr>
-                <a:r>
-                  <a:rPr lang="it-IT" dirty="0">
-                    <a:latin typeface="Avenir Next LT Pro Light" panose="020B0304020202020204" pitchFamily="34" charset="0"/>
-                  </a:rPr>
-                  <a:t>Ad esempio:</a:t>
-                </a:r>
-              </a:p>
-              <a:p>
-                <a:pPr marL="742950" lvl="1" indent="-285750">
-                  <a:lnSpc>
-                    <a:spcPct val="150000"/>
-                  </a:lnSpc>
-                  <a:buFont typeface="Arial" panose="020B0604020202020204" pitchFamily="34" charset="0"/>
-                  <a:buChar char="•"/>
-                </a:pPr>
-                <a:r>
-                  <a:rPr lang="it-IT" dirty="0">
-                    <a:latin typeface="Avenir Next LT Pro Light" panose="020B0304020202020204" pitchFamily="34" charset="0"/>
-                  </a:rPr>
-                  <a:t>Per diminuire </a:t>
+                  <a:t> (MOSSA-A): per diminuire </a:t>
                 </a:r>
                 <a14:m>
                   <m:oMath xmlns:m="http://schemas.openxmlformats.org/officeDocument/2006/math">
@@ -17278,7 +16045,7 @@
                   <a:rPr lang="it-IT" dirty="0">
                     <a:latin typeface="Avenir Next LT Pro Light" panose="020B0304020202020204" pitchFamily="34" charset="0"/>
                   </a:rPr>
-                  <a:t>, ad esempio posso spostare un job </a:t>
+                  <a:t>, posso spostare un job </a:t>
                 </a:r>
                 <a14:m>
                   <m:oMath xmlns:m="http://schemas.openxmlformats.org/officeDocument/2006/math">
@@ -17370,7 +16137,7 @@
                 <a14:m>
                   <m:oMath xmlns:m="http://schemas.openxmlformats.org/officeDocument/2006/math">
                     <m:r>
-                      <a:rPr lang="it-IT" b="0" i="1" smtClean="0">
+                      <a:rPr lang="it-IT" i="1">
                         <a:latin typeface="Cambria Math" panose="02040503050406030204" pitchFamily="18" charset="0"/>
                       </a:rPr>
                       <m:t>𝐵</m:t>
@@ -17389,17 +16156,14 @@
                   <a:lnSpc>
                     <a:spcPct val="150000"/>
                   </a:lnSpc>
-                  <a:buFont typeface="Arial" panose="020B0604020202020204" pitchFamily="34" charset="0"/>
-                  <a:buChar char="•"/>
+                  <a:buFont typeface="Courier New" panose="02070309020205020404" pitchFamily="49" charset="0"/>
+                  <a:buChar char="o"/>
                 </a:pPr>
                 <a:r>
                   <a:rPr lang="it-IT" dirty="0">
-                    <a:effectLst/>
                     <a:latin typeface="Avenir Next LT Pro Light" panose="020B0304020202020204" pitchFamily="34" charset="0"/>
-                    <a:ea typeface="Times New Roman" panose="02020603050405020304" pitchFamily="18" charset="0"/>
-                    <a:cs typeface="Times New Roman" panose="02020603050405020304" pitchFamily="18" charset="0"/>
                   </a:rPr>
-                  <a:t>Per aumentare </a:t>
+                  <a:t>Diminuiscono </a:t>
                 </a:r>
                 <a14:m>
                   <m:oMath xmlns:m="http://schemas.openxmlformats.org/officeDocument/2006/math">
@@ -17407,7 +16171,78 @@
                       <m:sSupPr>
                         <m:ctrlPr>
                           <a:rPr lang="it-IT" i="1">
-                            <a:effectLst/>
+                            <a:latin typeface="Cambria Math" panose="02040503050406030204" pitchFamily="18" charset="0"/>
+                          </a:rPr>
+                        </m:ctrlPr>
+                      </m:sSupPr>
+                      <m:e>
+                        <m:acc>
+                          <m:accPr>
+                            <m:chr m:val="̅"/>
+                            <m:ctrlPr>
+                              <a:rPr lang="it-IT" i="1">
+                                <a:latin typeface="Cambria Math" panose="02040503050406030204" pitchFamily="18" charset="0"/>
+                              </a:rPr>
+                            </m:ctrlPr>
+                          </m:accPr>
+                          <m:e>
+                            <m:r>
+                              <a:rPr lang="it-IT" i="1">
+                                <a:latin typeface="Cambria Math" panose="02040503050406030204" pitchFamily="18" charset="0"/>
+                              </a:rPr>
+                              <m:t>𝑓</m:t>
+                            </m:r>
+                          </m:e>
+                        </m:acc>
+                      </m:e>
+                      <m:sup>
+                        <m:r>
+                          <a:rPr lang="it-IT" i="1">
+                            <a:latin typeface="Cambria Math" panose="02040503050406030204" pitchFamily="18" charset="0"/>
+                          </a:rPr>
+                          <m:t>𝐵</m:t>
+                        </m:r>
+                      </m:sup>
+                    </m:sSup>
+                    <m:d>
+                      <m:dPr>
+                        <m:ctrlPr>
+                          <a:rPr lang="it-IT" i="1">
+                            <a:latin typeface="Cambria Math" panose="02040503050406030204" pitchFamily="18" charset="0"/>
+                          </a:rPr>
+                        </m:ctrlPr>
+                      </m:dPr>
+                      <m:e>
+                        <m:r>
+                          <a:rPr lang="it-IT" i="1">
+                            <a:latin typeface="Cambria Math" panose="02040503050406030204" pitchFamily="18" charset="0"/>
+                          </a:rPr>
+                          <m:t>𝜎</m:t>
+                        </m:r>
+                      </m:e>
+                    </m:d>
+                  </m:oMath>
+                </a14:m>
+                <a:r>
+                  <a:rPr lang="it-IT" dirty="0">
+                    <a:latin typeface="Avenir Next LT Pro Light" panose="020B0304020202020204" pitchFamily="34" charset="0"/>
+                  </a:rPr>
+                  <a:t> (MOSSA-B): per </a:t>
+                </a:r>
+                <a:r>
+                  <a:rPr lang="it-IT" dirty="0">
+                    <a:latin typeface="Avenir Next LT Pro Light" panose="020B0304020202020204" pitchFamily="34" charset="0"/>
+                    <a:ea typeface="Times New Roman" panose="02020603050405020304" pitchFamily="18" charset="0"/>
+                    <a:cs typeface="Times New Roman" panose="02020603050405020304" pitchFamily="18" charset="0"/>
+                  </a:rPr>
+                  <a:t>diminuire </a:t>
+                </a:r>
+                <a14:m>
+                  <m:oMath xmlns:m="http://schemas.openxmlformats.org/officeDocument/2006/math">
+                    <m:sSup>
+                      <m:sSupPr>
+                        <m:ctrlPr>
+                          <a:rPr lang="it-IT" i="1">
                             <a:latin typeface="Cambria Math" panose="02040503050406030204" pitchFamily="18" charset="0"/>
                             <a:ea typeface="Times New Roman" panose="02020603050405020304" pitchFamily="18" charset="0"/>
                             <a:cs typeface="Open Sans" panose="020B0606030504020204" pitchFamily="34" charset="0"/>
@@ -17420,7 +16255,6 @@
                             <m:chr m:val="̅"/>
                             <m:ctrlPr>
                               <a:rPr lang="it-IT" i="1">
-                                <a:effectLst/>
                                 <a:latin typeface="Cambria Math" panose="02040503050406030204" pitchFamily="18" charset="0"/>
                                 <a:ea typeface="Times New Roman" panose="02020603050405020304" pitchFamily="18" charset="0"/>
                                 <a:cs typeface="Open Sans" panose="020B0606030504020204" pitchFamily="34" charset="0"/>
@@ -17430,7 +16264,6 @@
                           <m:e>
                             <m:r>
                               <a:rPr lang="it-IT" i="1">
-                                <a:effectLst/>
                                 <a:latin typeface="Cambria Math" panose="02040503050406030204" pitchFamily="18" charset="0"/>
                                 <a:ea typeface="Times New Roman" panose="02020603050405020304" pitchFamily="18" charset="0"/>
                                 <a:cs typeface="Open Sans" panose="020B0606030504020204" pitchFamily="34" charset="0"/>
@@ -17443,12 +16276,11 @@
                       <m:sup>
                         <m:r>
                           <a:rPr lang="it-IT" i="1">
-                            <a:effectLst/>
                             <a:latin typeface="Cambria Math" panose="02040503050406030204" pitchFamily="18" charset="0"/>
                             <a:ea typeface="Times New Roman" panose="02020603050405020304" pitchFamily="18" charset="0"/>
                             <a:cs typeface="Open Sans" panose="020B0606030504020204" pitchFamily="34" charset="0"/>
                           </a:rPr>
-                          <m:t>𝐴</m:t>
+                          <m:t>𝐵</m:t>
                         </m:r>
                       </m:sup>
                     </m:sSup>
@@ -17456,7 +16288,6 @@
                       <m:dPr>
                         <m:ctrlPr>
                           <a:rPr lang="it-IT" i="1">
-                            <a:effectLst/>
                             <a:latin typeface="Cambria Math" panose="02040503050406030204" pitchFamily="18" charset="0"/>
                             <a:ea typeface="Times New Roman" panose="02020603050405020304" pitchFamily="18" charset="0"/>
                             <a:cs typeface="Open Sans" panose="020B0606030504020204" pitchFamily="34" charset="0"/>
@@ -17466,7 +16297,6 @@
                       <m:e>
                         <m:r>
                           <a:rPr lang="it-IT" i="1">
-                            <a:effectLst/>
                             <a:latin typeface="Cambria Math" panose="02040503050406030204" pitchFamily="18" charset="0"/>
                             <a:ea typeface="Times New Roman" panose="02020603050405020304" pitchFamily="18" charset="0"/>
                             <a:cs typeface="Open Sans" panose="020B0606030504020204" pitchFamily="34" charset="0"/>
@@ -17479,12 +16309,11 @@
                 </a14:m>
                 <a:r>
                   <a:rPr lang="it-IT" dirty="0">
-                    <a:effectLst/>
                     <a:latin typeface="Avenir Next LT Pro Light" panose="020B0304020202020204" pitchFamily="34" charset="0"/>
                     <a:ea typeface="Times New Roman" panose="02020603050405020304" pitchFamily="18" charset="0"/>
                     <a:cs typeface="Times New Roman" panose="02020603050405020304" pitchFamily="18" charset="0"/>
                   </a:rPr>
-                  <a:t>, ad esempio posso spostare un job </a:t>
+                  <a:t>, posso spostare un job </a:t>
                 </a:r>
                 <a14:m>
                   <m:oMath xmlns:m="http://schemas.openxmlformats.org/officeDocument/2006/math">
@@ -17492,7 +16321,6 @@
                       <m:sSubSupPr>
                         <m:ctrlPr>
                           <a:rPr lang="it-IT" i="1">
-                            <a:effectLst/>
                             <a:latin typeface="Cambria Math" panose="02040503050406030204" pitchFamily="18" charset="0"/>
                             <a:ea typeface="Times New Roman" panose="02020603050405020304" pitchFamily="18" charset="0"/>
                             <a:cs typeface="Open Sans" panose="020B0606030504020204" pitchFamily="34" charset="0"/>
@@ -17502,7 +16330,6 @@
                       <m:e>
                         <m:r>
                           <a:rPr lang="it-IT" i="1">
-                            <a:effectLst/>
                             <a:latin typeface="Cambria Math" panose="02040503050406030204" pitchFamily="18" charset="0"/>
                             <a:ea typeface="Times New Roman" panose="02020603050405020304" pitchFamily="18" charset="0"/>
                             <a:cs typeface="Open Sans" panose="020B0606030504020204" pitchFamily="34" charset="0"/>
@@ -17513,7 +16340,6 @@
                       <m:sub>
                         <m:r>
                           <a:rPr lang="it-IT" i="1">
-                            <a:effectLst/>
                             <a:latin typeface="Cambria Math" panose="02040503050406030204" pitchFamily="18" charset="0"/>
                             <a:ea typeface="Times New Roman" panose="02020603050405020304" pitchFamily="18" charset="0"/>
                             <a:cs typeface="Open Sans" panose="020B0606030504020204" pitchFamily="34" charset="0"/>
@@ -17524,12 +16350,11 @@
                       <m:sup>
                         <m:r>
                           <a:rPr lang="it-IT" i="1">
-                            <a:effectLst/>
                             <a:latin typeface="Cambria Math" panose="02040503050406030204" pitchFamily="18" charset="0"/>
                             <a:ea typeface="Times New Roman" panose="02020603050405020304" pitchFamily="18" charset="0"/>
                             <a:cs typeface="Open Sans" panose="020B0606030504020204" pitchFamily="34" charset="0"/>
                           </a:rPr>
-                          <m:t>𝐴</m:t>
+                          <m:t>𝐵</m:t>
                         </m:r>
                       </m:sup>
                     </m:sSubSup>
@@ -17537,7 +16362,6 @@
                 </a14:m>
                 <a:r>
                   <a:rPr lang="it-IT" dirty="0">
-                    <a:effectLst/>
                     <a:latin typeface="Avenir Next LT Pro Light" panose="020B0304020202020204" pitchFamily="34" charset="0"/>
                     <a:ea typeface="Times New Roman" panose="02020603050405020304" pitchFamily="18" charset="0"/>
                     <a:cs typeface="Times New Roman" panose="02020603050405020304" pitchFamily="18" charset="0"/>
@@ -17548,7 +16372,6 @@
                   <m:oMath xmlns:m="http://schemas.openxmlformats.org/officeDocument/2006/math">
                     <m:r>
                       <a:rPr lang="it-IT" i="1">
-                        <a:effectLst/>
                         <a:latin typeface="Cambria Math" panose="02040503050406030204" pitchFamily="18" charset="0"/>
                         <a:ea typeface="Times New Roman" panose="02020603050405020304" pitchFamily="18" charset="0"/>
                         <a:cs typeface="Open Sans" panose="020B0606030504020204" pitchFamily="34" charset="0"/>
@@ -17557,16 +16380,14 @@
                     </m:r>
                     <m:r>
                       <a:rPr lang="it-IT" i="1">
-                        <a:effectLst/>
                         <a:latin typeface="Cambria Math" panose="02040503050406030204" pitchFamily="18" charset="0"/>
                         <a:ea typeface="Times New Roman" panose="02020603050405020304" pitchFamily="18" charset="0"/>
                         <a:cs typeface="Open Sans" panose="020B0606030504020204" pitchFamily="34" charset="0"/>
                       </a:rPr>
-                      <m:t>≥</m:t>
+                      <m:t>≤</m:t>
                     </m:r>
                     <m:r>
                       <a:rPr lang="it-IT" i="1">
-                        <a:effectLst/>
                         <a:latin typeface="Cambria Math" panose="02040503050406030204" pitchFamily="18" charset="0"/>
                         <a:ea typeface="Times New Roman" panose="02020603050405020304" pitchFamily="18" charset="0"/>
                         <a:cs typeface="Open Sans" panose="020B0606030504020204" pitchFamily="34" charset="0"/>
@@ -17577,7 +16398,6 @@
                 </a14:m>
                 <a:r>
                   <a:rPr lang="it-IT" dirty="0">
-                    <a:effectLst/>
                     <a:latin typeface="Avenir Next LT Pro Light" panose="020B0304020202020204" pitchFamily="34" charset="0"/>
                     <a:ea typeface="Times New Roman" panose="02020603050405020304" pitchFamily="18" charset="0"/>
                     <a:cs typeface="Times New Roman" panose="02020603050405020304" pitchFamily="18" charset="0"/>
@@ -17588,7 +16408,6 @@
                   <m:oMath xmlns:m="http://schemas.openxmlformats.org/officeDocument/2006/math">
                     <m:r>
                       <a:rPr lang="it-IT" i="1">
-                        <a:effectLst/>
                         <a:latin typeface="Cambria Math" panose="02040503050406030204" pitchFamily="18" charset="0"/>
                         <a:ea typeface="Times New Roman" panose="02020603050405020304" pitchFamily="18" charset="0"/>
                         <a:cs typeface="Open Sans" panose="020B0606030504020204" pitchFamily="34" charset="0"/>
@@ -17599,8 +16418,7 @@
                       <m:rPr>
                         <m:nor/>
                       </m:rPr>
-                      <a:rPr lang="it-IT" b="0" i="0" smtClean="0">
-                        <a:effectLst/>
+                      <a:rPr lang="it-IT">
                         <a:latin typeface="Cambria Math" panose="02040503050406030204" pitchFamily="18" charset="0"/>
                         <a:ea typeface="Times New Roman" panose="02020603050405020304" pitchFamily="18" charset="0"/>
                         <a:cs typeface="Open Sans" panose="020B0606030504020204" pitchFamily="34" charset="0"/>
@@ -17718,152 +16536,21 @@
                   <a:latin typeface="Avenir Next LT Pro Light" panose="020B0304020202020204" pitchFamily="34" charset="0"/>
                 </a:endParaRPr>
               </a:p>
-            </p:txBody>
-          </p:sp>
-        </mc:Choice>
-        <mc:Fallback xmlns="">
-          <p:sp>
-            <p:nvSpPr>
-              <p:cNvPr id="4" name="CasellaDiTesto 3">
-                <a:extLst>
-                  <a:ext uri="{FF2B5EF4-FFF2-40B4-BE49-F238E27FC236}">
-                    <a16:creationId xmlns:a16="http://schemas.microsoft.com/office/drawing/2014/main" id="{C6189D12-3DA9-39BB-D53E-E89E1EB5624F}"/>
-                  </a:ext>
-                </a:extLst>
-              </p:cNvPr>
-              <p:cNvSpPr txBox="1">
-                <a:spLocks noRot="1" noChangeAspect="1" noMove="1" noResize="1" noEditPoints="1" noAdjustHandles="1" noChangeArrowheads="1" noChangeShapeType="1" noTextEdit="1"/>
-              </p:cNvSpPr>
-              <p:nvPr/>
-            </p:nvSpPr>
-            <p:spPr>
-              <a:xfrm>
-                <a:off x="484762" y="996526"/>
-                <a:ext cx="11222476" cy="4345549"/>
-              </a:xfrm>
-              <a:prstGeom prst="rect">
-                <a:avLst/>
-              </a:prstGeom>
-              <a:blipFill>
-                <a:blip r:embed="rId3"/>
-                <a:stretch>
-                  <a:fillRect l="-380" b="-1403"/>
-                </a:stretch>
-              </a:blipFill>
-            </p:spPr>
-            <p:txBody>
-              <a:bodyPr/>
-              <a:lstStyle/>
               <a:p>
-                <a:r>
-                  <a:rPr lang="it-IT">
-                    <a:noFill/>
-                  </a:rPr>
-                  <a:t> </a:t>
-                </a:r>
+                <a:pPr>
+                  <a:lnSpc>
+                    <a:spcPct val="150000"/>
+                  </a:lnSpc>
+                </a:pPr>
+                <a:endParaRPr lang="it-IT" dirty="0">
+                  <a:latin typeface="Avenir Next LT Pro Light" panose="020B0304020202020204" pitchFamily="34" charset="0"/>
+                </a:endParaRPr>
               </a:p>
-            </p:txBody>
-          </p:sp>
-        </mc:Fallback>
-      </mc:AlternateContent>
-    </p:spTree>
-    <p:extLst>
-      <p:ext uri="{BB962C8B-B14F-4D97-AF65-F5344CB8AC3E}">
-        <p14:creationId xmlns:p14="http://schemas.microsoft.com/office/powerpoint/2010/main" val="2089833480"/>
-      </p:ext>
-    </p:extLst>
-  </p:cSld>
-  <p:clrMapOvr>
-    <a:masterClrMapping/>
-  </p:clrMapOvr>
-</p:sld>
-</file>
-
-<file path=ppt/slides/slide9.xml><?xml version="1.0" encoding="utf-8"?>
-<p:sld xmlns:a="http://schemas.openxmlformats.org/drawingml/2006/main" xmlns:r="http://schemas.openxmlformats.org/officeDocument/2006/relationships" xmlns:p="http://schemas.openxmlformats.org/presentationml/2006/main">
-  <p:cSld>
-    <p:spTree>
-      <p:nvGrpSpPr>
-        <p:cNvPr id="1" name=""/>
-        <p:cNvGrpSpPr/>
-        <p:nvPr/>
-      </p:nvGrpSpPr>
-      <p:grpSpPr>
-        <a:xfrm>
-          <a:off x="0" y="0"/>
-          <a:ext cx="0" cy="0"/>
-          <a:chOff x="0" y="0"/>
-          <a:chExt cx="0" cy="0"/>
-        </a:xfrm>
-      </p:grpSpPr>
-      <p:sp>
-        <p:nvSpPr>
-          <p:cNvPr id="2" name="CasellaDiTesto 1">
-            <a:extLst>
-              <a:ext uri="{FF2B5EF4-FFF2-40B4-BE49-F238E27FC236}">
-                <a16:creationId xmlns:a16="http://schemas.microsoft.com/office/drawing/2014/main" id="{407CD97A-D7D3-549A-F6CF-12BD3DDCD20D}"/>
-              </a:ext>
-            </a:extLst>
-          </p:cNvPr>
-          <p:cNvSpPr txBox="1"/>
-          <p:nvPr/>
-        </p:nvSpPr>
-        <p:spPr>
-          <a:xfrm>
-            <a:off x="484762" y="350195"/>
-            <a:ext cx="11222476" cy="646331"/>
-          </a:xfrm>
-          <a:prstGeom prst="rect">
-            <a:avLst/>
-          </a:prstGeom>
-          <a:noFill/>
-        </p:spPr>
-        <p:txBody>
-          <a:bodyPr wrap="square" rtlCol="0">
-            <a:spAutoFit/>
-          </a:bodyPr>
-          <a:lstStyle/>
-          <a:p>
-            <a:r>
-              <a:rPr lang="it-IT" sz="3600" dirty="0">
-                <a:latin typeface="Avenir Next LT Pro Light" panose="020B0304020202020204" pitchFamily="34" charset="0"/>
-              </a:rPr>
-              <a:t>Fair solution – Local search</a:t>
-            </a:r>
-          </a:p>
-        </p:txBody>
-      </p:sp>
-      <mc:AlternateContent xmlns:mc="http://schemas.openxmlformats.org/markup-compatibility/2006" xmlns:a14="http://schemas.microsoft.com/office/drawing/2010/main">
-        <mc:Choice Requires="a14">
-          <p:sp>
-            <p:nvSpPr>
-              <p:cNvPr id="4" name="CasellaDiTesto 3">
-                <a:extLst>
-                  <a:ext uri="{FF2B5EF4-FFF2-40B4-BE49-F238E27FC236}">
-                    <a16:creationId xmlns:a16="http://schemas.microsoft.com/office/drawing/2014/main" id="{C6189D12-3DA9-39BB-D53E-E89E1EB5624F}"/>
-                  </a:ext>
-                </a:extLst>
-              </p:cNvPr>
-              <p:cNvSpPr txBox="1"/>
-              <p:nvPr/>
-            </p:nvSpPr>
-            <p:spPr>
-              <a:xfrm>
-                <a:off x="484762" y="996526"/>
-                <a:ext cx="11222476" cy="376065"/>
-              </a:xfrm>
-              <a:prstGeom prst="rect">
-                <a:avLst/>
-              </a:prstGeom>
-              <a:noFill/>
-            </p:spPr>
-            <p:txBody>
-              <a:bodyPr wrap="square" rtlCol="0">
-                <a:spAutoFit/>
-              </a:bodyPr>
-              <a:lstStyle/>
               <a:p>
                 <a:pPr marL="285750" indent="-285750">
+                  <a:lnSpc>
+                    <a:spcPct val="150000"/>
+                  </a:lnSpc>
                   <a:buFont typeface="Arial" panose="020B0604020202020204" pitchFamily="34" charset="0"/>
                   <a:buChar char="•"/>
                 </a:pPr>
@@ -17871,7 +16558,42 @@
                   <a:rPr lang="it-IT" dirty="0">
                     <a:latin typeface="Avenir Next LT Pro Light" panose="020B0304020202020204" pitchFamily="34" charset="0"/>
                   </a:rPr>
-                  <a:t>Considerando l’esempio precedente, per diminuire </a:t>
+                  <a:t>Considerando l’esempio precedente (</a:t>
+                </a:r>
+                <a14:m>
+                  <m:oMath xmlns:m="http://schemas.openxmlformats.org/officeDocument/2006/math">
+                    <m:sSub>
+                      <m:sSubPr>
+                        <m:ctrlPr>
+                          <a:rPr lang="it-IT" b="0" i="1" smtClean="0">
+                            <a:latin typeface="Cambria Math" panose="02040503050406030204" pitchFamily="18" charset="0"/>
+                          </a:rPr>
+                        </m:ctrlPr>
+                      </m:sSubPr>
+                      <m:e>
+                        <m:r>
+                          <a:rPr lang="it-IT" i="1">
+                            <a:latin typeface="Cambria Math" panose="02040503050406030204" pitchFamily="18" charset="0"/>
+                          </a:rPr>
+                          <m:t>𝜎</m:t>
+                        </m:r>
+                      </m:e>
+                      <m:sub>
+                        <m:r>
+                          <a:rPr lang="it-IT" b="0" i="1" smtClean="0">
+                            <a:latin typeface="Cambria Math" panose="02040503050406030204" pitchFamily="18" charset="0"/>
+                          </a:rPr>
+                          <m:t>0</m:t>
+                        </m:r>
+                      </m:sub>
+                    </m:sSub>
+                  </m:oMath>
+                </a14:m>
+                <a:r>
+                  <a:rPr lang="it-IT" dirty="0">
+                    <a:latin typeface="Avenir Next LT Pro Light" panose="020B0304020202020204" pitchFamily="34" charset="0"/>
+                  </a:rPr>
+                  <a:t>), per diminuire </a:t>
                 </a:r>
                 <a14:m>
                   <m:oMath xmlns:m="http://schemas.openxmlformats.org/officeDocument/2006/math">
@@ -17905,10 +16627,10 @@
                       </m:e>
                       <m:sup>
                         <m:r>
-                          <a:rPr lang="it-IT" i="1">
+                          <a:rPr lang="it-IT" b="0" i="1" smtClean="0">
                             <a:latin typeface="Cambria Math" panose="02040503050406030204" pitchFamily="18" charset="0"/>
                           </a:rPr>
-                          <m:t>𝐴</m:t>
+                          <m:t>𝐵</m:t>
                         </m:r>
                       </m:sup>
                     </m:sSup>
@@ -17960,15 +16682,15 @@
                           <a:rPr lang="it-IT" b="0" i="1" smtClean="0">
                             <a:latin typeface="Cambria Math" panose="02040503050406030204" pitchFamily="18" charset="0"/>
                           </a:rPr>
-                          <m:t>1</m:t>
+                          <m:t>3</m:t>
                         </m:r>
                       </m:sub>
                       <m:sup>
                         <m:r>
-                          <a:rPr lang="it-IT" i="1">
+                          <a:rPr lang="it-IT" b="0" i="1" smtClean="0">
                             <a:latin typeface="Cambria Math" panose="02040503050406030204" pitchFamily="18" charset="0"/>
                           </a:rPr>
-                          <m:t>𝐴</m:t>
+                          <m:t>𝐵</m:t>
                         </m:r>
                       </m:sup>
                     </m:sSubSup>
@@ -18008,26 +16730,23 @@
                       </m:sub>
                       <m:sup>
                         <m:r>
-                          <a:rPr lang="it-IT" i="1">
+                          <a:rPr lang="it-IT" b="0" i="1" smtClean="0">
                             <a:latin typeface="Cambria Math" panose="02040503050406030204" pitchFamily="18" charset="0"/>
                           </a:rPr>
-                          <m:t>𝐵</m:t>
+                          <m:t>𝐴</m:t>
                         </m:r>
                       </m:sup>
                     </m:sSubSup>
                   </m:oMath>
                 </a14:m>
-                <a:r>
-                  <a:rPr lang="it-IT" dirty="0">
-                    <a:latin typeface="Avenir Next LT Pro Light" panose="020B0304020202020204" pitchFamily="34" charset="0"/>
-                  </a:rPr>
-                  <a:t>:</a:t>
-                </a:r>
+                <a:endParaRPr lang="it-IT" dirty="0">
+                  <a:latin typeface="Avenir Next LT Pro Light" panose="020B0304020202020204" pitchFamily="34" charset="0"/>
+                </a:endParaRPr>
               </a:p>
             </p:txBody>
           </p:sp>
         </mc:Choice>
-        <mc:Fallback xmlns="">
+        <mc:Fallback>
           <p:sp>
             <p:nvSpPr>
               <p:cNvPr id="4" name="CasellaDiTesto 3">
@@ -18045,7 +16764,7 @@
             <p:spPr>
               <a:xfrm>
                 <a:off x="484762" y="996526"/>
-                <a:ext cx="11222476" cy="376065"/>
+                <a:ext cx="11222476" cy="3062890"/>
               </a:xfrm>
               <a:prstGeom prst="rect">
                 <a:avLst/>
@@ -18053,306 +16772,7 @@
               <a:blipFill>
                 <a:blip r:embed="rId3"/>
                 <a:stretch>
-                  <a:fillRect l="-380" t="-4839" b="-25806"/>
-                </a:stretch>
-              </a:blipFill>
-            </p:spPr>
-            <p:txBody>
-              <a:bodyPr/>
-              <a:lstStyle/>
-              <a:p>
-                <a:r>
-                  <a:rPr lang="it-IT">
-                    <a:noFill/>
-                  </a:rPr>
-                  <a:t> </a:t>
-                </a:r>
-              </a:p>
-            </p:txBody>
-          </p:sp>
-        </mc:Fallback>
-      </mc:AlternateContent>
-      <mc:AlternateContent xmlns:mc="http://schemas.openxmlformats.org/markup-compatibility/2006" xmlns:a14="http://schemas.microsoft.com/office/drawing/2010/main">
-        <mc:Choice Requires="a14">
-          <p:sp>
-            <p:nvSpPr>
-              <p:cNvPr id="10" name="CasellaDiTesto 9">
-                <a:extLst>
-                  <a:ext uri="{FF2B5EF4-FFF2-40B4-BE49-F238E27FC236}">
-                    <a16:creationId xmlns:a16="http://schemas.microsoft.com/office/drawing/2014/main" id="{D9C6A51D-89F5-265C-45BC-DDC6DA9B40FA}"/>
-                  </a:ext>
-                </a:extLst>
-              </p:cNvPr>
-              <p:cNvSpPr txBox="1"/>
-              <p:nvPr/>
-            </p:nvSpPr>
-            <p:spPr>
-              <a:xfrm>
-                <a:off x="484762" y="3183683"/>
-                <a:ext cx="11222476" cy="467564"/>
-              </a:xfrm>
-              <a:prstGeom prst="rect">
-                <a:avLst/>
-              </a:prstGeom>
-              <a:noFill/>
-            </p:spPr>
-            <p:txBody>
-              <a:bodyPr wrap="square">
-                <a:spAutoFit/>
-              </a:bodyPr>
-              <a:lstStyle/>
-              <a:p>
-                <a:pPr marL="285750" indent="-285750" algn="just">
-                  <a:lnSpc>
-                    <a:spcPct val="150000"/>
-                  </a:lnSpc>
-                  <a:spcAft>
-                    <a:spcPts val="800"/>
-                  </a:spcAft>
-                  <a:buFont typeface="Arial" panose="020B0604020202020204" pitchFamily="34" charset="0"/>
-                  <a:buChar char="•"/>
-                </a:pPr>
-                <a:r>
-                  <a:rPr lang="it-IT" sz="1800" dirty="0">
-                    <a:effectLst/>
-                    <a:latin typeface="Avenir Next LT Pro Light" panose="020B0304020202020204" pitchFamily="34" charset="0"/>
-                    <a:ea typeface="Times New Roman" panose="02020603050405020304" pitchFamily="18" charset="0"/>
-                    <a:cs typeface="Times New Roman" panose="02020603050405020304" pitchFamily="18" charset="0"/>
-                  </a:rPr>
-                  <a:t>Considerando l’esempio precedente, per aumentare </a:t>
-                </a:r>
-                <a14:m>
-                  <m:oMath xmlns:m="http://schemas.openxmlformats.org/officeDocument/2006/math">
-                    <m:sSup>
-                      <m:sSupPr>
-                        <m:ctrlPr>
-                          <a:rPr lang="it-IT" sz="1800" i="1">
-                            <a:effectLst/>
-                            <a:latin typeface="Cambria Math" panose="02040503050406030204" pitchFamily="18" charset="0"/>
-                            <a:ea typeface="Times New Roman" panose="02020603050405020304" pitchFamily="18" charset="0"/>
-                            <a:cs typeface="Open Sans" panose="020B0606030504020204" pitchFamily="34" charset="0"/>
-                          </a:rPr>
-                        </m:ctrlPr>
-                      </m:sSupPr>
-                      <m:e>
-                        <m:acc>
-                          <m:accPr>
-                            <m:chr m:val="̅"/>
-                            <m:ctrlPr>
-                              <a:rPr lang="it-IT" sz="1800" i="1">
-                                <a:effectLst/>
-                                <a:latin typeface="Cambria Math" panose="02040503050406030204" pitchFamily="18" charset="0"/>
-                                <a:ea typeface="Times New Roman" panose="02020603050405020304" pitchFamily="18" charset="0"/>
-                                <a:cs typeface="Open Sans" panose="020B0606030504020204" pitchFamily="34" charset="0"/>
-                              </a:rPr>
-                            </m:ctrlPr>
-                          </m:accPr>
-                          <m:e>
-                            <m:r>
-                              <a:rPr lang="it-IT" sz="1800" i="1">
-                                <a:effectLst/>
-                                <a:latin typeface="Cambria Math" panose="02040503050406030204" pitchFamily="18" charset="0"/>
-                                <a:ea typeface="Times New Roman" panose="02020603050405020304" pitchFamily="18" charset="0"/>
-                                <a:cs typeface="Open Sans" panose="020B0606030504020204" pitchFamily="34" charset="0"/>
-                              </a:rPr>
-                              <m:t>𝑓</m:t>
-                            </m:r>
-                          </m:e>
-                        </m:acc>
-                      </m:e>
-                      <m:sup>
-                        <m:r>
-                          <a:rPr lang="it-IT" sz="1800" i="1">
-                            <a:effectLst/>
-                            <a:latin typeface="Cambria Math" panose="02040503050406030204" pitchFamily="18" charset="0"/>
-                            <a:ea typeface="Times New Roman" panose="02020603050405020304" pitchFamily="18" charset="0"/>
-                            <a:cs typeface="Open Sans" panose="020B0606030504020204" pitchFamily="34" charset="0"/>
-                          </a:rPr>
-                          <m:t>𝐴</m:t>
-                        </m:r>
-                      </m:sup>
-                    </m:sSup>
-                    <m:d>
-                      <m:dPr>
-                        <m:ctrlPr>
-                          <a:rPr lang="it-IT" sz="1800" i="1">
-                            <a:effectLst/>
-                            <a:latin typeface="Cambria Math" panose="02040503050406030204" pitchFamily="18" charset="0"/>
-                            <a:ea typeface="Times New Roman" panose="02020603050405020304" pitchFamily="18" charset="0"/>
-                            <a:cs typeface="Open Sans" panose="020B0606030504020204" pitchFamily="34" charset="0"/>
-                          </a:rPr>
-                        </m:ctrlPr>
-                      </m:dPr>
-                      <m:e>
-                        <m:r>
-                          <a:rPr lang="it-IT" sz="1800" i="1">
-                            <a:effectLst/>
-                            <a:latin typeface="Cambria Math" panose="02040503050406030204" pitchFamily="18" charset="0"/>
-                            <a:ea typeface="Times New Roman" panose="02020603050405020304" pitchFamily="18" charset="0"/>
-                            <a:cs typeface="Open Sans" panose="020B0606030504020204" pitchFamily="34" charset="0"/>
-                          </a:rPr>
-                          <m:t>𝜎</m:t>
-                        </m:r>
-                      </m:e>
-                    </m:d>
-                  </m:oMath>
-                </a14:m>
-                <a:r>
-                  <a:rPr lang="it-IT" sz="1800" dirty="0">
-                    <a:effectLst/>
-                    <a:latin typeface="Avenir Next LT Pro Light" panose="020B0304020202020204" pitchFamily="34" charset="0"/>
-                    <a:ea typeface="Times New Roman" panose="02020603050405020304" pitchFamily="18" charset="0"/>
-                    <a:cs typeface="Times New Roman" panose="02020603050405020304" pitchFamily="18" charset="0"/>
-                  </a:rPr>
-                  <a:t> posso scambiare </a:t>
-                </a:r>
-                <a14:m>
-                  <m:oMath xmlns:m="http://schemas.openxmlformats.org/officeDocument/2006/math">
-                    <m:sSubSup>
-                      <m:sSubSupPr>
-                        <m:ctrlPr>
-                          <a:rPr lang="it-IT" sz="1800" i="1">
-                            <a:effectLst/>
-                            <a:latin typeface="Cambria Math" panose="02040503050406030204" pitchFamily="18" charset="0"/>
-                            <a:ea typeface="Times New Roman" panose="02020603050405020304" pitchFamily="18" charset="0"/>
-                            <a:cs typeface="Open Sans" panose="020B0606030504020204" pitchFamily="34" charset="0"/>
-                          </a:rPr>
-                        </m:ctrlPr>
-                      </m:sSubSupPr>
-                      <m:e>
-                        <m:r>
-                          <a:rPr lang="it-IT" sz="1800" i="1">
-                            <a:effectLst/>
-                            <a:latin typeface="Cambria Math" panose="02040503050406030204" pitchFamily="18" charset="0"/>
-                            <a:ea typeface="Times New Roman" panose="02020603050405020304" pitchFamily="18" charset="0"/>
-                            <a:cs typeface="Open Sans" panose="020B0606030504020204" pitchFamily="34" charset="0"/>
-                          </a:rPr>
-                          <m:t>𝐽</m:t>
-                        </m:r>
-                      </m:e>
-                      <m:sub>
-                        <m:r>
-                          <a:rPr lang="it-IT" sz="1800" b="0" i="1" smtClean="0">
-                            <a:effectLst/>
-                            <a:latin typeface="Cambria Math" panose="02040503050406030204" pitchFamily="18" charset="0"/>
-                            <a:ea typeface="Times New Roman" panose="02020603050405020304" pitchFamily="18" charset="0"/>
-                            <a:cs typeface="Open Sans" panose="020B0606030504020204" pitchFamily="34" charset="0"/>
-                          </a:rPr>
-                          <m:t>2</m:t>
-                        </m:r>
-                      </m:sub>
-                      <m:sup>
-                        <m:r>
-                          <a:rPr lang="it-IT" sz="1800" i="1">
-                            <a:effectLst/>
-                            <a:latin typeface="Cambria Math" panose="02040503050406030204" pitchFamily="18" charset="0"/>
-                            <a:ea typeface="Times New Roman" panose="02020603050405020304" pitchFamily="18" charset="0"/>
-                            <a:cs typeface="Open Sans" panose="020B0606030504020204" pitchFamily="34" charset="0"/>
-                          </a:rPr>
-                          <m:t>𝐴</m:t>
-                        </m:r>
-                      </m:sup>
-                    </m:sSubSup>
-                  </m:oMath>
-                </a14:m>
-                <a:r>
-                  <a:rPr lang="it-IT" sz="1800" dirty="0">
-                    <a:effectLst/>
-                    <a:latin typeface="Avenir Next LT Pro Light" panose="020B0304020202020204" pitchFamily="34" charset="0"/>
-                    <a:ea typeface="Times New Roman" panose="02020603050405020304" pitchFamily="18" charset="0"/>
-                    <a:cs typeface="Times New Roman" panose="02020603050405020304" pitchFamily="18" charset="0"/>
-                  </a:rPr>
-                  <a:t> con </a:t>
-                </a:r>
-                <a14:m>
-                  <m:oMath xmlns:m="http://schemas.openxmlformats.org/officeDocument/2006/math">
-                    <m:sSubSup>
-                      <m:sSubSupPr>
-                        <m:ctrlPr>
-                          <a:rPr lang="it-IT" sz="1800" i="1">
-                            <a:effectLst/>
-                            <a:latin typeface="Cambria Math" panose="02040503050406030204" pitchFamily="18" charset="0"/>
-                            <a:ea typeface="Times New Roman" panose="02020603050405020304" pitchFamily="18" charset="0"/>
-                            <a:cs typeface="Open Sans" panose="020B0606030504020204" pitchFamily="34" charset="0"/>
-                          </a:rPr>
-                        </m:ctrlPr>
-                      </m:sSubSupPr>
-                      <m:e>
-                        <m:r>
-                          <a:rPr lang="it-IT" sz="1800" i="1">
-                            <a:effectLst/>
-                            <a:latin typeface="Cambria Math" panose="02040503050406030204" pitchFamily="18" charset="0"/>
-                            <a:ea typeface="Times New Roman" panose="02020603050405020304" pitchFamily="18" charset="0"/>
-                            <a:cs typeface="Open Sans" panose="020B0606030504020204" pitchFamily="34" charset="0"/>
-                          </a:rPr>
-                          <m:t>𝐽</m:t>
-                        </m:r>
-                      </m:e>
-                      <m:sub>
-                        <m:r>
-                          <a:rPr lang="it-IT" sz="1800" b="0" i="1" smtClean="0">
-                            <a:effectLst/>
-                            <a:latin typeface="Cambria Math" panose="02040503050406030204" pitchFamily="18" charset="0"/>
-                            <a:ea typeface="Times New Roman" panose="02020603050405020304" pitchFamily="18" charset="0"/>
-                            <a:cs typeface="Open Sans" panose="020B0606030504020204" pitchFamily="34" charset="0"/>
-                          </a:rPr>
-                          <m:t>1</m:t>
-                        </m:r>
-                      </m:sub>
-                      <m:sup>
-                        <m:r>
-                          <a:rPr lang="it-IT" sz="1800" i="1">
-                            <a:effectLst/>
-                            <a:latin typeface="Cambria Math" panose="02040503050406030204" pitchFamily="18" charset="0"/>
-                            <a:ea typeface="Times New Roman" panose="02020603050405020304" pitchFamily="18" charset="0"/>
-                            <a:cs typeface="Open Sans" panose="020B0606030504020204" pitchFamily="34" charset="0"/>
-                          </a:rPr>
-                          <m:t>𝐵</m:t>
-                        </m:r>
-                      </m:sup>
-                    </m:sSubSup>
-                  </m:oMath>
-                </a14:m>
-                <a:r>
-                  <a:rPr lang="it-IT" sz="1800" dirty="0">
-                    <a:effectLst/>
-                    <a:latin typeface="Avenir Next LT Pro Light" panose="020B0304020202020204" pitchFamily="34" charset="0"/>
-                    <a:ea typeface="Times New Roman" panose="02020603050405020304" pitchFamily="18" charset="0"/>
-                    <a:cs typeface="Times New Roman" panose="02020603050405020304" pitchFamily="18" charset="0"/>
-                  </a:rPr>
-                  <a:t>:</a:t>
-                </a:r>
-              </a:p>
-            </p:txBody>
-          </p:sp>
-        </mc:Choice>
-        <mc:Fallback xmlns="">
-          <p:sp>
-            <p:nvSpPr>
-              <p:cNvPr id="10" name="CasellaDiTesto 9">
-                <a:extLst>
-                  <a:ext uri="{FF2B5EF4-FFF2-40B4-BE49-F238E27FC236}">
-                    <a16:creationId xmlns:a16="http://schemas.microsoft.com/office/drawing/2014/main" id="{D9C6A51D-89F5-265C-45BC-DDC6DA9B40FA}"/>
-                  </a:ext>
-                </a:extLst>
-              </p:cNvPr>
-              <p:cNvSpPr txBox="1">
-                <a:spLocks noRot="1" noChangeAspect="1" noMove="1" noResize="1" noEditPoints="1" noAdjustHandles="1" noChangeArrowheads="1" noChangeShapeType="1" noTextEdit="1"/>
-              </p:cNvSpPr>
-              <p:nvPr/>
-            </p:nvSpPr>
-            <p:spPr>
-              <a:xfrm>
-                <a:off x="484762" y="3183683"/>
-                <a:ext cx="11222476" cy="467564"/>
-              </a:xfrm>
-              <a:prstGeom prst="rect">
-                <a:avLst/>
-              </a:prstGeom>
-              <a:blipFill>
-                <a:blip r:embed="rId4"/>
-                <a:stretch>
-                  <a:fillRect l="-380" b="-20779"/>
+                  <a:fillRect l="-380" b="-2187"/>
                 </a:stretch>
               </a:blipFill>
             </p:spPr>
@@ -18373,10 +16793,10 @@
       </mc:AlternateContent>
       <p:cxnSp>
         <p:nvCxnSpPr>
-          <p:cNvPr id="15" name="Connettore 2 14">
+          <p:cNvPr id="3" name="Connettore 2 2">
             <a:extLst>
               <a:ext uri="{FF2B5EF4-FFF2-40B4-BE49-F238E27FC236}">
-                <a16:creationId xmlns:a16="http://schemas.microsoft.com/office/drawing/2014/main" id="{D33E20AC-57C0-3F0E-30D7-63A6875A882D}"/>
+                <a16:creationId xmlns:a16="http://schemas.microsoft.com/office/drawing/2014/main" id="{FAC8AB28-AA33-7585-AC58-6383699259E7}"/>
               </a:ext>
             </a:extLst>
           </p:cNvPr>
@@ -18387,7 +16807,7 @@
         </p:nvCxnSpPr>
         <p:spPr>
           <a:xfrm>
-            <a:off x="1254210" y="3113207"/>
+            <a:off x="1239520" y="5861474"/>
             <a:ext cx="9733280" cy="0"/>
           </a:xfrm>
           <a:prstGeom prst="straightConnector1">
@@ -18414,10 +16834,10 @@
       </p:cxnSp>
       <p:cxnSp>
         <p:nvCxnSpPr>
-          <p:cNvPr id="16" name="Connettore 2 15">
+          <p:cNvPr id="5" name="Connettore 2 4">
             <a:extLst>
               <a:ext uri="{FF2B5EF4-FFF2-40B4-BE49-F238E27FC236}">
-                <a16:creationId xmlns:a16="http://schemas.microsoft.com/office/drawing/2014/main" id="{06AA0292-325C-4A95-E64C-0323F786BFC0}"/>
+                <a16:creationId xmlns:a16="http://schemas.microsoft.com/office/drawing/2014/main" id="{A9465FDC-1E85-0319-4553-D15AB6169312}"/>
               </a:ext>
             </a:extLst>
           </p:cNvPr>
@@ -18428,7 +16848,7 @@
         </p:nvCxnSpPr>
         <p:spPr>
           <a:xfrm flipV="1">
-            <a:off x="1254210" y="1486304"/>
+            <a:off x="1239520" y="4234571"/>
             <a:ext cx="0" cy="1626903"/>
           </a:xfrm>
           <a:prstGeom prst="straightConnector1">
@@ -18453,14 +16873,14 @@
           </a:fontRef>
         </p:style>
       </p:cxnSp>
-      <mc:AlternateContent xmlns:mc="http://schemas.openxmlformats.org/markup-compatibility/2006" xmlns:a14="http://schemas.microsoft.com/office/drawing/2010/main">
-        <mc:Choice Requires="a14">
+      <mc:AlternateContent xmlns:mc="http://schemas.openxmlformats.org/markup-compatibility/2006">
+        <mc:Choice xmlns:a14="http://schemas.microsoft.com/office/drawing/2010/main" Requires="a14">
           <p:sp>
             <p:nvSpPr>
-              <p:cNvPr id="17" name="Rettangolo 16">
+              <p:cNvPr id="6" name="Rettangolo 5">
                 <a:extLst>
                   <a:ext uri="{FF2B5EF4-FFF2-40B4-BE49-F238E27FC236}">
-                    <a16:creationId xmlns:a16="http://schemas.microsoft.com/office/drawing/2014/main" id="{3D39AC97-9DF8-24EC-C3F0-2C2E22FF06C5}"/>
+                    <a16:creationId xmlns:a16="http://schemas.microsoft.com/office/drawing/2014/main" id="{A235F444-354F-C23F-A15C-C348A9D4F303}"/>
                   </a:ext>
                 </a:extLst>
               </p:cNvPr>
@@ -18469,8 +16889,8 @@
             </p:nvSpPr>
             <p:spPr>
               <a:xfrm>
-                <a:off x="3521670" y="2032753"/>
-                <a:ext cx="956310" cy="1063304"/>
+                <a:off x="2977007" y="4784189"/>
+                <a:ext cx="1340993" cy="1063304"/>
               </a:xfrm>
               <a:prstGeom prst="rect">
                 <a:avLst/>
@@ -18564,13 +16984,13 @@
             </p:txBody>
           </p:sp>
         </mc:Choice>
-        <mc:Fallback xmlns="">
+        <mc:Fallback>
           <p:sp>
             <p:nvSpPr>
-              <p:cNvPr id="17" name="Rettangolo 16">
+              <p:cNvPr id="6" name="Rettangolo 5">
                 <a:extLst>
                   <a:ext uri="{FF2B5EF4-FFF2-40B4-BE49-F238E27FC236}">
-                    <a16:creationId xmlns:a16="http://schemas.microsoft.com/office/drawing/2014/main" id="{3D39AC97-9DF8-24EC-C3F0-2C2E22FF06C5}"/>
+                    <a16:creationId xmlns:a16="http://schemas.microsoft.com/office/drawing/2014/main" id="{A235F444-354F-C23F-A15C-C348A9D4F303}"/>
                   </a:ext>
                 </a:extLst>
               </p:cNvPr>
@@ -18581,14 +17001,14 @@
             </p:nvSpPr>
             <p:spPr>
               <a:xfrm>
-                <a:off x="3521670" y="2032753"/>
-                <a:ext cx="956310" cy="1063304"/>
+                <a:off x="2977007" y="4784189"/>
+                <a:ext cx="1340993" cy="1063304"/>
               </a:xfrm>
               <a:prstGeom prst="rect">
                 <a:avLst/>
               </a:prstGeom>
               <a:blipFill>
-                <a:blip r:embed="rId5"/>
+                <a:blip r:embed="rId4"/>
                 <a:stretch>
                   <a:fillRect/>
                 </a:stretch>
@@ -18614,14 +17034,14 @@
           </p:sp>
         </mc:Fallback>
       </mc:AlternateContent>
-      <mc:AlternateContent xmlns:mc="http://schemas.openxmlformats.org/markup-compatibility/2006" xmlns:a14="http://schemas.microsoft.com/office/drawing/2010/main">
-        <mc:Choice Requires="a14">
+      <mc:AlternateContent xmlns:mc="http://schemas.openxmlformats.org/markup-compatibility/2006">
+        <mc:Choice xmlns:a14="http://schemas.microsoft.com/office/drawing/2010/main" Requires="a14">
           <p:sp>
             <p:nvSpPr>
-              <p:cNvPr id="18" name="Rettangolo 17">
+              <p:cNvPr id="7" name="Rettangolo 6">
                 <a:extLst>
                   <a:ext uri="{FF2B5EF4-FFF2-40B4-BE49-F238E27FC236}">
-                    <a16:creationId xmlns:a16="http://schemas.microsoft.com/office/drawing/2014/main" id="{F8A1258D-5D66-BC03-B677-2BD5F7EF648E}"/>
+                    <a16:creationId xmlns:a16="http://schemas.microsoft.com/office/drawing/2014/main" id="{55F924A5-5AC3-3531-1556-A8DBD541D11C}"/>
                   </a:ext>
                 </a:extLst>
               </p:cNvPr>
@@ -18630,8 +17050,8 @@
             </p:nvSpPr>
             <p:spPr>
               <a:xfrm>
-                <a:off x="1971000" y="2035033"/>
-                <a:ext cx="1550670" cy="1063304"/>
+                <a:off x="1956310" y="4781020"/>
+                <a:ext cx="1020697" cy="1063304"/>
               </a:xfrm>
               <a:prstGeom prst="rect">
                 <a:avLst/>
@@ -18725,13 +17145,13 @@
             </p:txBody>
           </p:sp>
         </mc:Choice>
-        <mc:Fallback xmlns="">
+        <mc:Fallback>
           <p:sp>
             <p:nvSpPr>
-              <p:cNvPr id="18" name="Rettangolo 17">
+              <p:cNvPr id="7" name="Rettangolo 6">
                 <a:extLst>
                   <a:ext uri="{FF2B5EF4-FFF2-40B4-BE49-F238E27FC236}">
-                    <a16:creationId xmlns:a16="http://schemas.microsoft.com/office/drawing/2014/main" id="{F8A1258D-5D66-BC03-B677-2BD5F7EF648E}"/>
+                    <a16:creationId xmlns:a16="http://schemas.microsoft.com/office/drawing/2014/main" id="{55F924A5-5AC3-3531-1556-A8DBD541D11C}"/>
                   </a:ext>
                 </a:extLst>
               </p:cNvPr>
@@ -18742,14 +17162,14 @@
             </p:nvSpPr>
             <p:spPr>
               <a:xfrm>
-                <a:off x="1971000" y="2035033"/>
-                <a:ext cx="1550670" cy="1063304"/>
+                <a:off x="1956310" y="4781020"/>
+                <a:ext cx="1020697" cy="1063304"/>
               </a:xfrm>
               <a:prstGeom prst="rect">
                 <a:avLst/>
               </a:prstGeom>
               <a:blipFill>
-                <a:blip r:embed="rId6"/>
+                <a:blip r:embed="rId5"/>
                 <a:stretch>
                   <a:fillRect/>
                 </a:stretch>
@@ -18775,14 +17195,14 @@
           </p:sp>
         </mc:Fallback>
       </mc:AlternateContent>
-      <mc:AlternateContent xmlns:mc="http://schemas.openxmlformats.org/markup-compatibility/2006" xmlns:a14="http://schemas.microsoft.com/office/drawing/2010/main">
-        <mc:Choice Requires="a14">
+      <mc:AlternateContent xmlns:mc="http://schemas.openxmlformats.org/markup-compatibility/2006">
+        <mc:Choice xmlns:a14="http://schemas.microsoft.com/office/drawing/2010/main" Requires="a14">
           <p:sp>
             <p:nvSpPr>
-              <p:cNvPr id="19" name="Rettangolo 18">
+              <p:cNvPr id="8" name="Rettangolo 7">
                 <a:extLst>
                   <a:ext uri="{FF2B5EF4-FFF2-40B4-BE49-F238E27FC236}">
-                    <a16:creationId xmlns:a16="http://schemas.microsoft.com/office/drawing/2014/main" id="{60252D82-E45D-5938-ED2C-03B44EDF508E}"/>
+                    <a16:creationId xmlns:a16="http://schemas.microsoft.com/office/drawing/2014/main" id="{CD19D1C1-211F-9320-9770-1DACFDFD8BAE}"/>
                   </a:ext>
                 </a:extLst>
               </p:cNvPr>
@@ -18791,7 +17211,7 @@
             </p:nvSpPr>
             <p:spPr>
               <a:xfrm>
-                <a:off x="7790521" y="2030842"/>
+                <a:off x="7775831" y="4784189"/>
                 <a:ext cx="2767327" cy="1063304"/>
               </a:xfrm>
               <a:prstGeom prst="rect">
@@ -18886,13 +17306,13 @@
             </p:txBody>
           </p:sp>
         </mc:Choice>
-        <mc:Fallback xmlns="">
+        <mc:Fallback>
           <p:sp>
             <p:nvSpPr>
-              <p:cNvPr id="19" name="Rettangolo 18">
+              <p:cNvPr id="8" name="Rettangolo 7">
                 <a:extLst>
                   <a:ext uri="{FF2B5EF4-FFF2-40B4-BE49-F238E27FC236}">
-                    <a16:creationId xmlns:a16="http://schemas.microsoft.com/office/drawing/2014/main" id="{60252D82-E45D-5938-ED2C-03B44EDF508E}"/>
+                    <a16:creationId xmlns:a16="http://schemas.microsoft.com/office/drawing/2014/main" id="{CD19D1C1-211F-9320-9770-1DACFDFD8BAE}"/>
                   </a:ext>
                 </a:extLst>
               </p:cNvPr>
@@ -18903,14 +17323,14 @@
             </p:nvSpPr>
             <p:spPr>
               <a:xfrm>
-                <a:off x="7790521" y="2030842"/>
+                <a:off x="7775831" y="4784189"/>
                 <a:ext cx="2767327" cy="1063304"/>
               </a:xfrm>
               <a:prstGeom prst="rect">
                 <a:avLst/>
               </a:prstGeom>
               <a:blipFill>
-                <a:blip r:embed="rId7"/>
+                <a:blip r:embed="rId6"/>
                 <a:stretch>
                   <a:fillRect/>
                 </a:stretch>
@@ -18936,14 +17356,14 @@
           </p:sp>
         </mc:Fallback>
       </mc:AlternateContent>
-      <mc:AlternateContent xmlns:mc="http://schemas.openxmlformats.org/markup-compatibility/2006" xmlns:a14="http://schemas.microsoft.com/office/drawing/2010/main">
-        <mc:Choice Requires="a14">
+      <mc:AlternateContent xmlns:mc="http://schemas.openxmlformats.org/markup-compatibility/2006">
+        <mc:Choice xmlns:a14="http://schemas.microsoft.com/office/drawing/2010/main" Requires="a14">
           <p:sp>
             <p:nvSpPr>
-              <p:cNvPr id="20" name="Rettangolo 19">
+              <p:cNvPr id="9" name="Rettangolo 8">
                 <a:extLst>
                   <a:ext uri="{FF2B5EF4-FFF2-40B4-BE49-F238E27FC236}">
-                    <a16:creationId xmlns:a16="http://schemas.microsoft.com/office/drawing/2014/main" id="{182C8BF3-485E-0AFC-9D4B-D12E944E8E87}"/>
+                    <a16:creationId xmlns:a16="http://schemas.microsoft.com/office/drawing/2014/main" id="{B100C01A-CCFE-7E43-489D-98B92305A07D}"/>
                   </a:ext>
                 </a:extLst>
               </p:cNvPr>
@@ -18952,7 +17372,7 @@
             </p:nvSpPr>
             <p:spPr>
               <a:xfrm>
-                <a:off x="1267419" y="2035035"/>
+                <a:off x="1252729" y="4783302"/>
                 <a:ext cx="703581" cy="1063304"/>
               </a:xfrm>
               <a:prstGeom prst="rect">
@@ -19047,13 +17467,13 @@
             </p:txBody>
           </p:sp>
         </mc:Choice>
-        <mc:Fallback xmlns="">
+        <mc:Fallback>
           <p:sp>
             <p:nvSpPr>
-              <p:cNvPr id="20" name="Rettangolo 19">
+              <p:cNvPr id="9" name="Rettangolo 8">
                 <a:extLst>
                   <a:ext uri="{FF2B5EF4-FFF2-40B4-BE49-F238E27FC236}">
-                    <a16:creationId xmlns:a16="http://schemas.microsoft.com/office/drawing/2014/main" id="{182C8BF3-485E-0AFC-9D4B-D12E944E8E87}"/>
+                    <a16:creationId xmlns:a16="http://schemas.microsoft.com/office/drawing/2014/main" id="{B100C01A-CCFE-7E43-489D-98B92305A07D}"/>
                   </a:ext>
                 </a:extLst>
               </p:cNvPr>
@@ -19064,14 +17484,14 @@
             </p:nvSpPr>
             <p:spPr>
               <a:xfrm>
-                <a:off x="1267419" y="2035035"/>
+                <a:off x="1252729" y="4783302"/>
                 <a:ext cx="703581" cy="1063304"/>
               </a:xfrm>
               <a:prstGeom prst="rect">
                 <a:avLst/>
               </a:prstGeom>
               <a:blipFill>
-                <a:blip r:embed="rId8"/>
+                <a:blip r:embed="rId7"/>
                 <a:stretch>
                   <a:fillRect/>
                 </a:stretch>
@@ -19097,14 +17517,14 @@
           </p:sp>
         </mc:Fallback>
       </mc:AlternateContent>
-      <mc:AlternateContent xmlns:mc="http://schemas.openxmlformats.org/markup-compatibility/2006" xmlns:a14="http://schemas.microsoft.com/office/drawing/2010/main">
-        <mc:Choice Requires="a14">
+      <mc:AlternateContent xmlns:mc="http://schemas.openxmlformats.org/markup-compatibility/2006">
+        <mc:Choice xmlns:a14="http://schemas.microsoft.com/office/drawing/2010/main" Requires="a14">
           <p:sp>
             <p:nvSpPr>
-              <p:cNvPr id="21" name="Rettangolo 20">
+              <p:cNvPr id="10" name="Rettangolo 9">
                 <a:extLst>
                   <a:ext uri="{FF2B5EF4-FFF2-40B4-BE49-F238E27FC236}">
-                    <a16:creationId xmlns:a16="http://schemas.microsoft.com/office/drawing/2014/main" id="{A2A2FFCD-D767-EB76-2097-605800F88AE4}"/>
+                    <a16:creationId xmlns:a16="http://schemas.microsoft.com/office/drawing/2014/main" id="{FAA542EB-C74E-E3FE-E4FE-02AC3A38A7DC}"/>
                   </a:ext>
                 </a:extLst>
               </p:cNvPr>
@@ -19113,8 +17533,8 @@
             </p:nvSpPr>
             <p:spPr>
               <a:xfrm>
-                <a:off x="6238963" y="2035035"/>
-                <a:ext cx="1550670" cy="1063302"/>
+                <a:off x="6125972" y="4783674"/>
+                <a:ext cx="1655957" cy="1063302"/>
               </a:xfrm>
               <a:prstGeom prst="rect">
                 <a:avLst/>
@@ -19208,13 +17628,13 @@
             </p:txBody>
           </p:sp>
         </mc:Choice>
-        <mc:Fallback xmlns="">
+        <mc:Fallback>
           <p:sp>
             <p:nvSpPr>
-              <p:cNvPr id="21" name="Rettangolo 20">
+              <p:cNvPr id="10" name="Rettangolo 9">
                 <a:extLst>
                   <a:ext uri="{FF2B5EF4-FFF2-40B4-BE49-F238E27FC236}">
-                    <a16:creationId xmlns:a16="http://schemas.microsoft.com/office/drawing/2014/main" id="{A2A2FFCD-D767-EB76-2097-605800F88AE4}"/>
+                    <a16:creationId xmlns:a16="http://schemas.microsoft.com/office/drawing/2014/main" id="{FAA542EB-C74E-E3FE-E4FE-02AC3A38A7DC}"/>
                   </a:ext>
                 </a:extLst>
               </p:cNvPr>
@@ -19225,14 +17645,14 @@
             </p:nvSpPr>
             <p:spPr>
               <a:xfrm>
-                <a:off x="6238963" y="2035035"/>
-                <a:ext cx="1550670" cy="1063302"/>
+                <a:off x="6125972" y="4783674"/>
+                <a:ext cx="1655957" cy="1063302"/>
               </a:xfrm>
               <a:prstGeom prst="rect">
                 <a:avLst/>
               </a:prstGeom>
               <a:blipFill>
-                <a:blip r:embed="rId9"/>
+                <a:blip r:embed="rId8"/>
                 <a:stretch>
                   <a:fillRect/>
                 </a:stretch>
@@ -19258,14 +17678,14 @@
           </p:sp>
         </mc:Fallback>
       </mc:AlternateContent>
-      <mc:AlternateContent xmlns:mc="http://schemas.openxmlformats.org/markup-compatibility/2006" xmlns:a14="http://schemas.microsoft.com/office/drawing/2010/main">
-        <mc:Choice Requires="a14">
+      <mc:AlternateContent xmlns:mc="http://schemas.openxmlformats.org/markup-compatibility/2006">
+        <mc:Choice xmlns:a14="http://schemas.microsoft.com/office/drawing/2010/main" Requires="a14">
           <p:sp>
             <p:nvSpPr>
-              <p:cNvPr id="22" name="Rettangolo 21">
+              <p:cNvPr id="11" name="Rettangolo 10">
                 <a:extLst>
                   <a:ext uri="{FF2B5EF4-FFF2-40B4-BE49-F238E27FC236}">
-                    <a16:creationId xmlns:a16="http://schemas.microsoft.com/office/drawing/2014/main" id="{355D5B4B-249F-E7B9-A539-E0B778F615CB}"/>
+                    <a16:creationId xmlns:a16="http://schemas.microsoft.com/office/drawing/2014/main" id="{EE41D3FA-1553-7138-83C4-380CA5F32A21}"/>
                   </a:ext>
                 </a:extLst>
               </p:cNvPr>
@@ -19274,8 +17694,8 @@
             </p:nvSpPr>
             <p:spPr>
               <a:xfrm>
-                <a:off x="4477726" y="2035414"/>
-                <a:ext cx="1758948" cy="1063304"/>
+                <a:off x="4309629" y="4783302"/>
+                <a:ext cx="1822441" cy="1063304"/>
               </a:xfrm>
               <a:prstGeom prst="rect">
                 <a:avLst/>
@@ -19369,13 +17789,13 @@
             </p:txBody>
           </p:sp>
         </mc:Choice>
-        <mc:Fallback xmlns="">
+        <mc:Fallback>
           <p:sp>
             <p:nvSpPr>
-              <p:cNvPr id="22" name="Rettangolo 21">
+              <p:cNvPr id="11" name="Rettangolo 10">
                 <a:extLst>
                   <a:ext uri="{FF2B5EF4-FFF2-40B4-BE49-F238E27FC236}">
-                    <a16:creationId xmlns:a16="http://schemas.microsoft.com/office/drawing/2014/main" id="{355D5B4B-249F-E7B9-A539-E0B778F615CB}"/>
+                    <a16:creationId xmlns:a16="http://schemas.microsoft.com/office/drawing/2014/main" id="{EE41D3FA-1553-7138-83C4-380CA5F32A21}"/>
                   </a:ext>
                 </a:extLst>
               </p:cNvPr>
@@ -19386,1062 +17806,14 @@
             </p:nvSpPr>
             <p:spPr>
               <a:xfrm>
-                <a:off x="4477726" y="2035414"/>
-                <a:ext cx="1758948" cy="1063304"/>
+                <a:off x="4309629" y="4783302"/>
+                <a:ext cx="1822441" cy="1063304"/>
               </a:xfrm>
               <a:prstGeom prst="rect">
                 <a:avLst/>
               </a:prstGeom>
               <a:blipFill>
-                <a:blip r:embed="rId10"/>
-                <a:stretch>
-                  <a:fillRect/>
-                </a:stretch>
-              </a:blipFill>
-              <a:ln>
-                <a:solidFill>
-                  <a:schemeClr val="tx1"/>
-                </a:solidFill>
-              </a:ln>
-            </p:spPr>
-            <p:txBody>
-              <a:bodyPr/>
-              <a:lstStyle/>
-              <a:p>
-                <a:r>
-                  <a:rPr lang="it-IT">
-                    <a:noFill/>
-                  </a:rPr>
-                  <a:t> </a:t>
-                </a:r>
-              </a:p>
-            </p:txBody>
-          </p:sp>
-        </mc:Fallback>
-      </mc:AlternateContent>
-      <p:cxnSp>
-        <p:nvCxnSpPr>
-          <p:cNvPr id="23" name="Connettore 2 22">
-            <a:extLst>
-              <a:ext uri="{FF2B5EF4-FFF2-40B4-BE49-F238E27FC236}">
-                <a16:creationId xmlns:a16="http://schemas.microsoft.com/office/drawing/2014/main" id="{C4595277-492A-D06D-4BAF-E194699F4286}"/>
-              </a:ext>
-            </a:extLst>
-          </p:cNvPr>
-          <p:cNvCxnSpPr>
-            <a:cxnSpLocks/>
-          </p:cNvCxnSpPr>
-          <p:nvPr/>
-        </p:nvCxnSpPr>
-        <p:spPr>
-          <a:xfrm>
-            <a:off x="1254210" y="5404537"/>
-            <a:ext cx="9733280" cy="0"/>
-          </a:xfrm>
-          <a:prstGeom prst="straightConnector1">
-            <a:avLst/>
-          </a:prstGeom>
-          <a:ln w="28575">
-            <a:tailEnd type="triangle"/>
-          </a:ln>
-        </p:spPr>
-        <p:style>
-          <a:lnRef idx="1">
-            <a:schemeClr val="dk1"/>
-          </a:lnRef>
-          <a:fillRef idx="0">
-            <a:schemeClr val="dk1"/>
-          </a:fillRef>
-          <a:effectRef idx="0">
-            <a:schemeClr val="dk1"/>
-          </a:effectRef>
-          <a:fontRef idx="minor">
-            <a:schemeClr val="tx1"/>
-          </a:fontRef>
-        </p:style>
-      </p:cxnSp>
-      <p:cxnSp>
-        <p:nvCxnSpPr>
-          <p:cNvPr id="24" name="Connettore 2 23">
-            <a:extLst>
-              <a:ext uri="{FF2B5EF4-FFF2-40B4-BE49-F238E27FC236}">
-                <a16:creationId xmlns:a16="http://schemas.microsoft.com/office/drawing/2014/main" id="{679770A2-1D3A-D10D-FB9E-035FFE5C4E8C}"/>
-              </a:ext>
-            </a:extLst>
-          </p:cNvPr>
-          <p:cNvCxnSpPr>
-            <a:cxnSpLocks/>
-          </p:cNvCxnSpPr>
-          <p:nvPr/>
-        </p:nvCxnSpPr>
-        <p:spPr>
-          <a:xfrm flipV="1">
-            <a:off x="1254210" y="3777634"/>
-            <a:ext cx="0" cy="1626903"/>
-          </a:xfrm>
-          <a:prstGeom prst="straightConnector1">
-            <a:avLst/>
-          </a:prstGeom>
-          <a:ln w="28575">
-            <a:tailEnd type="triangle"/>
-          </a:ln>
-        </p:spPr>
-        <p:style>
-          <a:lnRef idx="1">
-            <a:schemeClr val="dk1"/>
-          </a:lnRef>
-          <a:fillRef idx="0">
-            <a:schemeClr val="dk1"/>
-          </a:fillRef>
-          <a:effectRef idx="0">
-            <a:schemeClr val="dk1"/>
-          </a:effectRef>
-          <a:fontRef idx="minor">
-            <a:schemeClr val="tx1"/>
-          </a:fontRef>
-        </p:style>
-      </p:cxnSp>
-      <mc:AlternateContent xmlns:mc="http://schemas.openxmlformats.org/markup-compatibility/2006" xmlns:a14="http://schemas.microsoft.com/office/drawing/2010/main">
-        <mc:Choice Requires="a14">
-          <p:sp>
-            <p:nvSpPr>
-              <p:cNvPr id="25" name="Rettangolo 24">
-                <a:extLst>
-                  <a:ext uri="{FF2B5EF4-FFF2-40B4-BE49-F238E27FC236}">
-                    <a16:creationId xmlns:a16="http://schemas.microsoft.com/office/drawing/2014/main" id="{A2B1589C-CF6B-9F19-2445-5EDE2A2E7633}"/>
-                  </a:ext>
-                </a:extLst>
-              </p:cNvPr>
-              <p:cNvSpPr/>
-              <p:nvPr/>
-            </p:nvSpPr>
-            <p:spPr>
-              <a:xfrm>
-                <a:off x="5281765" y="4326998"/>
-                <a:ext cx="956310" cy="1063304"/>
-              </a:xfrm>
-              <a:prstGeom prst="rect">
-                <a:avLst/>
-              </a:prstGeom>
-              <a:solidFill>
-                <a:srgbClr val="C8A2C8"/>
-              </a:solidFill>
-              <a:ln>
-                <a:solidFill>
-                  <a:schemeClr val="tx1"/>
-                </a:solidFill>
-              </a:ln>
-            </p:spPr>
-            <p:style>
-              <a:lnRef idx="2">
-                <a:schemeClr val="accent1">
-                  <a:shade val="50000"/>
-                </a:schemeClr>
-              </a:lnRef>
-              <a:fillRef idx="1">
-                <a:schemeClr val="accent1"/>
-              </a:fillRef>
-              <a:effectRef idx="0">
-                <a:schemeClr val="accent1"/>
-              </a:effectRef>
-              <a:fontRef idx="minor">
-                <a:schemeClr val="lt1"/>
-              </a:fontRef>
-            </p:style>
-            <p:txBody>
-              <a:bodyPr rtlCol="0" anchor="ctr"/>
-              <a:lstStyle/>
-              <a:p>
-                <a:pPr algn="ctr"/>
-                <a14:m>
-                  <m:oMathPara xmlns:m="http://schemas.openxmlformats.org/officeDocument/2006/math">
-                    <m:oMathParaPr>
-                      <m:jc m:val="centerGroup"/>
-                    </m:oMathParaPr>
-                    <m:oMath xmlns:m="http://schemas.openxmlformats.org/officeDocument/2006/math">
-                      <m:sSubSup>
-                        <m:sSubSupPr>
-                          <m:ctrlPr>
-                            <a:rPr lang="it-IT" b="0" i="1" smtClean="0">
-                              <a:solidFill>
-                                <a:schemeClr val="tx1"/>
-                              </a:solidFill>
-                              <a:latin typeface="Cambria Math" panose="02040503050406030204" pitchFamily="18" charset="0"/>
-                            </a:rPr>
-                          </m:ctrlPr>
-                        </m:sSubSupPr>
-                        <m:e>
-                          <m:r>
-                            <a:rPr lang="it-IT" b="0" i="1" smtClean="0">
-                              <a:solidFill>
-                                <a:schemeClr val="tx1"/>
-                              </a:solidFill>
-                              <a:latin typeface="Cambria Math" panose="02040503050406030204" pitchFamily="18" charset="0"/>
-                            </a:rPr>
-                            <m:t>𝐽</m:t>
-                          </m:r>
-                        </m:e>
-                        <m:sub>
-                          <m:r>
-                            <a:rPr lang="it-IT" b="0" i="1" smtClean="0">
-                              <a:solidFill>
-                                <a:schemeClr val="tx1"/>
-                              </a:solidFill>
-                              <a:latin typeface="Cambria Math" panose="02040503050406030204" pitchFamily="18" charset="0"/>
-                            </a:rPr>
-                            <m:t>1</m:t>
-                          </m:r>
-                        </m:sub>
-                        <m:sup>
-                          <m:r>
-                            <a:rPr lang="it-IT" b="0" i="1" smtClean="0">
-                              <a:solidFill>
-                                <a:schemeClr val="tx1"/>
-                              </a:solidFill>
-                              <a:latin typeface="Cambria Math" panose="02040503050406030204" pitchFamily="18" charset="0"/>
-                            </a:rPr>
-                            <m:t>𝐴</m:t>
-                          </m:r>
-                        </m:sup>
-                      </m:sSubSup>
-                    </m:oMath>
-                  </m:oMathPara>
-                </a14:m>
-                <a:endParaRPr lang="it-IT" dirty="0"/>
-              </a:p>
-            </p:txBody>
-          </p:sp>
-        </mc:Choice>
-        <mc:Fallback xmlns="">
-          <p:sp>
-            <p:nvSpPr>
-              <p:cNvPr id="25" name="Rettangolo 24">
-                <a:extLst>
-                  <a:ext uri="{FF2B5EF4-FFF2-40B4-BE49-F238E27FC236}">
-                    <a16:creationId xmlns:a16="http://schemas.microsoft.com/office/drawing/2014/main" id="{A2B1589C-CF6B-9F19-2445-5EDE2A2E7633}"/>
-                  </a:ext>
-                </a:extLst>
-              </p:cNvPr>
-              <p:cNvSpPr>
-                <a:spLocks noRot="1" noChangeAspect="1" noMove="1" noResize="1" noEditPoints="1" noAdjustHandles="1" noChangeArrowheads="1" noChangeShapeType="1" noTextEdit="1"/>
-              </p:cNvSpPr>
-              <p:nvPr/>
-            </p:nvSpPr>
-            <p:spPr>
-              <a:xfrm>
-                <a:off x="5281765" y="4326998"/>
-                <a:ext cx="956310" cy="1063304"/>
-              </a:xfrm>
-              <a:prstGeom prst="rect">
-                <a:avLst/>
-              </a:prstGeom>
-              <a:blipFill>
-                <a:blip r:embed="rId11"/>
-                <a:stretch>
-                  <a:fillRect/>
-                </a:stretch>
-              </a:blipFill>
-              <a:ln>
-                <a:solidFill>
-                  <a:schemeClr val="tx1"/>
-                </a:solidFill>
-              </a:ln>
-            </p:spPr>
-            <p:txBody>
-              <a:bodyPr/>
-              <a:lstStyle/>
-              <a:p>
-                <a:r>
-                  <a:rPr lang="it-IT">
-                    <a:noFill/>
-                  </a:rPr>
-                  <a:t> </a:t>
-                </a:r>
-              </a:p>
-            </p:txBody>
-          </p:sp>
-        </mc:Fallback>
-      </mc:AlternateContent>
-      <mc:AlternateContent xmlns:mc="http://schemas.openxmlformats.org/markup-compatibility/2006" xmlns:a14="http://schemas.microsoft.com/office/drawing/2010/main">
-        <mc:Choice Requires="a14">
-          <p:sp>
-            <p:nvSpPr>
-              <p:cNvPr id="26" name="Rettangolo 25">
-                <a:extLst>
-                  <a:ext uri="{FF2B5EF4-FFF2-40B4-BE49-F238E27FC236}">
-                    <a16:creationId xmlns:a16="http://schemas.microsoft.com/office/drawing/2014/main" id="{90D2DABA-38D0-6021-704A-15A48503ADF0}"/>
-                  </a:ext>
-                </a:extLst>
-              </p:cNvPr>
-              <p:cNvSpPr/>
-              <p:nvPr/>
-            </p:nvSpPr>
-            <p:spPr>
-              <a:xfrm>
-                <a:off x="1267419" y="4326103"/>
-                <a:ext cx="1550670" cy="1063304"/>
-              </a:xfrm>
-              <a:prstGeom prst="rect">
-                <a:avLst/>
-              </a:prstGeom>
-              <a:solidFill>
-                <a:srgbClr val="6495ED"/>
-              </a:solidFill>
-              <a:ln>
-                <a:solidFill>
-                  <a:schemeClr val="tx1"/>
-                </a:solidFill>
-              </a:ln>
-            </p:spPr>
-            <p:style>
-              <a:lnRef idx="2">
-                <a:schemeClr val="accent1">
-                  <a:shade val="50000"/>
-                </a:schemeClr>
-              </a:lnRef>
-              <a:fillRef idx="1">
-                <a:schemeClr val="accent1"/>
-              </a:fillRef>
-              <a:effectRef idx="0">
-                <a:schemeClr val="accent1"/>
-              </a:effectRef>
-              <a:fontRef idx="minor">
-                <a:schemeClr val="lt1"/>
-              </a:fontRef>
-            </p:style>
-            <p:txBody>
-              <a:bodyPr rtlCol="0" anchor="ctr"/>
-              <a:lstStyle/>
-              <a:p>
-                <a:pPr algn="ctr"/>
-                <a14:m>
-                  <m:oMathPara xmlns:m="http://schemas.openxmlformats.org/officeDocument/2006/math">
-                    <m:oMathParaPr>
-                      <m:jc m:val="centerGroup"/>
-                    </m:oMathParaPr>
-                    <m:oMath xmlns:m="http://schemas.openxmlformats.org/officeDocument/2006/math">
-                      <m:sSubSup>
-                        <m:sSubSupPr>
-                          <m:ctrlPr>
-                            <a:rPr lang="it-IT" b="0" i="1" smtClean="0">
-                              <a:solidFill>
-                                <a:schemeClr val="tx1"/>
-                              </a:solidFill>
-                              <a:latin typeface="Cambria Math" panose="02040503050406030204" pitchFamily="18" charset="0"/>
-                            </a:rPr>
-                          </m:ctrlPr>
-                        </m:sSubSupPr>
-                        <m:e>
-                          <m:r>
-                            <a:rPr lang="it-IT" b="0" i="1" smtClean="0">
-                              <a:solidFill>
-                                <a:schemeClr val="tx1"/>
-                              </a:solidFill>
-                              <a:latin typeface="Cambria Math" panose="02040503050406030204" pitchFamily="18" charset="0"/>
-                            </a:rPr>
-                            <m:t>𝐽</m:t>
-                          </m:r>
-                        </m:e>
-                        <m:sub>
-                          <m:r>
-                            <a:rPr lang="it-IT" b="0" i="1" smtClean="0">
-                              <a:solidFill>
-                                <a:schemeClr val="tx1"/>
-                              </a:solidFill>
-                              <a:latin typeface="Cambria Math" panose="02040503050406030204" pitchFamily="18" charset="0"/>
-                            </a:rPr>
-                            <m:t>1</m:t>
-                          </m:r>
-                        </m:sub>
-                        <m:sup>
-                          <m:r>
-                            <a:rPr lang="it-IT" b="0" i="1" smtClean="0">
-                              <a:solidFill>
-                                <a:schemeClr val="tx1"/>
-                              </a:solidFill>
-                              <a:latin typeface="Cambria Math" panose="02040503050406030204" pitchFamily="18" charset="0"/>
-                            </a:rPr>
-                            <m:t>𝐵</m:t>
-                          </m:r>
-                        </m:sup>
-                      </m:sSubSup>
-                    </m:oMath>
-                  </m:oMathPara>
-                </a14:m>
-                <a:endParaRPr lang="it-IT" dirty="0"/>
-              </a:p>
-            </p:txBody>
-          </p:sp>
-        </mc:Choice>
-        <mc:Fallback xmlns="">
-          <p:sp>
-            <p:nvSpPr>
-              <p:cNvPr id="26" name="Rettangolo 25">
-                <a:extLst>
-                  <a:ext uri="{FF2B5EF4-FFF2-40B4-BE49-F238E27FC236}">
-                    <a16:creationId xmlns:a16="http://schemas.microsoft.com/office/drawing/2014/main" id="{90D2DABA-38D0-6021-704A-15A48503ADF0}"/>
-                  </a:ext>
-                </a:extLst>
-              </p:cNvPr>
-              <p:cNvSpPr>
-                <a:spLocks noRot="1" noChangeAspect="1" noMove="1" noResize="1" noEditPoints="1" noAdjustHandles="1" noChangeArrowheads="1" noChangeShapeType="1" noTextEdit="1"/>
-              </p:cNvSpPr>
-              <p:nvPr/>
-            </p:nvSpPr>
-            <p:spPr>
-              <a:xfrm>
-                <a:off x="1267419" y="4326103"/>
-                <a:ext cx="1550670" cy="1063304"/>
-              </a:xfrm>
-              <a:prstGeom prst="rect">
-                <a:avLst/>
-              </a:prstGeom>
-              <a:blipFill>
-                <a:blip r:embed="rId12"/>
-                <a:stretch>
-                  <a:fillRect/>
-                </a:stretch>
-              </a:blipFill>
-              <a:ln>
-                <a:solidFill>
-                  <a:schemeClr val="tx1"/>
-                </a:solidFill>
-              </a:ln>
-            </p:spPr>
-            <p:txBody>
-              <a:bodyPr/>
-              <a:lstStyle/>
-              <a:p>
-                <a:r>
-                  <a:rPr lang="it-IT">
-                    <a:noFill/>
-                  </a:rPr>
-                  <a:t> </a:t>
-                </a:r>
-              </a:p>
-            </p:txBody>
-          </p:sp>
-        </mc:Fallback>
-      </mc:AlternateContent>
-      <mc:AlternateContent xmlns:mc="http://schemas.openxmlformats.org/markup-compatibility/2006" xmlns:a14="http://schemas.microsoft.com/office/drawing/2010/main">
-        <mc:Choice Requires="a14">
-          <p:sp>
-            <p:nvSpPr>
-              <p:cNvPr id="27" name="Rettangolo 26">
-                <a:extLst>
-                  <a:ext uri="{FF2B5EF4-FFF2-40B4-BE49-F238E27FC236}">
-                    <a16:creationId xmlns:a16="http://schemas.microsoft.com/office/drawing/2014/main" id="{51F65FAC-5F0B-819F-FDD7-F19FE7773149}"/>
-                  </a:ext>
-                </a:extLst>
-              </p:cNvPr>
-              <p:cNvSpPr/>
-              <p:nvPr/>
-            </p:nvSpPr>
-            <p:spPr>
-              <a:xfrm>
-                <a:off x="7790521" y="4328268"/>
-                <a:ext cx="2767327" cy="1063304"/>
-              </a:xfrm>
-              <a:prstGeom prst="rect">
-                <a:avLst/>
-              </a:prstGeom>
-              <a:solidFill>
-                <a:srgbClr val="6495ED"/>
-              </a:solidFill>
-              <a:ln>
-                <a:solidFill>
-                  <a:schemeClr val="tx1"/>
-                </a:solidFill>
-              </a:ln>
-            </p:spPr>
-            <p:style>
-              <a:lnRef idx="2">
-                <a:schemeClr val="accent1">
-                  <a:shade val="50000"/>
-                </a:schemeClr>
-              </a:lnRef>
-              <a:fillRef idx="1">
-                <a:schemeClr val="accent1"/>
-              </a:fillRef>
-              <a:effectRef idx="0">
-                <a:schemeClr val="accent1"/>
-              </a:effectRef>
-              <a:fontRef idx="minor">
-                <a:schemeClr val="lt1"/>
-              </a:fontRef>
-            </p:style>
-            <p:txBody>
-              <a:bodyPr rtlCol="0" anchor="ctr"/>
-              <a:lstStyle/>
-              <a:p>
-                <a:pPr algn="ctr"/>
-                <a14:m>
-                  <m:oMathPara xmlns:m="http://schemas.openxmlformats.org/officeDocument/2006/math">
-                    <m:oMathParaPr>
-                      <m:jc m:val="centerGroup"/>
-                    </m:oMathParaPr>
-                    <m:oMath xmlns:m="http://schemas.openxmlformats.org/officeDocument/2006/math">
-                      <m:sSubSup>
-                        <m:sSubSupPr>
-                          <m:ctrlPr>
-                            <a:rPr lang="it-IT" b="0" i="1" smtClean="0">
-                              <a:solidFill>
-                                <a:schemeClr val="tx1"/>
-                              </a:solidFill>
-                              <a:latin typeface="Cambria Math" panose="02040503050406030204" pitchFamily="18" charset="0"/>
-                            </a:rPr>
-                          </m:ctrlPr>
-                        </m:sSubSupPr>
-                        <m:e>
-                          <m:r>
-                            <a:rPr lang="it-IT" b="0" i="1" smtClean="0">
-                              <a:solidFill>
-                                <a:schemeClr val="tx1"/>
-                              </a:solidFill>
-                              <a:latin typeface="Cambria Math" panose="02040503050406030204" pitchFamily="18" charset="0"/>
-                            </a:rPr>
-                            <m:t>𝐽</m:t>
-                          </m:r>
-                        </m:e>
-                        <m:sub>
-                          <m:r>
-                            <a:rPr lang="it-IT" b="0" i="1" smtClean="0">
-                              <a:solidFill>
-                                <a:schemeClr val="tx1"/>
-                              </a:solidFill>
-                              <a:latin typeface="Cambria Math" panose="02040503050406030204" pitchFamily="18" charset="0"/>
-                            </a:rPr>
-                            <m:t>2</m:t>
-                          </m:r>
-                        </m:sub>
-                        <m:sup>
-                          <m:r>
-                            <a:rPr lang="it-IT" b="0" i="1" smtClean="0">
-                              <a:solidFill>
-                                <a:schemeClr val="tx1"/>
-                              </a:solidFill>
-                              <a:latin typeface="Cambria Math" panose="02040503050406030204" pitchFamily="18" charset="0"/>
-                            </a:rPr>
-                            <m:t>𝐵</m:t>
-                          </m:r>
-                        </m:sup>
-                      </m:sSubSup>
-                    </m:oMath>
-                  </m:oMathPara>
-                </a14:m>
-                <a:endParaRPr lang="it-IT" dirty="0"/>
-              </a:p>
-            </p:txBody>
-          </p:sp>
-        </mc:Choice>
-        <mc:Fallback xmlns="">
-          <p:sp>
-            <p:nvSpPr>
-              <p:cNvPr id="27" name="Rettangolo 26">
-                <a:extLst>
-                  <a:ext uri="{FF2B5EF4-FFF2-40B4-BE49-F238E27FC236}">
-                    <a16:creationId xmlns:a16="http://schemas.microsoft.com/office/drawing/2014/main" id="{51F65FAC-5F0B-819F-FDD7-F19FE7773149}"/>
-                  </a:ext>
-                </a:extLst>
-              </p:cNvPr>
-              <p:cNvSpPr>
-                <a:spLocks noRot="1" noChangeAspect="1" noMove="1" noResize="1" noEditPoints="1" noAdjustHandles="1" noChangeArrowheads="1" noChangeShapeType="1" noTextEdit="1"/>
-              </p:cNvSpPr>
-              <p:nvPr/>
-            </p:nvSpPr>
-            <p:spPr>
-              <a:xfrm>
-                <a:off x="7790521" y="4328268"/>
-                <a:ext cx="2767327" cy="1063304"/>
-              </a:xfrm>
-              <a:prstGeom prst="rect">
-                <a:avLst/>
-              </a:prstGeom>
-              <a:blipFill>
-                <a:blip r:embed="rId13"/>
-                <a:stretch>
-                  <a:fillRect/>
-                </a:stretch>
-              </a:blipFill>
-              <a:ln>
-                <a:solidFill>
-                  <a:schemeClr val="tx1"/>
-                </a:solidFill>
-              </a:ln>
-            </p:spPr>
-            <p:txBody>
-              <a:bodyPr/>
-              <a:lstStyle/>
-              <a:p>
-                <a:r>
-                  <a:rPr lang="it-IT">
-                    <a:noFill/>
-                  </a:rPr>
-                  <a:t> </a:t>
-                </a:r>
-              </a:p>
-            </p:txBody>
-          </p:sp>
-        </mc:Fallback>
-      </mc:AlternateContent>
-      <mc:AlternateContent xmlns:mc="http://schemas.openxmlformats.org/markup-compatibility/2006" xmlns:a14="http://schemas.microsoft.com/office/drawing/2010/main">
-        <mc:Choice Requires="a14">
-          <p:sp>
-            <p:nvSpPr>
-              <p:cNvPr id="28" name="Rettangolo 27">
-                <a:extLst>
-                  <a:ext uri="{FF2B5EF4-FFF2-40B4-BE49-F238E27FC236}">
-                    <a16:creationId xmlns:a16="http://schemas.microsoft.com/office/drawing/2014/main" id="{9AAE849F-DC7A-EFEC-E546-D50161FC53C2}"/>
-                  </a:ext>
-                </a:extLst>
-              </p:cNvPr>
-              <p:cNvSpPr/>
-              <p:nvPr/>
-            </p:nvSpPr>
-            <p:spPr>
-              <a:xfrm>
-                <a:off x="2814277" y="4326103"/>
-                <a:ext cx="703581" cy="1063304"/>
-              </a:xfrm>
-              <a:prstGeom prst="rect">
-                <a:avLst/>
-              </a:prstGeom>
-              <a:solidFill>
-                <a:srgbClr val="C8A2C8"/>
-              </a:solidFill>
-              <a:ln>
-                <a:solidFill>
-                  <a:schemeClr val="tx1"/>
-                </a:solidFill>
-              </a:ln>
-            </p:spPr>
-            <p:style>
-              <a:lnRef idx="2">
-                <a:schemeClr val="accent1">
-                  <a:shade val="50000"/>
-                </a:schemeClr>
-              </a:lnRef>
-              <a:fillRef idx="1">
-                <a:schemeClr val="accent1"/>
-              </a:fillRef>
-              <a:effectRef idx="0">
-                <a:schemeClr val="accent1"/>
-              </a:effectRef>
-              <a:fontRef idx="minor">
-                <a:schemeClr val="lt1"/>
-              </a:fontRef>
-            </p:style>
-            <p:txBody>
-              <a:bodyPr rtlCol="0" anchor="ctr"/>
-              <a:lstStyle/>
-              <a:p>
-                <a:pPr algn="ctr"/>
-                <a14:m>
-                  <m:oMathPara xmlns:m="http://schemas.openxmlformats.org/officeDocument/2006/math">
-                    <m:oMathParaPr>
-                      <m:jc m:val="centerGroup"/>
-                    </m:oMathParaPr>
-                    <m:oMath xmlns:m="http://schemas.openxmlformats.org/officeDocument/2006/math">
-                      <m:sSubSup>
-                        <m:sSubSupPr>
-                          <m:ctrlPr>
-                            <a:rPr lang="it-IT" b="0" i="1" smtClean="0">
-                              <a:solidFill>
-                                <a:schemeClr val="tx1"/>
-                              </a:solidFill>
-                              <a:latin typeface="Cambria Math" panose="02040503050406030204" pitchFamily="18" charset="0"/>
-                            </a:rPr>
-                          </m:ctrlPr>
-                        </m:sSubSupPr>
-                        <m:e>
-                          <m:r>
-                            <a:rPr lang="it-IT" b="0" i="1" smtClean="0">
-                              <a:solidFill>
-                                <a:schemeClr val="tx1"/>
-                              </a:solidFill>
-                              <a:latin typeface="Cambria Math" panose="02040503050406030204" pitchFamily="18" charset="0"/>
-                            </a:rPr>
-                            <m:t>𝐽</m:t>
-                          </m:r>
-                        </m:e>
-                        <m:sub>
-                          <m:r>
-                            <a:rPr lang="it-IT" b="0" i="1" smtClean="0">
-                              <a:solidFill>
-                                <a:schemeClr val="tx1"/>
-                              </a:solidFill>
-                              <a:latin typeface="Cambria Math" panose="02040503050406030204" pitchFamily="18" charset="0"/>
-                            </a:rPr>
-                            <m:t>2</m:t>
-                          </m:r>
-                        </m:sub>
-                        <m:sup>
-                          <m:r>
-                            <a:rPr lang="it-IT" b="0" i="1" smtClean="0">
-                              <a:solidFill>
-                                <a:schemeClr val="tx1"/>
-                              </a:solidFill>
-                              <a:latin typeface="Cambria Math" panose="02040503050406030204" pitchFamily="18" charset="0"/>
-                            </a:rPr>
-                            <m:t>𝐴</m:t>
-                          </m:r>
-                        </m:sup>
-                      </m:sSubSup>
-                    </m:oMath>
-                  </m:oMathPara>
-                </a14:m>
-                <a:endParaRPr lang="it-IT" dirty="0"/>
-              </a:p>
-            </p:txBody>
-          </p:sp>
-        </mc:Choice>
-        <mc:Fallback xmlns="">
-          <p:sp>
-            <p:nvSpPr>
-              <p:cNvPr id="28" name="Rettangolo 27">
-                <a:extLst>
-                  <a:ext uri="{FF2B5EF4-FFF2-40B4-BE49-F238E27FC236}">
-                    <a16:creationId xmlns:a16="http://schemas.microsoft.com/office/drawing/2014/main" id="{9AAE849F-DC7A-EFEC-E546-D50161FC53C2}"/>
-                  </a:ext>
-                </a:extLst>
-              </p:cNvPr>
-              <p:cNvSpPr>
-                <a:spLocks noRot="1" noChangeAspect="1" noMove="1" noResize="1" noEditPoints="1" noAdjustHandles="1" noChangeArrowheads="1" noChangeShapeType="1" noTextEdit="1"/>
-              </p:cNvSpPr>
-              <p:nvPr/>
-            </p:nvSpPr>
-            <p:spPr>
-              <a:xfrm>
-                <a:off x="2814277" y="4326103"/>
-                <a:ext cx="703581" cy="1063304"/>
-              </a:xfrm>
-              <a:prstGeom prst="rect">
-                <a:avLst/>
-              </a:prstGeom>
-              <a:blipFill>
-                <a:blip r:embed="rId14"/>
-                <a:stretch>
-                  <a:fillRect/>
-                </a:stretch>
-              </a:blipFill>
-              <a:ln>
-                <a:solidFill>
-                  <a:schemeClr val="tx1"/>
-                </a:solidFill>
-              </a:ln>
-            </p:spPr>
-            <p:txBody>
-              <a:bodyPr/>
-              <a:lstStyle/>
-              <a:p>
-                <a:r>
-                  <a:rPr lang="it-IT">
-                    <a:noFill/>
-                  </a:rPr>
-                  <a:t> </a:t>
-                </a:r>
-              </a:p>
-            </p:txBody>
-          </p:sp>
-        </mc:Fallback>
-      </mc:AlternateContent>
-      <mc:AlternateContent xmlns:mc="http://schemas.openxmlformats.org/markup-compatibility/2006" xmlns:a14="http://schemas.microsoft.com/office/drawing/2010/main">
-        <mc:Choice Requires="a14">
-          <p:sp>
-            <p:nvSpPr>
-              <p:cNvPr id="29" name="Rettangolo 28">
-                <a:extLst>
-                  <a:ext uri="{FF2B5EF4-FFF2-40B4-BE49-F238E27FC236}">
-                    <a16:creationId xmlns:a16="http://schemas.microsoft.com/office/drawing/2014/main" id="{CE575B00-EDA9-0C67-81B0-DD636889A3E6}"/>
-                  </a:ext>
-                </a:extLst>
-              </p:cNvPr>
-              <p:cNvSpPr/>
-              <p:nvPr/>
-            </p:nvSpPr>
-            <p:spPr>
-              <a:xfrm>
-                <a:off x="6238963" y="4326365"/>
-                <a:ext cx="1550670" cy="1063302"/>
-              </a:xfrm>
-              <a:prstGeom prst="rect">
-                <a:avLst/>
-              </a:prstGeom>
-              <a:solidFill>
-                <a:srgbClr val="C8A2C8"/>
-              </a:solidFill>
-              <a:ln>
-                <a:solidFill>
-                  <a:schemeClr val="tx1"/>
-                </a:solidFill>
-              </a:ln>
-            </p:spPr>
-            <p:style>
-              <a:lnRef idx="2">
-                <a:schemeClr val="accent1">
-                  <a:shade val="50000"/>
-                </a:schemeClr>
-              </a:lnRef>
-              <a:fillRef idx="1">
-                <a:schemeClr val="accent1"/>
-              </a:fillRef>
-              <a:effectRef idx="0">
-                <a:schemeClr val="accent1"/>
-              </a:effectRef>
-              <a:fontRef idx="minor">
-                <a:schemeClr val="lt1"/>
-              </a:fontRef>
-            </p:style>
-            <p:txBody>
-              <a:bodyPr rtlCol="0" anchor="ctr"/>
-              <a:lstStyle/>
-              <a:p>
-                <a:pPr algn="ctr"/>
-                <a14:m>
-                  <m:oMathPara xmlns:m="http://schemas.openxmlformats.org/officeDocument/2006/math">
-                    <m:oMathParaPr>
-                      <m:jc m:val="centerGroup"/>
-                    </m:oMathParaPr>
-                    <m:oMath xmlns:m="http://schemas.openxmlformats.org/officeDocument/2006/math">
-                      <m:sSubSup>
-                        <m:sSubSupPr>
-                          <m:ctrlPr>
-                            <a:rPr lang="it-IT" b="0" i="1" smtClean="0">
-                              <a:solidFill>
-                                <a:schemeClr val="tx1"/>
-                              </a:solidFill>
-                              <a:latin typeface="Cambria Math" panose="02040503050406030204" pitchFamily="18" charset="0"/>
-                            </a:rPr>
-                          </m:ctrlPr>
-                        </m:sSubSupPr>
-                        <m:e>
-                          <m:r>
-                            <a:rPr lang="it-IT" b="0" i="1" smtClean="0">
-                              <a:solidFill>
-                                <a:schemeClr val="tx1"/>
-                              </a:solidFill>
-                              <a:latin typeface="Cambria Math" panose="02040503050406030204" pitchFamily="18" charset="0"/>
-                            </a:rPr>
-                            <m:t>𝐽</m:t>
-                          </m:r>
-                        </m:e>
-                        <m:sub>
-                          <m:r>
-                            <a:rPr lang="it-IT" b="0" i="1" smtClean="0">
-                              <a:solidFill>
-                                <a:schemeClr val="tx1"/>
-                              </a:solidFill>
-                              <a:latin typeface="Cambria Math" panose="02040503050406030204" pitchFamily="18" charset="0"/>
-                            </a:rPr>
-                            <m:t>3</m:t>
-                          </m:r>
-                        </m:sub>
-                        <m:sup>
-                          <m:r>
-                            <a:rPr lang="it-IT" b="0" i="1" smtClean="0">
-                              <a:solidFill>
-                                <a:schemeClr val="tx1"/>
-                              </a:solidFill>
-                              <a:latin typeface="Cambria Math" panose="02040503050406030204" pitchFamily="18" charset="0"/>
-                            </a:rPr>
-                            <m:t>𝐴</m:t>
-                          </m:r>
-                        </m:sup>
-                      </m:sSubSup>
-                    </m:oMath>
-                  </m:oMathPara>
-                </a14:m>
-                <a:endParaRPr lang="it-IT" dirty="0"/>
-              </a:p>
-            </p:txBody>
-          </p:sp>
-        </mc:Choice>
-        <mc:Fallback xmlns="">
-          <p:sp>
-            <p:nvSpPr>
-              <p:cNvPr id="29" name="Rettangolo 28">
-                <a:extLst>
-                  <a:ext uri="{FF2B5EF4-FFF2-40B4-BE49-F238E27FC236}">
-                    <a16:creationId xmlns:a16="http://schemas.microsoft.com/office/drawing/2014/main" id="{CE575B00-EDA9-0C67-81B0-DD636889A3E6}"/>
-                  </a:ext>
-                </a:extLst>
-              </p:cNvPr>
-              <p:cNvSpPr>
-                <a:spLocks noRot="1" noChangeAspect="1" noMove="1" noResize="1" noEditPoints="1" noAdjustHandles="1" noChangeArrowheads="1" noChangeShapeType="1" noTextEdit="1"/>
-              </p:cNvSpPr>
-              <p:nvPr/>
-            </p:nvSpPr>
-            <p:spPr>
-              <a:xfrm>
-                <a:off x="6238963" y="4326365"/>
-                <a:ext cx="1550670" cy="1063302"/>
-              </a:xfrm>
-              <a:prstGeom prst="rect">
-                <a:avLst/>
-              </a:prstGeom>
-              <a:blipFill>
-                <a:blip r:embed="rId15"/>
-                <a:stretch>
-                  <a:fillRect/>
-                </a:stretch>
-              </a:blipFill>
-              <a:ln>
-                <a:solidFill>
-                  <a:schemeClr val="tx1"/>
-                </a:solidFill>
-              </a:ln>
-            </p:spPr>
-            <p:txBody>
-              <a:bodyPr/>
-              <a:lstStyle/>
-              <a:p>
-                <a:r>
-                  <a:rPr lang="it-IT">
-                    <a:noFill/>
-                  </a:rPr>
-                  <a:t> </a:t>
-                </a:r>
-              </a:p>
-            </p:txBody>
-          </p:sp>
-        </mc:Fallback>
-      </mc:AlternateContent>
-      <mc:AlternateContent xmlns:mc="http://schemas.openxmlformats.org/markup-compatibility/2006" xmlns:a14="http://schemas.microsoft.com/office/drawing/2010/main">
-        <mc:Choice Requires="a14">
-          <p:sp>
-            <p:nvSpPr>
-              <p:cNvPr id="30" name="Rettangolo 29">
-                <a:extLst>
-                  <a:ext uri="{FF2B5EF4-FFF2-40B4-BE49-F238E27FC236}">
-                    <a16:creationId xmlns:a16="http://schemas.microsoft.com/office/drawing/2014/main" id="{3A777425-9221-59F6-730F-DBC44147FB98}"/>
-                  </a:ext>
-                </a:extLst>
-              </p:cNvPr>
-              <p:cNvSpPr/>
-              <p:nvPr/>
-            </p:nvSpPr>
-            <p:spPr>
-              <a:xfrm>
-                <a:off x="3522558" y="4326213"/>
-                <a:ext cx="1758948" cy="1063304"/>
-              </a:xfrm>
-              <a:prstGeom prst="rect">
-                <a:avLst/>
-              </a:prstGeom>
-              <a:solidFill>
-                <a:srgbClr val="6495ED"/>
-              </a:solidFill>
-              <a:ln>
-                <a:solidFill>
-                  <a:schemeClr val="tx1"/>
-                </a:solidFill>
-              </a:ln>
-            </p:spPr>
-            <p:style>
-              <a:lnRef idx="2">
-                <a:schemeClr val="accent1">
-                  <a:shade val="50000"/>
-                </a:schemeClr>
-              </a:lnRef>
-              <a:fillRef idx="1">
-                <a:schemeClr val="accent1"/>
-              </a:fillRef>
-              <a:effectRef idx="0">
-                <a:schemeClr val="accent1"/>
-              </a:effectRef>
-              <a:fontRef idx="minor">
-                <a:schemeClr val="lt1"/>
-              </a:fontRef>
-            </p:style>
-            <p:txBody>
-              <a:bodyPr rtlCol="0" anchor="ctr"/>
-              <a:lstStyle/>
-              <a:p>
-                <a:pPr algn="ctr"/>
-                <a14:m>
-                  <m:oMathPara xmlns:m="http://schemas.openxmlformats.org/officeDocument/2006/math">
-                    <m:oMathParaPr>
-                      <m:jc m:val="centerGroup"/>
-                    </m:oMathParaPr>
-                    <m:oMath xmlns:m="http://schemas.openxmlformats.org/officeDocument/2006/math">
-                      <m:sSubSup>
-                        <m:sSubSupPr>
-                          <m:ctrlPr>
-                            <a:rPr lang="it-IT" b="0" i="1" smtClean="0">
-                              <a:solidFill>
-                                <a:schemeClr val="tx1"/>
-                              </a:solidFill>
-                              <a:latin typeface="Cambria Math" panose="02040503050406030204" pitchFamily="18" charset="0"/>
-                            </a:rPr>
-                          </m:ctrlPr>
-                        </m:sSubSupPr>
-                        <m:e>
-                          <m:r>
-                            <a:rPr lang="it-IT" b="0" i="1" smtClean="0">
-                              <a:solidFill>
-                                <a:schemeClr val="tx1"/>
-                              </a:solidFill>
-                              <a:latin typeface="Cambria Math" panose="02040503050406030204" pitchFamily="18" charset="0"/>
-                            </a:rPr>
-                            <m:t>𝐽</m:t>
-                          </m:r>
-                        </m:e>
-                        <m:sub>
-                          <m:r>
-                            <a:rPr lang="it-IT" b="0" i="1" smtClean="0">
-                              <a:solidFill>
-                                <a:schemeClr val="tx1"/>
-                              </a:solidFill>
-                              <a:latin typeface="Cambria Math" panose="02040503050406030204" pitchFamily="18" charset="0"/>
-                            </a:rPr>
-                            <m:t>3</m:t>
-                          </m:r>
-                        </m:sub>
-                        <m:sup>
-                          <m:r>
-                            <a:rPr lang="it-IT" b="0" i="1" smtClean="0">
-                              <a:solidFill>
-                                <a:schemeClr val="tx1"/>
-                              </a:solidFill>
-                              <a:latin typeface="Cambria Math" panose="02040503050406030204" pitchFamily="18" charset="0"/>
-                            </a:rPr>
-                            <m:t>𝐵</m:t>
-                          </m:r>
-                        </m:sup>
-                      </m:sSubSup>
-                    </m:oMath>
-                  </m:oMathPara>
-                </a14:m>
-                <a:endParaRPr lang="it-IT" dirty="0"/>
-              </a:p>
-            </p:txBody>
-          </p:sp>
-        </mc:Choice>
-        <mc:Fallback xmlns="">
-          <p:sp>
-            <p:nvSpPr>
-              <p:cNvPr id="30" name="Rettangolo 29">
-                <a:extLst>
-                  <a:ext uri="{FF2B5EF4-FFF2-40B4-BE49-F238E27FC236}">
-                    <a16:creationId xmlns:a16="http://schemas.microsoft.com/office/drawing/2014/main" id="{3A777425-9221-59F6-730F-DBC44147FB98}"/>
-                  </a:ext>
-                </a:extLst>
-              </p:cNvPr>
-              <p:cNvSpPr>
-                <a:spLocks noRot="1" noChangeAspect="1" noMove="1" noResize="1" noEditPoints="1" noAdjustHandles="1" noChangeArrowheads="1" noChangeShapeType="1" noTextEdit="1"/>
-              </p:cNvSpPr>
-              <p:nvPr/>
-            </p:nvSpPr>
-            <p:spPr>
-              <a:xfrm>
-                <a:off x="3522558" y="4326213"/>
-                <a:ext cx="1758948" cy="1063304"/>
-              </a:xfrm>
-              <a:prstGeom prst="rect">
-                <a:avLst/>
-              </a:prstGeom>
-              <a:blipFill>
-                <a:blip r:embed="rId16"/>
+                <a:blip r:embed="rId9"/>
                 <a:stretch>
                   <a:fillRect/>
                 </a:stretch>
@@ -20470,7 +17842,671 @@
     </p:spTree>
     <p:extLst>
       <p:ext uri="{BB962C8B-B14F-4D97-AF65-F5344CB8AC3E}">
-        <p14:creationId xmlns:p14="http://schemas.microsoft.com/office/powerpoint/2010/main" val="225322903"/>
+        <p14:creationId xmlns:p14="http://schemas.microsoft.com/office/powerpoint/2010/main" val="2089833480"/>
+      </p:ext>
+    </p:extLst>
+  </p:cSld>
+  <p:clrMapOvr>
+    <a:masterClrMapping/>
+  </p:clrMapOvr>
+</p:sld>
+</file>
+
+<file path=ppt/slides/slide9.xml><?xml version="1.0" encoding="utf-8"?>
+<p:sld xmlns:a="http://schemas.openxmlformats.org/drawingml/2006/main" xmlns:r="http://schemas.openxmlformats.org/officeDocument/2006/relationships" xmlns:p="http://schemas.openxmlformats.org/presentationml/2006/main">
+  <p:cSld>
+    <p:spTree>
+      <p:nvGrpSpPr>
+        <p:cNvPr id="1" name=""/>
+        <p:cNvGrpSpPr/>
+        <p:nvPr/>
+      </p:nvGrpSpPr>
+      <p:grpSpPr>
+        <a:xfrm>
+          <a:off x="0" y="0"/>
+          <a:ext cx="0" cy="0"/>
+          <a:chOff x="0" y="0"/>
+          <a:chExt cx="0" cy="0"/>
+        </a:xfrm>
+      </p:grpSpPr>
+      <p:sp>
+        <p:nvSpPr>
+          <p:cNvPr id="2" name="CasellaDiTesto 1">
+            <a:extLst>
+              <a:ext uri="{FF2B5EF4-FFF2-40B4-BE49-F238E27FC236}">
+                <a16:creationId xmlns:a16="http://schemas.microsoft.com/office/drawing/2014/main" id="{407CD97A-D7D3-549A-F6CF-12BD3DDCD20D}"/>
+              </a:ext>
+            </a:extLst>
+          </p:cNvPr>
+          <p:cNvSpPr txBox="1"/>
+          <p:nvPr/>
+        </p:nvSpPr>
+        <p:spPr>
+          <a:xfrm>
+            <a:off x="484762" y="350195"/>
+            <a:ext cx="11222476" cy="646331"/>
+          </a:xfrm>
+          <a:prstGeom prst="rect">
+            <a:avLst/>
+          </a:prstGeom>
+          <a:noFill/>
+        </p:spPr>
+        <p:txBody>
+          <a:bodyPr wrap="square" rtlCol="0">
+            <a:spAutoFit/>
+          </a:bodyPr>
+          <a:lstStyle/>
+          <a:p>
+            <a:r>
+              <a:rPr lang="it-IT" sz="3600" dirty="0">
+                <a:latin typeface="Avenir Next LT Pro Light" panose="020B0304020202020204" pitchFamily="34" charset="0"/>
+              </a:rPr>
+              <a:t>Fair solution – Local search</a:t>
+            </a:r>
+          </a:p>
+        </p:txBody>
+      </p:sp>
+      <mc:AlternateContent xmlns:mc="http://schemas.openxmlformats.org/markup-compatibility/2006">
+        <mc:Choice xmlns:a14="http://schemas.microsoft.com/office/drawing/2010/main" Requires="a14">
+          <p:sp>
+            <p:nvSpPr>
+              <p:cNvPr id="4" name="CasellaDiTesto 3">
+                <a:extLst>
+                  <a:ext uri="{FF2B5EF4-FFF2-40B4-BE49-F238E27FC236}">
+                    <a16:creationId xmlns:a16="http://schemas.microsoft.com/office/drawing/2014/main" id="{C6189D12-3DA9-39BB-D53E-E89E1EB5624F}"/>
+                  </a:ext>
+                </a:extLst>
+              </p:cNvPr>
+              <p:cNvSpPr txBox="1"/>
+              <p:nvPr/>
+            </p:nvSpPr>
+            <p:spPr>
+              <a:xfrm>
+                <a:off x="484762" y="996526"/>
+                <a:ext cx="11222476" cy="4949240"/>
+              </a:xfrm>
+              <a:prstGeom prst="rect">
+                <a:avLst/>
+              </a:prstGeom>
+              <a:noFill/>
+            </p:spPr>
+            <p:txBody>
+              <a:bodyPr wrap="square" rtlCol="0">
+                <a:spAutoFit/>
+              </a:bodyPr>
+              <a:lstStyle/>
+              <a:p>
+                <a:pPr marL="285750" indent="-285750">
+                  <a:lnSpc>
+                    <a:spcPct val="150000"/>
+                  </a:lnSpc>
+                  <a:buFont typeface="Arial" panose="020B0604020202020204" pitchFamily="34" charset="0"/>
+                  <a:buChar char="•"/>
+                </a:pPr>
+                <a:r>
+                  <a:rPr lang="it-IT" dirty="0">
+                    <a:latin typeface="Avenir Next LT Pro Light" panose="020B0304020202020204" pitchFamily="34" charset="0"/>
+                  </a:rPr>
+                  <a:t>In questo modo possiamo implementare un algoritmo di ricerca che aggiorna la soluzione </a:t>
+                </a:r>
+                <a14:m>
+                  <m:oMath xmlns:m="http://schemas.openxmlformats.org/officeDocument/2006/math">
+                    <m:r>
+                      <a:rPr lang="it-IT" i="1">
+                        <a:latin typeface="Cambria Math" panose="02040503050406030204" pitchFamily="18" charset="0"/>
+                      </a:rPr>
+                      <m:t>𝜎</m:t>
+                    </m:r>
+                  </m:oMath>
+                </a14:m>
+                <a:r>
+                  <a:rPr lang="it-IT" dirty="0">
+                    <a:latin typeface="Avenir Next LT Pro Light" panose="020B0304020202020204" pitchFamily="34" charset="0"/>
+                  </a:rPr>
+                  <a:t> eseguendo uno scambio alla volta; se la nuova soluzione migliora la funzione obiettivo normalizzata </a:t>
+                </a:r>
+                <a14:m>
+                  <m:oMath xmlns:m="http://schemas.openxmlformats.org/officeDocument/2006/math">
+                    <m:func>
+                      <m:funcPr>
+                        <m:ctrlPr>
+                          <a:rPr lang="it-IT" i="1">
+                            <a:latin typeface="Cambria Math" panose="02040503050406030204" pitchFamily="18" charset="0"/>
+                          </a:rPr>
+                        </m:ctrlPr>
+                      </m:funcPr>
+                      <m:fName>
+                        <m:limLow>
+                          <m:limLowPr>
+                            <m:ctrlPr>
+                              <a:rPr lang="it-IT" i="1">
+                                <a:latin typeface="Cambria Math" panose="02040503050406030204" pitchFamily="18" charset="0"/>
+                              </a:rPr>
+                            </m:ctrlPr>
+                          </m:limLowPr>
+                          <m:e>
+                            <m:r>
+                              <m:rPr>
+                                <m:sty m:val="p"/>
+                              </m:rPr>
+                              <a:rPr lang="it-IT">
+                                <a:latin typeface="Cambria Math" panose="02040503050406030204" pitchFamily="18" charset="0"/>
+                              </a:rPr>
+                              <m:t>min</m:t>
+                            </m:r>
+                          </m:e>
+                          <m:lim>
+                            <m:r>
+                              <a:rPr lang="it-IT" i="1">
+                                <a:latin typeface="Cambria Math" panose="02040503050406030204" pitchFamily="18" charset="0"/>
+                              </a:rPr>
+                              <m:t>𝜎</m:t>
+                            </m:r>
+                          </m:lim>
+                        </m:limLow>
+                      </m:fName>
+                      <m:e>
+                        <m:r>
+                          <a:rPr lang="it-IT" i="1">
+                            <a:latin typeface="Cambria Math" panose="02040503050406030204" pitchFamily="18" charset="0"/>
+                          </a:rPr>
+                          <m:t>𝑧</m:t>
+                        </m:r>
+                      </m:e>
+                    </m:func>
+                  </m:oMath>
+                </a14:m>
+                <a:r>
+                  <a:rPr lang="it-IT" dirty="0">
+                    <a:latin typeface="Avenir Next LT Pro Light" panose="020B0304020202020204" pitchFamily="34" charset="0"/>
+                  </a:rPr>
+                  <a:t> si accetta, altrimenti no.</a:t>
+                </a:r>
+              </a:p>
+              <a:p>
+                <a:pPr marL="285750" indent="-285750">
+                  <a:lnSpc>
+                    <a:spcPct val="150000"/>
+                  </a:lnSpc>
+                  <a:buFont typeface="Arial" panose="020B0604020202020204" pitchFamily="34" charset="0"/>
+                  <a:buChar char="•"/>
+                </a:pPr>
+                <a:r>
+                  <a:rPr lang="it-IT" dirty="0">
+                    <a:latin typeface="Avenir Next LT Pro Light" panose="020B0304020202020204" pitchFamily="34" charset="0"/>
+                  </a:rPr>
+                  <a:t>Il vicinato di una soluzione </a:t>
+                </a:r>
+                <a14:m>
+                  <m:oMath xmlns:m="http://schemas.openxmlformats.org/officeDocument/2006/math">
+                    <m:r>
+                      <a:rPr lang="it-IT" i="1" smtClean="0">
+                        <a:latin typeface="Cambria Math" panose="02040503050406030204" pitchFamily="18" charset="0"/>
+                        <a:ea typeface="Times New Roman" panose="02020603050405020304" pitchFamily="18" charset="0"/>
+                        <a:cs typeface="Open Sans" panose="020B0606030504020204" pitchFamily="34" charset="0"/>
+                      </a:rPr>
+                      <m:t>𝜎</m:t>
+                    </m:r>
+                  </m:oMath>
+                </a14:m>
+                <a:r>
+                  <a:rPr lang="it-IT" dirty="0">
+                    <a:latin typeface="Avenir Next LT Pro Light" panose="020B0304020202020204" pitchFamily="34" charset="0"/>
+                  </a:rPr>
+                  <a:t> si ottiene:</a:t>
+                </a:r>
+              </a:p>
+              <a:p>
+                <a:pPr marL="742950" lvl="1" indent="-285750">
+                  <a:lnSpc>
+                    <a:spcPct val="150000"/>
+                  </a:lnSpc>
+                  <a:buFont typeface="Courier New" panose="02070309020205020404" pitchFamily="49" charset="0"/>
+                  <a:buChar char="o"/>
+                </a:pPr>
+                <a:r>
+                  <a:rPr lang="it-IT" dirty="0">
+                    <a:latin typeface="Avenir Next LT Pro Light" panose="020B0304020202020204" pitchFamily="34" charset="0"/>
+                  </a:rPr>
+                  <a:t>Valutando la </a:t>
+                </a:r>
+                <a14:m>
+                  <m:oMath xmlns:m="http://schemas.openxmlformats.org/officeDocument/2006/math">
+                    <m:sSup>
+                      <m:sSupPr>
+                        <m:ctrlPr>
+                          <a:rPr lang="it-IT" i="1" smtClean="0">
+                            <a:latin typeface="Cambria Math" panose="02040503050406030204" pitchFamily="18" charset="0"/>
+                          </a:rPr>
+                        </m:ctrlPr>
+                      </m:sSupPr>
+                      <m:e>
+                        <m:acc>
+                          <m:accPr>
+                            <m:chr m:val="̅"/>
+                            <m:ctrlPr>
+                              <a:rPr lang="it-IT" i="1">
+                                <a:latin typeface="Cambria Math" panose="02040503050406030204" pitchFamily="18" charset="0"/>
+                              </a:rPr>
+                            </m:ctrlPr>
+                          </m:accPr>
+                          <m:e>
+                            <m:r>
+                              <a:rPr lang="it-IT" i="1">
+                                <a:latin typeface="Cambria Math" panose="02040503050406030204" pitchFamily="18" charset="0"/>
+                              </a:rPr>
+                              <m:t>𝑓</m:t>
+                            </m:r>
+                          </m:e>
+                        </m:acc>
+                      </m:e>
+                      <m:sup>
+                        <m:r>
+                          <a:rPr lang="it-IT" b="0" i="1" smtClean="0">
+                            <a:latin typeface="Cambria Math" panose="02040503050406030204" pitchFamily="18" charset="0"/>
+                          </a:rPr>
+                          <m:t>(</m:t>
+                        </m:r>
+                        <m:r>
+                          <a:rPr lang="it-IT" b="0" i="1" smtClean="0">
+                            <a:latin typeface="Cambria Math" panose="02040503050406030204" pitchFamily="18" charset="0"/>
+                          </a:rPr>
+                          <m:t>𝑖</m:t>
+                        </m:r>
+                        <m:r>
+                          <a:rPr lang="it-IT" b="0" i="1" smtClean="0">
+                            <a:latin typeface="Cambria Math" panose="02040503050406030204" pitchFamily="18" charset="0"/>
+                          </a:rPr>
+                          <m:t>)</m:t>
+                        </m:r>
+                      </m:sup>
+                    </m:sSup>
+                    <m:d>
+                      <m:dPr>
+                        <m:ctrlPr>
+                          <a:rPr lang="it-IT" i="1">
+                            <a:latin typeface="Cambria Math" panose="02040503050406030204" pitchFamily="18" charset="0"/>
+                          </a:rPr>
+                        </m:ctrlPr>
+                      </m:dPr>
+                      <m:e>
+                        <m:r>
+                          <a:rPr lang="it-IT" i="1">
+                            <a:latin typeface="Cambria Math" panose="02040503050406030204" pitchFamily="18" charset="0"/>
+                          </a:rPr>
+                          <m:t>𝜎</m:t>
+                        </m:r>
+                      </m:e>
+                    </m:d>
+                  </m:oMath>
+                </a14:m>
+                <a:r>
+                  <a:rPr lang="it-IT" dirty="0">
+                    <a:latin typeface="Avenir Next LT Pro Light" panose="020B0304020202020204" pitchFamily="34" charset="0"/>
+                  </a:rPr>
+                  <a:t> di ogni utente; </a:t>
+                </a:r>
+              </a:p>
+              <a:p>
+                <a:pPr marL="742950" lvl="1" indent="-285750">
+                  <a:lnSpc>
+                    <a:spcPct val="150000"/>
+                  </a:lnSpc>
+                  <a:buFont typeface="Courier New" panose="02070309020205020404" pitchFamily="49" charset="0"/>
+                  <a:buChar char="o"/>
+                </a:pPr>
+                <a:r>
+                  <a:rPr lang="it-IT" dirty="0">
+                    <a:latin typeface="Avenir Next LT Pro Light" panose="020B0304020202020204" pitchFamily="34" charset="0"/>
+                  </a:rPr>
+                  <a:t>Si sceglie la MOSSA-</a:t>
+                </a:r>
+                <a14:m>
+                  <m:oMath xmlns:m="http://schemas.openxmlformats.org/officeDocument/2006/math">
+                    <m:r>
+                      <a:rPr lang="it-IT" b="0" i="1" smtClean="0">
+                        <a:latin typeface="Cambria Math" panose="02040503050406030204" pitchFamily="18" charset="0"/>
+                      </a:rPr>
+                      <m:t>𝑖</m:t>
+                    </m:r>
+                  </m:oMath>
+                </a14:m>
+                <a:r>
+                  <a:rPr lang="it-IT" dirty="0">
+                    <a:latin typeface="Avenir Next LT Pro Light" panose="020B0304020202020204" pitchFamily="34" charset="0"/>
+                  </a:rPr>
+                  <a:t> per cui la </a:t>
+                </a:r>
+                <a14:m>
+                  <m:oMath xmlns:m="http://schemas.openxmlformats.org/officeDocument/2006/math">
+                    <m:sSup>
+                      <m:sSupPr>
+                        <m:ctrlPr>
+                          <a:rPr lang="it-IT" i="1">
+                            <a:latin typeface="Cambria Math" panose="02040503050406030204" pitchFamily="18" charset="0"/>
+                          </a:rPr>
+                        </m:ctrlPr>
+                      </m:sSupPr>
+                      <m:e>
+                        <m:acc>
+                          <m:accPr>
+                            <m:chr m:val="̅"/>
+                            <m:ctrlPr>
+                              <a:rPr lang="it-IT" i="1">
+                                <a:latin typeface="Cambria Math" panose="02040503050406030204" pitchFamily="18" charset="0"/>
+                              </a:rPr>
+                            </m:ctrlPr>
+                          </m:accPr>
+                          <m:e>
+                            <m:r>
+                              <a:rPr lang="it-IT" i="1">
+                                <a:latin typeface="Cambria Math" panose="02040503050406030204" pitchFamily="18" charset="0"/>
+                              </a:rPr>
+                              <m:t>𝑓</m:t>
+                            </m:r>
+                          </m:e>
+                        </m:acc>
+                      </m:e>
+                      <m:sup>
+                        <m:r>
+                          <a:rPr lang="it-IT" i="1">
+                            <a:latin typeface="Cambria Math" panose="02040503050406030204" pitchFamily="18" charset="0"/>
+                          </a:rPr>
+                          <m:t>(</m:t>
+                        </m:r>
+                        <m:r>
+                          <a:rPr lang="it-IT" i="1">
+                            <a:latin typeface="Cambria Math" panose="02040503050406030204" pitchFamily="18" charset="0"/>
+                          </a:rPr>
+                          <m:t>𝑖</m:t>
+                        </m:r>
+                        <m:r>
+                          <a:rPr lang="it-IT" i="1">
+                            <a:latin typeface="Cambria Math" panose="02040503050406030204" pitchFamily="18" charset="0"/>
+                          </a:rPr>
+                          <m:t>)</m:t>
+                        </m:r>
+                      </m:sup>
+                    </m:sSup>
+                    <m:d>
+                      <m:dPr>
+                        <m:ctrlPr>
+                          <a:rPr lang="it-IT" i="1">
+                            <a:latin typeface="Cambria Math" panose="02040503050406030204" pitchFamily="18" charset="0"/>
+                          </a:rPr>
+                        </m:ctrlPr>
+                      </m:dPr>
+                      <m:e>
+                        <m:r>
+                          <a:rPr lang="it-IT" i="1">
+                            <a:latin typeface="Cambria Math" panose="02040503050406030204" pitchFamily="18" charset="0"/>
+                          </a:rPr>
+                          <m:t>𝜎</m:t>
+                        </m:r>
+                      </m:e>
+                    </m:d>
+                  </m:oMath>
+                </a14:m>
+                <a:r>
+                  <a:rPr lang="it-IT" dirty="0">
+                    <a:latin typeface="Avenir Next LT Pro Light" panose="020B0304020202020204" pitchFamily="34" charset="0"/>
+                  </a:rPr>
+                  <a:t> è maggiore.</a:t>
+                </a:r>
+              </a:p>
+              <a:p>
+                <a:pPr marL="742950" lvl="1" indent="-285750">
+                  <a:lnSpc>
+                    <a:spcPct val="150000"/>
+                  </a:lnSpc>
+                  <a:buFont typeface="Courier New" panose="02070309020205020404" pitchFamily="49" charset="0"/>
+                  <a:buChar char="o"/>
+                </a:pPr>
+                <a:r>
+                  <a:rPr lang="it-IT" dirty="0">
+                    <a:latin typeface="Avenir Next LT Pro Light" panose="020B0304020202020204" pitchFamily="34" charset="0"/>
+                  </a:rPr>
+                  <a:t>Il vicinato è l’insieme delle soluzioni ottenute applicando la MOSSA-</a:t>
+                </a:r>
+                <a14:m>
+                  <m:oMath xmlns:m="http://schemas.openxmlformats.org/officeDocument/2006/math">
+                    <m:r>
+                      <a:rPr lang="it-IT" b="0" i="1" smtClean="0">
+                        <a:latin typeface="Cambria Math" panose="02040503050406030204" pitchFamily="18" charset="0"/>
+                      </a:rPr>
+                      <m:t>𝑖</m:t>
+                    </m:r>
+                  </m:oMath>
+                </a14:m>
+                <a:r>
+                  <a:rPr lang="it-IT" dirty="0">
+                    <a:latin typeface="Avenir Next LT Pro Light" panose="020B0304020202020204" pitchFamily="34" charset="0"/>
+                  </a:rPr>
+                  <a:t> in tutti i modi possibili rispettando i vincoli (ordinamento fra i job). </a:t>
+                </a:r>
+              </a:p>
+              <a:p>
+                <a:pPr lvl="1">
+                  <a:lnSpc>
+                    <a:spcPct val="150000"/>
+                  </a:lnSpc>
+                </a:pPr>
+                <a:endParaRPr lang="it-IT" dirty="0">
+                  <a:latin typeface="Avenir Next LT Pro Light" panose="020B0304020202020204" pitchFamily="34" charset="0"/>
+                </a:endParaRPr>
+              </a:p>
+              <a:p>
+                <a:pPr marL="285750" indent="-285750">
+                  <a:lnSpc>
+                    <a:spcPct val="150000"/>
+                  </a:lnSpc>
+                  <a:buFont typeface="Arial" panose="020B0604020202020204" pitchFamily="34" charset="0"/>
+                  <a:buChar char="•"/>
+                </a:pPr>
+                <a:r>
+                  <a:rPr lang="it-IT" dirty="0">
+                    <a:latin typeface="Avenir Next LT Pro Light" panose="020B0304020202020204" pitchFamily="34" charset="0"/>
+                  </a:rPr>
+                  <a:t>Ad ogni step possiamo vedere quanto peggiora l’ottimo globale </a:t>
+                </a:r>
+                <a14:m>
+                  <m:oMath xmlns:m="http://schemas.openxmlformats.org/officeDocument/2006/math">
+                    <m:func>
+                      <m:funcPr>
+                        <m:ctrlPr>
+                          <a:rPr lang="it-IT" i="1">
+                            <a:latin typeface="Cambria Math" panose="02040503050406030204" pitchFamily="18" charset="0"/>
+                          </a:rPr>
+                        </m:ctrlPr>
+                      </m:funcPr>
+                      <m:fName>
+                        <m:r>
+                          <m:rPr>
+                            <m:sty m:val="p"/>
+                          </m:rPr>
+                          <a:rPr lang="it-IT">
+                            <a:latin typeface="Cambria Math" panose="02040503050406030204" pitchFamily="18" charset="0"/>
+                          </a:rPr>
+                          <m:t>min</m:t>
+                        </m:r>
+                      </m:fName>
+                      <m:e>
+                        <m:sSup>
+                          <m:sSupPr>
+                            <m:ctrlPr>
+                              <a:rPr lang="it-IT" i="1">
+                                <a:latin typeface="Cambria Math" panose="02040503050406030204" pitchFamily="18" charset="0"/>
+                              </a:rPr>
+                            </m:ctrlPr>
+                          </m:sSupPr>
+                          <m:e>
+                            <m:r>
+                              <a:rPr lang="it-IT" i="1">
+                                <a:latin typeface="Cambria Math" panose="02040503050406030204" pitchFamily="18" charset="0"/>
+                              </a:rPr>
+                              <m:t>𝑓</m:t>
+                            </m:r>
+                          </m:e>
+                          <m:sup>
+                            <m:r>
+                              <a:rPr lang="it-IT" i="1">
+                                <a:latin typeface="Cambria Math" panose="02040503050406030204" pitchFamily="18" charset="0"/>
+                              </a:rPr>
+                              <m:t>𝐴</m:t>
+                            </m:r>
+                          </m:sup>
+                        </m:sSup>
+                        <m:r>
+                          <a:rPr lang="it-IT" i="1">
+                            <a:latin typeface="Cambria Math" panose="02040503050406030204" pitchFamily="18" charset="0"/>
+                          </a:rPr>
+                          <m:t>+</m:t>
+                        </m:r>
+                        <m:sSup>
+                          <m:sSupPr>
+                            <m:ctrlPr>
+                              <a:rPr lang="it-IT" i="1">
+                                <a:latin typeface="Cambria Math" panose="02040503050406030204" pitchFamily="18" charset="0"/>
+                              </a:rPr>
+                            </m:ctrlPr>
+                          </m:sSupPr>
+                          <m:e>
+                            <m:r>
+                              <a:rPr lang="it-IT" i="1">
+                                <a:latin typeface="Cambria Math" panose="02040503050406030204" pitchFamily="18" charset="0"/>
+                              </a:rPr>
+                              <m:t>𝑓</m:t>
+                            </m:r>
+                          </m:e>
+                          <m:sup>
+                            <m:r>
+                              <a:rPr lang="it-IT" i="1">
+                                <a:latin typeface="Cambria Math" panose="02040503050406030204" pitchFamily="18" charset="0"/>
+                              </a:rPr>
+                              <m:t>𝐵</m:t>
+                            </m:r>
+                          </m:sup>
+                        </m:sSup>
+                      </m:e>
+                    </m:func>
+                  </m:oMath>
+                </a14:m>
+                <a:r>
+                  <a:rPr lang="it-IT" dirty="0">
+                    <a:latin typeface="Avenir Next LT Pro Light" panose="020B0304020202020204" pitchFamily="34" charset="0"/>
+                  </a:rPr>
+                  <a:t> e quanto migliora l’equità </a:t>
+                </a:r>
+                <a14:m>
+                  <m:oMath xmlns:m="http://schemas.openxmlformats.org/officeDocument/2006/math">
+                    <m:func>
+                      <m:funcPr>
+                        <m:ctrlPr>
+                          <a:rPr lang="it-IT" i="1">
+                            <a:latin typeface="Cambria Math" panose="02040503050406030204" pitchFamily="18" charset="0"/>
+                          </a:rPr>
+                        </m:ctrlPr>
+                      </m:funcPr>
+                      <m:fName>
+                        <m:limLow>
+                          <m:limLowPr>
+                            <m:ctrlPr>
+                              <a:rPr lang="it-IT" i="1">
+                                <a:latin typeface="Cambria Math" panose="02040503050406030204" pitchFamily="18" charset="0"/>
+                              </a:rPr>
+                            </m:ctrlPr>
+                          </m:limLowPr>
+                          <m:e>
+                            <m:r>
+                              <m:rPr>
+                                <m:sty m:val="p"/>
+                              </m:rPr>
+                              <a:rPr lang="it-IT">
+                                <a:latin typeface="Cambria Math" panose="02040503050406030204" pitchFamily="18" charset="0"/>
+                              </a:rPr>
+                              <m:t>min</m:t>
+                            </m:r>
+                          </m:e>
+                          <m:lim>
+                            <m:r>
+                              <a:rPr lang="it-IT" i="1">
+                                <a:latin typeface="Cambria Math" panose="02040503050406030204" pitchFamily="18" charset="0"/>
+                              </a:rPr>
+                              <m:t>𝜎</m:t>
+                            </m:r>
+                          </m:lim>
+                        </m:limLow>
+                      </m:fName>
+                      <m:e>
+                        <m:r>
+                          <a:rPr lang="it-IT" i="1">
+                            <a:latin typeface="Cambria Math" panose="02040503050406030204" pitchFamily="18" charset="0"/>
+                          </a:rPr>
+                          <m:t>𝑧</m:t>
+                        </m:r>
+                      </m:e>
+                    </m:func>
+                  </m:oMath>
+                </a14:m>
+                <a:r>
+                  <a:rPr lang="it-IT" dirty="0">
+                    <a:latin typeface="Avenir Next LT Pro Light" panose="020B0304020202020204" pitchFamily="34" charset="0"/>
+                  </a:rPr>
+                  <a:t>.</a:t>
+                </a:r>
+              </a:p>
+            </p:txBody>
+          </p:sp>
+        </mc:Choice>
+        <mc:Fallback>
+          <p:sp>
+            <p:nvSpPr>
+              <p:cNvPr id="4" name="CasellaDiTesto 3">
+                <a:extLst>
+                  <a:ext uri="{FF2B5EF4-FFF2-40B4-BE49-F238E27FC236}">
+                    <a16:creationId xmlns:a16="http://schemas.microsoft.com/office/drawing/2014/main" id="{C6189D12-3DA9-39BB-D53E-E89E1EB5624F}"/>
+                  </a:ext>
+                </a:extLst>
+              </p:cNvPr>
+              <p:cNvSpPr txBox="1">
+                <a:spLocks noRot="1" noChangeAspect="1" noMove="1" noResize="1" noEditPoints="1" noAdjustHandles="1" noChangeArrowheads="1" noChangeShapeType="1" noTextEdit="1"/>
+              </p:cNvSpPr>
+              <p:nvPr/>
+            </p:nvSpPr>
+            <p:spPr>
+              <a:xfrm>
+                <a:off x="484762" y="996526"/>
+                <a:ext cx="11222476" cy="4949240"/>
+              </a:xfrm>
+              <a:prstGeom prst="rect">
+                <a:avLst/>
+              </a:prstGeom>
+              <a:blipFill>
+                <a:blip r:embed="rId3"/>
+                <a:stretch>
+                  <a:fillRect l="-380" r="-815"/>
+                </a:stretch>
+              </a:blipFill>
+            </p:spPr>
+            <p:txBody>
+              <a:bodyPr/>
+              <a:lstStyle/>
+              <a:p>
+                <a:r>
+                  <a:rPr lang="it-IT">
+                    <a:noFill/>
+                  </a:rPr>
+                  <a:t> </a:t>
+                </a:r>
+              </a:p>
+            </p:txBody>
+          </p:sp>
+        </mc:Fallback>
+      </mc:AlternateContent>
+    </p:spTree>
+    <p:extLst>
+      <p:ext uri="{BB962C8B-B14F-4D97-AF65-F5344CB8AC3E}">
+        <p14:creationId xmlns:p14="http://schemas.microsoft.com/office/powerpoint/2010/main" val="3676156641"/>
       </p:ext>
     </p:extLst>
   </p:cSld>
